--- a/Presentazione_Tesi_Triennale_Informatica_Unimore_2022_2023_Enrico_Marras_152336_v2.pptx
+++ b/Presentazione_Tesi_Triennale_Informatica_Unimore_2022_2023_Enrico_Marras_152336_v2.pptx
@@ -502,7 +502,7 @@
               <c:strCache>
                 <c:ptCount val="1"/>
                 <c:pt idx="0">
-                  <c:v>Runtime write_registers</c:v>
+                  <c:v>Runtime write_register</c:v>
                 </c:pt>
               </c:strCache>
             </c:strRef>
@@ -4818,7 +4818,7 @@
           <a:p>
             <a:fld id="{5A380E97-91F5-47EA-9D04-C3513F44CB51}" type="datetimeFigureOut">
               <a:rPr lang="it-IT" smtClean="0"/>
-              <a:t>21/10/2023</a:t>
+              <a:t>22/10/2023</a:t>
             </a:fld>
             <a:endParaRPr lang="it-IT"/>
           </a:p>
@@ -8631,7 +8631,7 @@
           <a:p>
             <a:fld id="{C6B94E2B-A83C-4036-B1E7-12D11015BA88}" type="datetime1">
               <a:rPr lang="it-IT" smtClean="0"/>
-              <a:t>21/10/2023</a:t>
+              <a:t>22/10/2023</a:t>
             </a:fld>
             <a:endParaRPr lang="it-IT"/>
           </a:p>
@@ -8831,7 +8831,7 @@
           <a:p>
             <a:fld id="{769333B3-E355-425F-83F1-331287CF7A51}" type="datetime1">
               <a:rPr lang="it-IT" smtClean="0"/>
-              <a:t>21/10/2023</a:t>
+              <a:t>22/10/2023</a:t>
             </a:fld>
             <a:endParaRPr lang="it-IT"/>
           </a:p>
@@ -9041,7 +9041,7 @@
           <a:p>
             <a:fld id="{96AE93DD-D37A-416F-BF2A-347FB1385994}" type="datetime1">
               <a:rPr lang="it-IT" smtClean="0"/>
-              <a:t>21/10/2023</a:t>
+              <a:t>22/10/2023</a:t>
             </a:fld>
             <a:endParaRPr lang="it-IT"/>
           </a:p>
@@ -9241,7 +9241,7 @@
           <a:p>
             <a:fld id="{D7C24D3A-F463-43E7-A97A-FE6548E45051}" type="datetime1">
               <a:rPr lang="it-IT" smtClean="0"/>
-              <a:t>21/10/2023</a:t>
+              <a:t>22/10/2023</a:t>
             </a:fld>
             <a:endParaRPr lang="it-IT"/>
           </a:p>
@@ -9517,7 +9517,7 @@
           <a:p>
             <a:fld id="{8681084F-B397-4D9A-B717-28C93DC644E1}" type="datetime1">
               <a:rPr lang="it-IT" smtClean="0"/>
-              <a:t>21/10/2023</a:t>
+              <a:t>22/10/2023</a:t>
             </a:fld>
             <a:endParaRPr lang="it-IT"/>
           </a:p>
@@ -9785,7 +9785,7 @@
           <a:p>
             <a:fld id="{B855B48F-6F92-456B-9CEB-13FA92002165}" type="datetime1">
               <a:rPr lang="it-IT" smtClean="0"/>
-              <a:t>21/10/2023</a:t>
+              <a:t>22/10/2023</a:t>
             </a:fld>
             <a:endParaRPr lang="it-IT"/>
           </a:p>
@@ -10200,7 +10200,7 @@
           <a:p>
             <a:fld id="{44F573C1-8C3B-4691-B20B-10AA4C4B9F18}" type="datetime1">
               <a:rPr lang="it-IT" smtClean="0"/>
-              <a:t>21/10/2023</a:t>
+              <a:t>22/10/2023</a:t>
             </a:fld>
             <a:endParaRPr lang="it-IT"/>
           </a:p>
@@ -10342,7 +10342,7 @@
           <a:p>
             <a:fld id="{D819F175-DCA9-4903-ACA2-7131EFAFF832}" type="datetime1">
               <a:rPr lang="it-IT" smtClean="0"/>
-              <a:t>21/10/2023</a:t>
+              <a:t>22/10/2023</a:t>
             </a:fld>
             <a:endParaRPr lang="it-IT"/>
           </a:p>
@@ -10455,7 +10455,7 @@
           <a:p>
             <a:fld id="{EF774F02-FBDA-44EF-B6F4-77D159B2D26D}" type="datetime1">
               <a:rPr lang="it-IT" smtClean="0"/>
-              <a:t>21/10/2023</a:t>
+              <a:t>22/10/2023</a:t>
             </a:fld>
             <a:endParaRPr lang="it-IT"/>
           </a:p>
@@ -10768,7 +10768,7 @@
           <a:p>
             <a:fld id="{CD2DCA2E-8382-4E58-BE53-3CA49E310222}" type="datetime1">
               <a:rPr lang="it-IT" smtClean="0"/>
-              <a:t>21/10/2023</a:t>
+              <a:t>22/10/2023</a:t>
             </a:fld>
             <a:endParaRPr lang="it-IT"/>
           </a:p>
@@ -11057,7 +11057,7 @@
           <a:p>
             <a:fld id="{5E278125-6853-43A2-991B-77B7DDCCC688}" type="datetime1">
               <a:rPr lang="it-IT" smtClean="0"/>
-              <a:t>21/10/2023</a:t>
+              <a:t>22/10/2023</a:t>
             </a:fld>
             <a:endParaRPr lang="it-IT"/>
           </a:p>
@@ -11317,7 +11317,7 @@
           <a:p>
             <a:fld id="{842C23F0-606E-4C6A-82A8-FF84B32E2232}" type="datetime1">
               <a:rPr lang="it-IT" smtClean="0"/>
-              <a:t>21/10/2023</a:t>
+              <a:t>22/10/2023</a:t>
             </a:fld>
             <a:endParaRPr lang="it-IT"/>
           </a:p>
@@ -16220,8 +16220,8 @@
           </a:p>
         </p:txBody>
       </p:sp>
-      <mc:AlternateContent xmlns:mc="http://schemas.openxmlformats.org/markup-compatibility/2006">
-        <mc:Choice xmlns:a14="http://schemas.microsoft.com/office/drawing/2010/main" Requires="a14">
+      <mc:AlternateContent xmlns:mc="http://schemas.openxmlformats.org/markup-compatibility/2006" xmlns:a14="http://schemas.microsoft.com/office/drawing/2010/main">
+        <mc:Choice Requires="a14">
           <p:sp>
             <p:nvSpPr>
               <p:cNvPr id="5" name="Rectangle: Rounded Corners 4">
@@ -16555,7 +16555,7 @@
             </p:txBody>
           </p:sp>
         </mc:Choice>
-        <mc:Fallback>
+        <mc:Fallback xmlns="">
           <p:sp>
             <p:nvSpPr>
               <p:cNvPr id="5" name="Rectangle: Rounded Corners 4">
@@ -16761,7 +16761,7 @@
         </p:nvCxnSpPr>
         <p:spPr>
           <a:xfrm flipH="1" flipV="1">
-            <a:off x="3897297" y="1490503"/>
+            <a:off x="3897297" y="1605913"/>
             <a:ext cx="1322772" cy="667336"/>
           </a:xfrm>
           <a:prstGeom prst="straightConnector1">
@@ -16812,7 +16812,7 @@
         </p:nvCxnSpPr>
         <p:spPr>
           <a:xfrm flipH="1">
-            <a:off x="3897297" y="2285050"/>
+            <a:off x="3897297" y="2400460"/>
             <a:ext cx="1322772" cy="667336"/>
           </a:xfrm>
           <a:prstGeom prst="straightConnector1">
@@ -16869,7 +16869,7 @@
         </p:blipFill>
         <p:spPr>
           <a:xfrm>
-            <a:off x="2401669" y="2638824"/>
+            <a:off x="2401669" y="2754234"/>
             <a:ext cx="1428750" cy="628650"/>
           </a:xfrm>
           <a:prstGeom prst="rect">
@@ -16899,7 +16899,7 @@
         </p:blipFill>
         <p:spPr>
           <a:xfrm>
-            <a:off x="1321172" y="1176178"/>
+            <a:off x="1321172" y="1291588"/>
             <a:ext cx="2514600" cy="628650"/>
           </a:xfrm>
           <a:prstGeom prst="rect">
@@ -17899,7 +17899,7 @@
           <p:nvPr>
             <p:extLst>
               <p:ext uri="{D42A27DB-BD31-4B8C-83A1-F6EECF244321}">
-                <p14:modId xmlns:p14="http://schemas.microsoft.com/office/powerpoint/2010/main" val="1316569066"/>
+                <p14:modId xmlns:p14="http://schemas.microsoft.com/office/powerpoint/2010/main" val="97793750"/>
               </p:ext>
             </p:extLst>
           </p:nvPr>
@@ -17928,8 +17928,8 @@
         </p:nvSpPr>
         <p:spPr>
           <a:xfrm>
-            <a:off x="701134" y="1102124"/>
-            <a:ext cx="10789726" cy="536232"/>
+            <a:off x="701133" y="1102124"/>
+            <a:ext cx="10825119" cy="536232"/>
           </a:xfrm>
           <a:prstGeom prst="roundRect">
             <a:avLst/>
@@ -18045,8 +18045,8 @@
         </p:nvSpPr>
         <p:spPr>
           <a:xfrm>
-            <a:off x="701134" y="6010818"/>
-            <a:ext cx="10789726" cy="536232"/>
+            <a:off x="701133" y="6010818"/>
+            <a:ext cx="10825119" cy="536232"/>
           </a:xfrm>
           <a:prstGeom prst="roundRect">
             <a:avLst/>
@@ -24242,13 +24242,13 @@
   <p:clrMapOvr>
     <a:masterClrMapping/>
   </p:clrMapOvr>
-  <mc:AlternateContent xmlns:mc="http://schemas.openxmlformats.org/markup-compatibility/2006">
-    <mc:Choice xmlns:p159="http://schemas.microsoft.com/office/powerpoint/2015/09/main" Requires="p159">
+  <mc:AlternateContent xmlns:mc="http://schemas.openxmlformats.org/markup-compatibility/2006" xmlns:p159="http://schemas.microsoft.com/office/powerpoint/2015/09/main">
+    <mc:Choice Requires="p159">
       <p:transition xmlns:p14="http://schemas.microsoft.com/office/powerpoint/2010/main" p14:dur="10">
         <p159:morph option="byObject"/>
       </p:transition>
     </mc:Choice>
-    <mc:Fallback>
+    <mc:Fallback xmlns="">
       <p:transition>
         <p:fade/>
       </p:transition>
@@ -25202,13 +25202,13 @@
   <p:clrMapOvr>
     <a:masterClrMapping/>
   </p:clrMapOvr>
-  <mc:AlternateContent xmlns:mc="http://schemas.openxmlformats.org/markup-compatibility/2006">
-    <mc:Choice xmlns:p159="http://schemas.microsoft.com/office/powerpoint/2015/09/main" Requires="p159">
+  <mc:AlternateContent xmlns:mc="http://schemas.openxmlformats.org/markup-compatibility/2006" xmlns:p159="http://schemas.microsoft.com/office/powerpoint/2015/09/main">
+    <mc:Choice Requires="p159">
       <p:transition xmlns:p14="http://schemas.microsoft.com/office/powerpoint/2010/main" p14:dur="10">
         <p159:morph option="byObject"/>
       </p:transition>
     </mc:Choice>
-    <mc:Fallback>
+    <mc:Fallback xmlns="">
       <p:transition>
         <p:fade/>
       </p:transition>
@@ -26162,13 +26162,13 @@
   <p:clrMapOvr>
     <a:masterClrMapping/>
   </p:clrMapOvr>
-  <mc:AlternateContent xmlns:mc="http://schemas.openxmlformats.org/markup-compatibility/2006">
-    <mc:Choice xmlns:p159="http://schemas.microsoft.com/office/powerpoint/2015/09/main" Requires="p159">
+  <mc:AlternateContent xmlns:mc="http://schemas.openxmlformats.org/markup-compatibility/2006" xmlns:p159="http://schemas.microsoft.com/office/powerpoint/2015/09/main">
+    <mc:Choice Requires="p159">
       <p:transition xmlns:p14="http://schemas.microsoft.com/office/powerpoint/2010/main" p14:dur="10">
         <p159:morph option="byObject"/>
       </p:transition>
     </mc:Choice>
-    <mc:Fallback>
+    <mc:Fallback xmlns="">
       <p:transition>
         <p:fade/>
       </p:transition>

--- a/Presentazione_Tesi_Triennale_Informatica_Unimore_2022_2023_Enrico_Marras_152336_v2.pptx
+++ b/Presentazione_Tesi_Triennale_Informatica_Unimore_2022_2023_Enrico_Marras_152336_v2.pptx
@@ -13655,7 +13655,7 @@
               <a:tabLst/>
               <a:defRPr/>
             </a:pPr>
-            <a:endParaRPr kumimoji="0" lang="it-IT" sz="1800" b="0" i="0" u="none" strike="noStrike" kern="1200" cap="none" spc="0" normalizeH="0" baseline="0" noProof="0">
+            <a:endParaRPr kumimoji="0" lang="it-IT" b="0" i="0" u="none" strike="noStrike" kern="1200" cap="none" spc="0" normalizeH="0" baseline="0" noProof="0" dirty="0">
               <a:ln>
                 <a:noFill/>
               </a:ln>
@@ -22699,7 +22699,7 @@
       </p:pic>
       <p:pic>
         <p:nvPicPr>
-          <p:cNvPr id="7" name="Picture 6" descr="A screenshot of a computer&#10;&#10;Description automatically generated">
+          <p:cNvPr id="7" name="Picture 6">
             <a:extLst>
               <a:ext uri="{FF2B5EF4-FFF2-40B4-BE49-F238E27FC236}">
                 <a16:creationId xmlns:a16="http://schemas.microsoft.com/office/drawing/2014/main" id="{BB5F2EFA-16DB-3B62-B113-0BA6ACCEBECB}"/>
@@ -22713,9 +22713,8 @@
         </p:nvPicPr>
         <p:blipFill>
           <a:blip r:embed="rId5"/>
-          <a:stretch>
-            <a:fillRect/>
-          </a:stretch>
+          <a:srcRect t="8485" b="8485"/>
+          <a:stretch/>
         </p:blipFill>
         <p:spPr>
           <a:xfrm>
@@ -23005,8 +23004,8 @@
         </p:nvSpPr>
         <p:spPr>
           <a:xfrm>
-            <a:off x="3577701" y="5388746"/>
-            <a:ext cx="843379" cy="1063866"/>
+            <a:off x="3661651" y="5335406"/>
+            <a:ext cx="803669" cy="1013324"/>
           </a:xfrm>
           <a:prstGeom prst="rect">
             <a:avLst/>
@@ -23688,7 +23687,7 @@
       </p:pic>
       <p:pic>
         <p:nvPicPr>
-          <p:cNvPr id="7" name="Picture 6" descr="A screenshot of a computer&#10;&#10;Description automatically generated">
+          <p:cNvPr id="7" name="Picture 6">
             <a:extLst>
               <a:ext uri="{FF2B5EF4-FFF2-40B4-BE49-F238E27FC236}">
                 <a16:creationId xmlns:a16="http://schemas.microsoft.com/office/drawing/2014/main" id="{BB5F2EFA-16DB-3B62-B113-0BA6ACCEBECB}"/>
@@ -23702,9 +23701,8 @@
         </p:nvPicPr>
         <p:blipFill>
           <a:blip r:embed="rId5"/>
-          <a:stretch>
-            <a:fillRect/>
-          </a:stretch>
+          <a:srcRect t="8485" b="8485"/>
+          <a:stretch/>
         </p:blipFill>
         <p:spPr>
           <a:xfrm>
@@ -24161,8 +24159,8 @@
         </p:nvSpPr>
         <p:spPr>
           <a:xfrm>
-            <a:off x="4447651" y="5388746"/>
-            <a:ext cx="843379" cy="1063866"/>
+            <a:off x="4495800" y="5333999"/>
+            <a:ext cx="815340" cy="1022351"/>
           </a:xfrm>
           <a:prstGeom prst="rect">
             <a:avLst/>
@@ -24648,7 +24646,7 @@
       </p:pic>
       <p:pic>
         <p:nvPicPr>
-          <p:cNvPr id="7" name="Picture 6" descr="A screenshot of a computer&#10;&#10;Description automatically generated">
+          <p:cNvPr id="7" name="Picture 6">
             <a:extLst>
               <a:ext uri="{FF2B5EF4-FFF2-40B4-BE49-F238E27FC236}">
                 <a16:creationId xmlns:a16="http://schemas.microsoft.com/office/drawing/2014/main" id="{BB5F2EFA-16DB-3B62-B113-0BA6ACCEBECB}"/>
@@ -24662,9 +24660,8 @@
         </p:nvPicPr>
         <p:blipFill>
           <a:blip r:embed="rId5"/>
-          <a:stretch>
-            <a:fillRect/>
-          </a:stretch>
+          <a:srcRect t="8485" b="8485"/>
+          <a:stretch/>
         </p:blipFill>
         <p:spPr>
           <a:xfrm>
@@ -25121,8 +25118,8 @@
         </p:nvSpPr>
         <p:spPr>
           <a:xfrm>
-            <a:off x="5292201" y="5388746"/>
-            <a:ext cx="2029349" cy="1063866"/>
+            <a:off x="5325355" y="5326379"/>
+            <a:ext cx="1927426" cy="1014731"/>
           </a:xfrm>
           <a:prstGeom prst="rect">
             <a:avLst/>
@@ -25608,7 +25605,7 @@
       </p:pic>
       <p:pic>
         <p:nvPicPr>
-          <p:cNvPr id="7" name="Picture 6" descr="A screenshot of a computer&#10;&#10;Description automatically generated">
+          <p:cNvPr id="7" name="Picture 6">
             <a:extLst>
               <a:ext uri="{FF2B5EF4-FFF2-40B4-BE49-F238E27FC236}">
                 <a16:creationId xmlns:a16="http://schemas.microsoft.com/office/drawing/2014/main" id="{BB5F2EFA-16DB-3B62-B113-0BA6ACCEBECB}"/>
@@ -25622,9 +25619,8 @@
         </p:nvPicPr>
         <p:blipFill>
           <a:blip r:embed="rId5"/>
-          <a:stretch>
-            <a:fillRect/>
-          </a:stretch>
+          <a:srcRect t="8485" b="8485"/>
+          <a:stretch/>
         </p:blipFill>
         <p:spPr>
           <a:xfrm>
@@ -26081,8 +26077,8 @@
         </p:nvSpPr>
         <p:spPr>
           <a:xfrm>
-            <a:off x="7343251" y="5388746"/>
-            <a:ext cx="1267349" cy="1063866"/>
+            <a:off x="7305021" y="5336812"/>
+            <a:ext cx="1229380" cy="1011918"/>
           </a:xfrm>
           <a:prstGeom prst="rect">
             <a:avLst/>

--- a/Presentazione_Tesi_Triennale_Informatica_Unimore_2022_2023_Enrico_Marras_152336_v2.pptx
+++ b/Presentazione_Tesi_Triennale_Informatica_Unimore_2022_2023_Enrico_Marras_152336_v2.pptx
@@ -5,7 +5,7 @@
     <p:sldMasterId id="2147483648" r:id="rId1"/>
   </p:sldMasterIdLst>
   <p:notesMasterIdLst>
-    <p:notesMasterId r:id="rId27"/>
+    <p:notesMasterId r:id="rId25"/>
   </p:notesMasterIdLst>
   <p:sldIdLst>
     <p:sldId id="256" r:id="rId2"/>
@@ -21,18 +21,16 @@
     <p:sldId id="278" r:id="rId12"/>
     <p:sldId id="279" r:id="rId13"/>
     <p:sldId id="280" r:id="rId14"/>
-    <p:sldId id="281" r:id="rId15"/>
-    <p:sldId id="282" r:id="rId16"/>
-    <p:sldId id="276" r:id="rId17"/>
-    <p:sldId id="268" r:id="rId18"/>
-    <p:sldId id="266" r:id="rId19"/>
-    <p:sldId id="287" r:id="rId20"/>
-    <p:sldId id="271" r:id="rId21"/>
-    <p:sldId id="284" r:id="rId22"/>
-    <p:sldId id="274" r:id="rId23"/>
-    <p:sldId id="285" r:id="rId24"/>
-    <p:sldId id="286" r:id="rId25"/>
-    <p:sldId id="272" r:id="rId26"/>
+    <p:sldId id="276" r:id="rId15"/>
+    <p:sldId id="268" r:id="rId16"/>
+    <p:sldId id="266" r:id="rId17"/>
+    <p:sldId id="287" r:id="rId18"/>
+    <p:sldId id="271" r:id="rId19"/>
+    <p:sldId id="284" r:id="rId20"/>
+    <p:sldId id="274" r:id="rId21"/>
+    <p:sldId id="285" r:id="rId22"/>
+    <p:sldId id="286" r:id="rId23"/>
+    <p:sldId id="272" r:id="rId24"/>
   </p:sldIdLst>
   <p:sldSz cx="12192000" cy="6858000"/>
   <p:notesSz cx="6858000" cy="9144000"/>
@@ -5736,7 +5734,7 @@
     </p:spTree>
     <p:extLst>
       <p:ext uri="{BB962C8B-B14F-4D97-AF65-F5344CB8AC3E}">
-        <p14:creationId xmlns:p14="http://schemas.microsoft.com/office/powerpoint/2010/main" val="1814887560"/>
+        <p14:creationId xmlns:p14="http://schemas.microsoft.com/office/powerpoint/2010/main" val="4062638337"/>
       </p:ext>
     </p:extLst>
   </p:cSld>
@@ -5880,7 +5878,7 @@
     </p:spTree>
     <p:extLst>
       <p:ext uri="{BB962C8B-B14F-4D97-AF65-F5344CB8AC3E}">
-        <p14:creationId xmlns:p14="http://schemas.microsoft.com/office/powerpoint/2010/main" val="765719418"/>
+        <p14:creationId xmlns:p14="http://schemas.microsoft.com/office/powerpoint/2010/main" val="2582981024"/>
       </p:ext>
     </p:extLst>
   </p:cSld>
@@ -6024,7 +6022,7 @@
     </p:spTree>
     <p:extLst>
       <p:ext uri="{BB962C8B-B14F-4D97-AF65-F5344CB8AC3E}">
-        <p14:creationId xmlns:p14="http://schemas.microsoft.com/office/powerpoint/2010/main" val="4062638337"/>
+        <p14:creationId xmlns:p14="http://schemas.microsoft.com/office/powerpoint/2010/main" val="2521252642"/>
       </p:ext>
     </p:extLst>
   </p:cSld>
@@ -6168,7 +6166,7 @@
     </p:spTree>
     <p:extLst>
       <p:ext uri="{BB962C8B-B14F-4D97-AF65-F5344CB8AC3E}">
-        <p14:creationId xmlns:p14="http://schemas.microsoft.com/office/powerpoint/2010/main" val="2582981024"/>
+        <p14:creationId xmlns:p14="http://schemas.microsoft.com/office/powerpoint/2010/main" val="2900343034"/>
       </p:ext>
     </p:extLst>
   </p:cSld>
@@ -6312,7 +6310,7 @@
     </p:spTree>
     <p:extLst>
       <p:ext uri="{BB962C8B-B14F-4D97-AF65-F5344CB8AC3E}">
-        <p14:creationId xmlns:p14="http://schemas.microsoft.com/office/powerpoint/2010/main" val="2521252642"/>
+        <p14:creationId xmlns:p14="http://schemas.microsoft.com/office/powerpoint/2010/main" val="1724870212"/>
       </p:ext>
     </p:extLst>
   </p:cSld>
@@ -6456,7 +6454,7 @@
     </p:spTree>
     <p:extLst>
       <p:ext uri="{BB962C8B-B14F-4D97-AF65-F5344CB8AC3E}">
-        <p14:creationId xmlns:p14="http://schemas.microsoft.com/office/powerpoint/2010/main" val="2900343034"/>
+        <p14:creationId xmlns:p14="http://schemas.microsoft.com/office/powerpoint/2010/main" val="505399425"/>
       </p:ext>
     </p:extLst>
   </p:cSld>
@@ -6600,7 +6598,7 @@
     </p:spTree>
     <p:extLst>
       <p:ext uri="{BB962C8B-B14F-4D97-AF65-F5344CB8AC3E}">
-        <p14:creationId xmlns:p14="http://schemas.microsoft.com/office/powerpoint/2010/main" val="1724870212"/>
+        <p14:creationId xmlns:p14="http://schemas.microsoft.com/office/powerpoint/2010/main" val="2121086211"/>
       </p:ext>
     </p:extLst>
   </p:cSld>
@@ -6888,7 +6886,7 @@
     </p:spTree>
     <p:extLst>
       <p:ext uri="{BB962C8B-B14F-4D97-AF65-F5344CB8AC3E}">
-        <p14:creationId xmlns:p14="http://schemas.microsoft.com/office/powerpoint/2010/main" val="505399425"/>
+        <p14:creationId xmlns:p14="http://schemas.microsoft.com/office/powerpoint/2010/main" val="3236551705"/>
       </p:ext>
     </p:extLst>
   </p:cSld>
@@ -7032,7 +7030,7 @@
     </p:spTree>
     <p:extLst>
       <p:ext uri="{BB962C8B-B14F-4D97-AF65-F5344CB8AC3E}">
-        <p14:creationId xmlns:p14="http://schemas.microsoft.com/office/powerpoint/2010/main" val="2121086211"/>
+        <p14:creationId xmlns:p14="http://schemas.microsoft.com/office/powerpoint/2010/main" val="3615466969"/>
       </p:ext>
     </p:extLst>
   </p:cSld>
@@ -7155,294 +7153,6 @@
                 <a:defRPr/>
               </a:pPr>
               <a:t>23</a:t>
-            </a:fld>
-            <a:endParaRPr kumimoji="0" lang="it-IT" sz="1200" b="0" i="0" u="none" strike="noStrike" kern="1200" cap="none" spc="0" normalizeH="0" baseline="0" noProof="0">
-              <a:ln>
-                <a:noFill/>
-              </a:ln>
-              <a:solidFill>
-                <a:prstClr val="black"/>
-              </a:solidFill>
-              <a:effectLst/>
-              <a:uLnTx/>
-              <a:uFillTx/>
-              <a:latin typeface="Calibri" panose="020F0502020204030204"/>
-              <a:ea typeface="+mn-ea"/>
-              <a:cs typeface="+mn-cs"/>
-            </a:endParaRPr>
-          </a:p>
-        </p:txBody>
-      </p:sp>
-    </p:spTree>
-    <p:extLst>
-      <p:ext uri="{BB962C8B-B14F-4D97-AF65-F5344CB8AC3E}">
-        <p14:creationId xmlns:p14="http://schemas.microsoft.com/office/powerpoint/2010/main" val="3236551705"/>
-      </p:ext>
-    </p:extLst>
-  </p:cSld>
-  <p:clrMapOvr>
-    <a:masterClrMapping/>
-  </p:clrMapOvr>
-</p:notes>
-</file>
-
-<file path=ppt/notesSlides/notesSlide23.xml><?xml version="1.0" encoding="utf-8"?>
-<p:notes xmlns:a="http://schemas.openxmlformats.org/drawingml/2006/main" xmlns:r="http://schemas.openxmlformats.org/officeDocument/2006/relationships" xmlns:p="http://schemas.openxmlformats.org/presentationml/2006/main">
-  <p:cSld>
-    <p:spTree>
-      <p:nvGrpSpPr>
-        <p:cNvPr id="1" name=""/>
-        <p:cNvGrpSpPr/>
-        <p:nvPr/>
-      </p:nvGrpSpPr>
-      <p:grpSpPr>
-        <a:xfrm>
-          <a:off x="0" y="0"/>
-          <a:ext cx="0" cy="0"/>
-          <a:chOff x="0" y="0"/>
-          <a:chExt cx="0" cy="0"/>
-        </a:xfrm>
-      </p:grpSpPr>
-      <p:sp>
-        <p:nvSpPr>
-          <p:cNvPr id="2" name="Slide Image Placeholder 1"/>
-          <p:cNvSpPr>
-            <a:spLocks noGrp="1" noRot="1" noChangeAspect="1"/>
-          </p:cNvSpPr>
-          <p:nvPr>
-            <p:ph type="sldImg"/>
-          </p:nvPr>
-        </p:nvSpPr>
-        <p:spPr/>
-      </p:sp>
-      <p:sp>
-        <p:nvSpPr>
-          <p:cNvPr id="3" name="Notes Placeholder 2"/>
-          <p:cNvSpPr>
-            <a:spLocks noGrp="1"/>
-          </p:cNvSpPr>
-          <p:nvPr>
-            <p:ph type="body" idx="1"/>
-          </p:nvPr>
-        </p:nvSpPr>
-        <p:spPr/>
-        <p:txBody>
-          <a:bodyPr/>
-          <a:lstStyle/>
-          <a:p>
-            <a:endParaRPr lang="it-IT" dirty="0"/>
-          </a:p>
-        </p:txBody>
-      </p:sp>
-      <p:sp>
-        <p:nvSpPr>
-          <p:cNvPr id="4" name="Slide Number Placeholder 3"/>
-          <p:cNvSpPr>
-            <a:spLocks noGrp="1"/>
-          </p:cNvSpPr>
-          <p:nvPr>
-            <p:ph type="sldNum" sz="quarter" idx="5"/>
-          </p:nvPr>
-        </p:nvSpPr>
-        <p:spPr/>
-        <p:txBody>
-          <a:bodyPr/>
-          <a:lstStyle/>
-          <a:p>
-            <a:pPr marL="0" marR="0" lvl="0" indent="0" algn="r" defTabSz="914400" rtl="0" eaLnBrk="1" fontAlgn="auto" latinLnBrk="0" hangingPunct="1">
-              <a:lnSpc>
-                <a:spcPct val="100000"/>
-              </a:lnSpc>
-              <a:spcBef>
-                <a:spcPts val="0"/>
-              </a:spcBef>
-              <a:spcAft>
-                <a:spcPts val="0"/>
-              </a:spcAft>
-              <a:buClrTx/>
-              <a:buSzTx/>
-              <a:buFontTx/>
-              <a:buNone/>
-              <a:tabLst/>
-              <a:defRPr/>
-            </a:pPr>
-            <a:fld id="{D2114AE1-B372-4C50-AF80-98AA322DCCC6}" type="slidenum">
-              <a:rPr kumimoji="0" lang="it-IT" sz="1200" b="0" i="0" u="none" strike="noStrike" kern="1200" cap="none" spc="0" normalizeH="0" baseline="0" noProof="0" smtClean="0">
-                <a:ln>
-                  <a:noFill/>
-                </a:ln>
-                <a:solidFill>
-                  <a:prstClr val="black"/>
-                </a:solidFill>
-                <a:effectLst/>
-                <a:uLnTx/>
-                <a:uFillTx/>
-                <a:latin typeface="Calibri" panose="020F0502020204030204"/>
-                <a:ea typeface="+mn-ea"/>
-                <a:cs typeface="+mn-cs"/>
-              </a:rPr>
-              <a:pPr marL="0" marR="0" lvl="0" indent="0" algn="r" defTabSz="914400" rtl="0" eaLnBrk="1" fontAlgn="auto" latinLnBrk="0" hangingPunct="1">
-                <a:lnSpc>
-                  <a:spcPct val="100000"/>
-                </a:lnSpc>
-                <a:spcBef>
-                  <a:spcPts val="0"/>
-                </a:spcBef>
-                <a:spcAft>
-                  <a:spcPts val="0"/>
-                </a:spcAft>
-                <a:buClrTx/>
-                <a:buSzTx/>
-                <a:buFontTx/>
-                <a:buNone/>
-                <a:tabLst/>
-                <a:defRPr/>
-              </a:pPr>
-              <a:t>24</a:t>
-            </a:fld>
-            <a:endParaRPr kumimoji="0" lang="it-IT" sz="1200" b="0" i="0" u="none" strike="noStrike" kern="1200" cap="none" spc="0" normalizeH="0" baseline="0" noProof="0">
-              <a:ln>
-                <a:noFill/>
-              </a:ln>
-              <a:solidFill>
-                <a:prstClr val="black"/>
-              </a:solidFill>
-              <a:effectLst/>
-              <a:uLnTx/>
-              <a:uFillTx/>
-              <a:latin typeface="Calibri" panose="020F0502020204030204"/>
-              <a:ea typeface="+mn-ea"/>
-              <a:cs typeface="+mn-cs"/>
-            </a:endParaRPr>
-          </a:p>
-        </p:txBody>
-      </p:sp>
-    </p:spTree>
-    <p:extLst>
-      <p:ext uri="{BB962C8B-B14F-4D97-AF65-F5344CB8AC3E}">
-        <p14:creationId xmlns:p14="http://schemas.microsoft.com/office/powerpoint/2010/main" val="3615466969"/>
-      </p:ext>
-    </p:extLst>
-  </p:cSld>
-  <p:clrMapOvr>
-    <a:masterClrMapping/>
-  </p:clrMapOvr>
-</p:notes>
-</file>
-
-<file path=ppt/notesSlides/notesSlide24.xml><?xml version="1.0" encoding="utf-8"?>
-<p:notes xmlns:a="http://schemas.openxmlformats.org/drawingml/2006/main" xmlns:r="http://schemas.openxmlformats.org/officeDocument/2006/relationships" xmlns:p="http://schemas.openxmlformats.org/presentationml/2006/main">
-  <p:cSld>
-    <p:spTree>
-      <p:nvGrpSpPr>
-        <p:cNvPr id="1" name=""/>
-        <p:cNvGrpSpPr/>
-        <p:nvPr/>
-      </p:nvGrpSpPr>
-      <p:grpSpPr>
-        <a:xfrm>
-          <a:off x="0" y="0"/>
-          <a:ext cx="0" cy="0"/>
-          <a:chOff x="0" y="0"/>
-          <a:chExt cx="0" cy="0"/>
-        </a:xfrm>
-      </p:grpSpPr>
-      <p:sp>
-        <p:nvSpPr>
-          <p:cNvPr id="2" name="Slide Image Placeholder 1"/>
-          <p:cNvSpPr>
-            <a:spLocks noGrp="1" noRot="1" noChangeAspect="1"/>
-          </p:cNvSpPr>
-          <p:nvPr>
-            <p:ph type="sldImg"/>
-          </p:nvPr>
-        </p:nvSpPr>
-        <p:spPr/>
-      </p:sp>
-      <p:sp>
-        <p:nvSpPr>
-          <p:cNvPr id="3" name="Notes Placeholder 2"/>
-          <p:cNvSpPr>
-            <a:spLocks noGrp="1"/>
-          </p:cNvSpPr>
-          <p:nvPr>
-            <p:ph type="body" idx="1"/>
-          </p:nvPr>
-        </p:nvSpPr>
-        <p:spPr/>
-        <p:txBody>
-          <a:bodyPr/>
-          <a:lstStyle/>
-          <a:p>
-            <a:endParaRPr lang="it-IT" dirty="0"/>
-          </a:p>
-        </p:txBody>
-      </p:sp>
-      <p:sp>
-        <p:nvSpPr>
-          <p:cNvPr id="4" name="Slide Number Placeholder 3"/>
-          <p:cNvSpPr>
-            <a:spLocks noGrp="1"/>
-          </p:cNvSpPr>
-          <p:nvPr>
-            <p:ph type="sldNum" sz="quarter" idx="5"/>
-          </p:nvPr>
-        </p:nvSpPr>
-        <p:spPr/>
-        <p:txBody>
-          <a:bodyPr/>
-          <a:lstStyle/>
-          <a:p>
-            <a:pPr marL="0" marR="0" lvl="0" indent="0" algn="r" defTabSz="914400" rtl="0" eaLnBrk="1" fontAlgn="auto" latinLnBrk="0" hangingPunct="1">
-              <a:lnSpc>
-                <a:spcPct val="100000"/>
-              </a:lnSpc>
-              <a:spcBef>
-                <a:spcPts val="0"/>
-              </a:spcBef>
-              <a:spcAft>
-                <a:spcPts val="0"/>
-              </a:spcAft>
-              <a:buClrTx/>
-              <a:buSzTx/>
-              <a:buFontTx/>
-              <a:buNone/>
-              <a:tabLst/>
-              <a:defRPr/>
-            </a:pPr>
-            <a:fld id="{D2114AE1-B372-4C50-AF80-98AA322DCCC6}" type="slidenum">
-              <a:rPr kumimoji="0" lang="it-IT" sz="1200" b="0" i="0" u="none" strike="noStrike" kern="1200" cap="none" spc="0" normalizeH="0" baseline="0" noProof="0" smtClean="0">
-                <a:ln>
-                  <a:noFill/>
-                </a:ln>
-                <a:solidFill>
-                  <a:prstClr val="black"/>
-                </a:solidFill>
-                <a:effectLst/>
-                <a:uLnTx/>
-                <a:uFillTx/>
-                <a:latin typeface="Calibri" panose="020F0502020204030204"/>
-                <a:ea typeface="+mn-ea"/>
-                <a:cs typeface="+mn-cs"/>
-              </a:rPr>
-              <a:pPr marL="0" marR="0" lvl="0" indent="0" algn="r" defTabSz="914400" rtl="0" eaLnBrk="1" fontAlgn="auto" latinLnBrk="0" hangingPunct="1">
-                <a:lnSpc>
-                  <a:spcPct val="100000"/>
-                </a:lnSpc>
-                <a:spcBef>
-                  <a:spcPts val="0"/>
-                </a:spcBef>
-                <a:spcAft>
-                  <a:spcPts val="0"/>
-                </a:spcAft>
-                <a:buClrTx/>
-                <a:buSzTx/>
-                <a:buFontTx/>
-                <a:buNone/>
-                <a:tabLst/>
-                <a:defRPr/>
-              </a:pPr>
-              <a:t>25</a:t>
             </a:fld>
             <a:endParaRPr kumimoji="0" lang="it-IT" sz="1200" b="0" i="0" u="none" strike="noStrike" kern="1200" cap="none" spc="0" normalizeH="0" baseline="0" noProof="0">
               <a:ln>
@@ -12588,7 +12298,7 @@
         </p:blipFill>
         <p:spPr>
           <a:xfrm>
-            <a:off x="1575361" y="2733675"/>
+            <a:off x="3169918" y="2733675"/>
             <a:ext cx="981408" cy="3870612"/>
           </a:xfrm>
           <a:prstGeom prst="rect">
@@ -13433,7 +13143,7 @@
         </p:blipFill>
         <p:spPr>
           <a:xfrm>
-            <a:off x="1575361" y="2733675"/>
+            <a:off x="3172417" y="2733675"/>
             <a:ext cx="2606022" cy="3870612"/>
           </a:xfrm>
           <a:prstGeom prst="rect">
@@ -14071,7 +13781,7 @@
         </p:blipFill>
         <p:spPr>
           <a:xfrm>
-            <a:off x="1575361" y="2733675"/>
+            <a:off x="3165704" y="2733675"/>
             <a:ext cx="4212880" cy="3870612"/>
           </a:xfrm>
           <a:prstGeom prst="rect">
@@ -14709,7 +14419,7 @@
         </p:blipFill>
         <p:spPr>
           <a:xfrm>
-            <a:off x="1575361" y="2733675"/>
+            <a:off x="3168376" y="2733675"/>
             <a:ext cx="5855249" cy="3870612"/>
           </a:xfrm>
           <a:prstGeom prst="rect">
@@ -14762,1283 +14472,6 @@
 </file>
 
 <file path=ppt/slides/slide14.xml><?xml version="1.0" encoding="utf-8"?>
-<p:sld xmlns:a="http://schemas.openxmlformats.org/drawingml/2006/main" xmlns:r="http://schemas.openxmlformats.org/officeDocument/2006/relationships" xmlns:p="http://schemas.openxmlformats.org/presentationml/2006/main">
-  <p:cSld>
-    <p:spTree>
-      <p:nvGrpSpPr>
-        <p:cNvPr id="1" name=""/>
-        <p:cNvGrpSpPr/>
-        <p:nvPr/>
-      </p:nvGrpSpPr>
-      <p:grpSpPr>
-        <a:xfrm>
-          <a:off x="0" y="0"/>
-          <a:ext cx="0" cy="0"/>
-          <a:chOff x="0" y="0"/>
-          <a:chExt cx="0" cy="0"/>
-        </a:xfrm>
-      </p:grpSpPr>
-      <p:sp>
-        <p:nvSpPr>
-          <p:cNvPr id="8" name="Rectangle: Rounded Corners 7">
-            <a:extLst>
-              <a:ext uri="{FF2B5EF4-FFF2-40B4-BE49-F238E27FC236}">
-                <a16:creationId xmlns:a16="http://schemas.microsoft.com/office/drawing/2014/main" id="{7BB0D57C-96FC-342D-E8C0-5E4D36FCC075}"/>
-              </a:ext>
-            </a:extLst>
-          </p:cNvPr>
-          <p:cNvSpPr/>
-          <p:nvPr/>
-        </p:nvSpPr>
-        <p:spPr>
-          <a:xfrm>
-            <a:off x="136263" y="107576"/>
-            <a:ext cx="11919473" cy="6642848"/>
-          </a:xfrm>
-          <a:prstGeom prst="roundRect">
-            <a:avLst>
-              <a:gd name="adj" fmla="val 1768"/>
-            </a:avLst>
-          </a:prstGeom>
-          <a:solidFill>
-            <a:schemeClr val="accent2">
-              <a:lumMod val="20000"/>
-              <a:lumOff val="80000"/>
-            </a:schemeClr>
-          </a:solidFill>
-          <a:ln>
-            <a:noFill/>
-          </a:ln>
-          <a:effectLst>
-            <a:softEdge rad="0"/>
-          </a:effectLst>
-        </p:spPr>
-        <p:style>
-          <a:lnRef idx="2">
-            <a:schemeClr val="accent1">
-              <a:shade val="15000"/>
-            </a:schemeClr>
-          </a:lnRef>
-          <a:fillRef idx="1">
-            <a:schemeClr val="accent1"/>
-          </a:fillRef>
-          <a:effectRef idx="0">
-            <a:schemeClr val="accent1"/>
-          </a:effectRef>
-          <a:fontRef idx="minor">
-            <a:schemeClr val="lt1"/>
-          </a:fontRef>
-        </p:style>
-        <p:txBody>
-          <a:bodyPr rtlCol="0" anchor="ctr"/>
-          <a:lstStyle/>
-          <a:p>
-            <a:pPr marL="0" marR="0" lvl="0" indent="0" algn="ctr" defTabSz="914400" rtl="0" eaLnBrk="1" fontAlgn="auto" latinLnBrk="0" hangingPunct="1">
-              <a:lnSpc>
-                <a:spcPct val="100000"/>
-              </a:lnSpc>
-              <a:spcBef>
-                <a:spcPts val="0"/>
-              </a:spcBef>
-              <a:spcAft>
-                <a:spcPts val="0"/>
-              </a:spcAft>
-              <a:buClrTx/>
-              <a:buSzTx/>
-              <a:buFontTx/>
-              <a:buNone/>
-              <a:tabLst/>
-              <a:defRPr/>
-            </a:pPr>
-            <a:endParaRPr kumimoji="0" lang="it-IT" sz="1800" b="0" i="0" u="none" strike="noStrike" kern="1200" cap="none" spc="0" normalizeH="0" baseline="0" noProof="0" dirty="0">
-              <a:ln>
-                <a:noFill/>
-              </a:ln>
-              <a:solidFill>
-                <a:prstClr val="white"/>
-              </a:solidFill>
-              <a:effectLst/>
-              <a:uLnTx/>
-              <a:uFillTx/>
-              <a:latin typeface="Calibri" panose="020F0502020204030204"/>
-              <a:ea typeface="+mn-ea"/>
-              <a:cs typeface="+mn-cs"/>
-            </a:endParaRPr>
-          </a:p>
-        </p:txBody>
-      </p:sp>
-      <p:sp>
-        <p:nvSpPr>
-          <p:cNvPr id="10" name="Rectangle: Rounded Corners 9">
-            <a:extLst>
-              <a:ext uri="{FF2B5EF4-FFF2-40B4-BE49-F238E27FC236}">
-                <a16:creationId xmlns:a16="http://schemas.microsoft.com/office/drawing/2014/main" id="{353FC021-9E12-A48E-6ABA-58B63D78E973}"/>
-              </a:ext>
-            </a:extLst>
-          </p:cNvPr>
-          <p:cNvSpPr/>
-          <p:nvPr/>
-        </p:nvSpPr>
-        <p:spPr>
-          <a:xfrm>
-            <a:off x="4678533" y="253713"/>
-            <a:ext cx="2849732" cy="536232"/>
-          </a:xfrm>
-          <a:prstGeom prst="roundRect">
-            <a:avLst/>
-          </a:prstGeom>
-          <a:solidFill>
-            <a:schemeClr val="bg1"/>
-          </a:solidFill>
-          <a:ln>
-            <a:noFill/>
-          </a:ln>
-        </p:spPr>
-        <p:style>
-          <a:lnRef idx="2">
-            <a:schemeClr val="accent1">
-              <a:shade val="15000"/>
-            </a:schemeClr>
-          </a:lnRef>
-          <a:fillRef idx="1">
-            <a:schemeClr val="accent1"/>
-          </a:fillRef>
-          <a:effectRef idx="0">
-            <a:schemeClr val="accent1"/>
-          </a:effectRef>
-          <a:fontRef idx="minor">
-            <a:schemeClr val="lt1"/>
-          </a:fontRef>
-        </p:style>
-        <p:txBody>
-          <a:bodyPr rtlCol="0" anchor="ctr"/>
-          <a:lstStyle/>
-          <a:p>
-            <a:pPr marL="0" marR="0" lvl="0" indent="0" algn="ctr" defTabSz="914400" rtl="0" eaLnBrk="1" fontAlgn="auto" latinLnBrk="0" hangingPunct="1">
-              <a:lnSpc>
-                <a:spcPct val="100000"/>
-              </a:lnSpc>
-              <a:spcBef>
-                <a:spcPts val="0"/>
-              </a:spcBef>
-              <a:spcAft>
-                <a:spcPts val="0"/>
-              </a:spcAft>
-              <a:buClrTx/>
-              <a:buSzTx/>
-              <a:buFontTx/>
-              <a:buNone/>
-              <a:tabLst/>
-              <a:defRPr/>
-            </a:pPr>
-            <a:endParaRPr kumimoji="0" lang="it-IT" sz="1800" b="0" i="0" u="none" strike="noStrike" kern="1200" cap="none" spc="0" normalizeH="0" baseline="0" noProof="0">
-              <a:ln>
-                <a:noFill/>
-              </a:ln>
-              <a:solidFill>
-                <a:prstClr val="white"/>
-              </a:solidFill>
-              <a:effectLst/>
-              <a:uLnTx/>
-              <a:uFillTx/>
-              <a:latin typeface="Calibri" panose="020F0502020204030204"/>
-              <a:ea typeface="+mn-ea"/>
-              <a:cs typeface="+mn-cs"/>
-            </a:endParaRPr>
-          </a:p>
-        </p:txBody>
-      </p:sp>
-      <p:sp>
-        <p:nvSpPr>
-          <p:cNvPr id="2" name="Title 1">
-            <a:extLst>
-              <a:ext uri="{FF2B5EF4-FFF2-40B4-BE49-F238E27FC236}">
-                <a16:creationId xmlns:a16="http://schemas.microsoft.com/office/drawing/2014/main" id="{29FD1FBB-B73F-521A-0195-23D08646B2BD}"/>
-              </a:ext>
-            </a:extLst>
-          </p:cNvPr>
-          <p:cNvSpPr>
-            <a:spLocks noGrp="1"/>
-          </p:cNvSpPr>
-          <p:nvPr>
-            <p:ph type="ctrTitle"/>
-          </p:nvPr>
-        </p:nvSpPr>
-        <p:spPr>
-          <a:xfrm>
-            <a:off x="0" y="219075"/>
-            <a:ext cx="12192000" cy="547058"/>
-          </a:xfrm>
-        </p:spPr>
-        <p:txBody>
-          <a:bodyPr>
-            <a:normAutofit fontScale="90000"/>
-          </a:bodyPr>
-          <a:lstStyle/>
-          <a:p>
-            <a:pPr hangingPunct="0">
-              <a:tabLst>
-                <a:tab pos="7496175" algn="r"/>
-              </a:tabLst>
-            </a:pPr>
-            <a:r>
-              <a:rPr lang="it-IT" sz="3600" dirty="0">
-                <a:latin typeface="Arial" panose="020B0604020202020204" pitchFamily="34" charset="0"/>
-                <a:ea typeface="Cambria Math" panose="02040503050406030204" pitchFamily="18" charset="0"/>
-                <a:cs typeface="Arial" panose="020B0604020202020204" pitchFamily="34" charset="0"/>
-              </a:rPr>
-              <a:t>Coda di priorità</a:t>
-            </a:r>
-          </a:p>
-        </p:txBody>
-      </p:sp>
-      <p:sp>
-        <p:nvSpPr>
-          <p:cNvPr id="4" name="Rectangle: Rounded Corners 3">
-            <a:extLst>
-              <a:ext uri="{FF2B5EF4-FFF2-40B4-BE49-F238E27FC236}">
-                <a16:creationId xmlns:a16="http://schemas.microsoft.com/office/drawing/2014/main" id="{59FE2E9D-74CF-CE81-55BB-51E23D076BAE}"/>
-              </a:ext>
-            </a:extLst>
-          </p:cNvPr>
-          <p:cNvSpPr/>
-          <p:nvPr/>
-        </p:nvSpPr>
-        <p:spPr>
-          <a:xfrm>
-            <a:off x="965747" y="877631"/>
-            <a:ext cx="10275303" cy="1783019"/>
-          </a:xfrm>
-          <a:prstGeom prst="roundRect">
-            <a:avLst/>
-          </a:prstGeom>
-          <a:solidFill>
-            <a:schemeClr val="bg1"/>
-          </a:solidFill>
-          <a:ln w="28575">
-            <a:solidFill>
-              <a:schemeClr val="tx1"/>
-            </a:solidFill>
-          </a:ln>
-        </p:spPr>
-        <p:style>
-          <a:lnRef idx="2">
-            <a:schemeClr val="accent1">
-              <a:shade val="15000"/>
-            </a:schemeClr>
-          </a:lnRef>
-          <a:fillRef idx="1">
-            <a:schemeClr val="accent1"/>
-          </a:fillRef>
-          <a:effectRef idx="0">
-            <a:schemeClr val="accent1"/>
-          </a:effectRef>
-          <a:fontRef idx="minor">
-            <a:schemeClr val="lt1"/>
-          </a:fontRef>
-        </p:style>
-        <p:txBody>
-          <a:bodyPr rtlCol="0" anchor="ctr"/>
-          <a:lstStyle/>
-          <a:p>
-            <a:pPr marL="0" marR="0" lvl="0" indent="0" algn="l" defTabSz="914400" rtl="0" eaLnBrk="1" fontAlgn="auto" latinLnBrk="0" hangingPunct="1">
-              <a:lnSpc>
-                <a:spcPct val="100000"/>
-              </a:lnSpc>
-              <a:spcBef>
-                <a:spcPts val="0"/>
-              </a:spcBef>
-              <a:spcAft>
-                <a:spcPts val="0"/>
-              </a:spcAft>
-              <a:buClrTx/>
-              <a:buSzTx/>
-              <a:buFontTx/>
-              <a:buNone/>
-              <a:tabLst/>
-              <a:defRPr/>
-            </a:pPr>
-            <a:r>
-              <a:rPr kumimoji="0" lang="it-IT" sz="2400" b="0" i="0" u="none" strike="noStrike" kern="1200" cap="none" spc="0" normalizeH="0" baseline="0" noProof="0" dirty="0">
-                <a:ln>
-                  <a:noFill/>
-                </a:ln>
-                <a:solidFill>
-                  <a:prstClr val="black"/>
-                </a:solidFill>
-                <a:effectLst/>
-                <a:uLnTx/>
-                <a:uFillTx/>
-                <a:latin typeface="Arial" panose="020B0604020202020204" pitchFamily="34" charset="0"/>
-                <a:cs typeface="Arial" panose="020B0604020202020204" pitchFamily="34" charset="0"/>
-              </a:rPr>
-              <a:t>La coda deve poter discriminare tra tre diverse tipologie di compiti:</a:t>
-            </a:r>
-          </a:p>
-          <a:p>
-            <a:pPr marL="285750" marR="0" lvl="0" indent="-285750" algn="l" defTabSz="914400" rtl="0" eaLnBrk="1" fontAlgn="auto" latinLnBrk="0" hangingPunct="1">
-              <a:lnSpc>
-                <a:spcPct val="100000"/>
-              </a:lnSpc>
-              <a:spcBef>
-                <a:spcPts val="0"/>
-              </a:spcBef>
-              <a:spcAft>
-                <a:spcPts val="0"/>
-              </a:spcAft>
-              <a:buClrTx/>
-              <a:buSzTx/>
-              <a:buFont typeface="Wingdings" panose="05000000000000000000" pitchFamily="2" charset="2"/>
-              <a:buChar char="§"/>
-              <a:tabLst/>
-              <a:defRPr/>
-            </a:pPr>
-            <a:r>
-              <a:rPr kumimoji="0" lang="it-IT" sz="2400" b="0" i="0" u="none" strike="noStrike" kern="1200" cap="none" spc="0" normalizeH="0" baseline="0" noProof="0" dirty="0">
-                <a:ln>
-                  <a:noFill/>
-                </a:ln>
-                <a:solidFill>
-                  <a:srgbClr val="7FB265"/>
-                </a:solidFill>
-                <a:effectLst/>
-                <a:uLnTx/>
-                <a:uFillTx/>
-                <a:latin typeface="Arial" panose="020B0604020202020204" pitchFamily="34" charset="0"/>
-                <a:cs typeface="Arial" panose="020B0604020202020204" pitchFamily="34" charset="0"/>
-              </a:rPr>
-              <a:t>Periodici ad alta priorità </a:t>
-            </a:r>
-            <a:r>
-              <a:rPr kumimoji="0" lang="it-IT" sz="2400" b="0" i="0" u="none" strike="noStrike" kern="1200" cap="none" spc="0" normalizeH="0" baseline="0" noProof="0" dirty="0">
-                <a:ln>
-                  <a:noFill/>
-                </a:ln>
-                <a:solidFill>
-                  <a:prstClr val="black"/>
-                </a:solidFill>
-                <a:effectLst/>
-                <a:uLnTx/>
-                <a:uFillTx/>
-                <a:latin typeface="Arial" panose="020B0604020202020204" pitchFamily="34" charset="0"/>
-                <a:cs typeface="Arial" panose="020B0604020202020204" pitchFamily="34" charset="0"/>
-              </a:rPr>
-              <a:t>(</a:t>
-            </a:r>
-            <a:r>
-              <a:rPr kumimoji="0" lang="el-GR" sz="2400" b="0" i="0" u="none" strike="noStrike" kern="1200" cap="none" spc="0" normalizeH="0" baseline="0" noProof="0" dirty="0">
-                <a:ln>
-                  <a:noFill/>
-                </a:ln>
-                <a:solidFill>
-                  <a:srgbClr val="7FB265"/>
-                </a:solidFill>
-                <a:effectLst/>
-                <a:uLnTx/>
-                <a:uFillTx/>
-                <a:latin typeface="Arial" panose="020B0604020202020204" pitchFamily="34" charset="0"/>
-                <a:cs typeface="Arial" panose="020B0604020202020204" pitchFamily="34" charset="0"/>
-              </a:rPr>
-              <a:t>α</a:t>
-            </a:r>
-            <a:r>
-              <a:rPr kumimoji="0" lang="it-IT" sz="2400" b="0" i="0" u="none" strike="noStrike" kern="1200" cap="none" spc="0" normalizeH="0" baseline="0" noProof="0" dirty="0">
-                <a:ln>
-                  <a:noFill/>
-                </a:ln>
-                <a:solidFill>
-                  <a:prstClr val="black"/>
-                </a:solidFill>
-                <a:effectLst/>
-                <a:uLnTx/>
-                <a:uFillTx/>
-                <a:latin typeface="Arial" panose="020B0604020202020204" pitchFamily="34" charset="0"/>
-                <a:cs typeface="Arial" panose="020B0604020202020204" pitchFamily="34" charset="0"/>
-              </a:rPr>
-              <a:t>)</a:t>
-            </a:r>
-          </a:p>
-          <a:p>
-            <a:pPr marL="285750" marR="0" lvl="0" indent="-285750" algn="l" defTabSz="914400" rtl="0" eaLnBrk="1" fontAlgn="auto" latinLnBrk="0" hangingPunct="1">
-              <a:lnSpc>
-                <a:spcPct val="100000"/>
-              </a:lnSpc>
-              <a:spcBef>
-                <a:spcPts val="0"/>
-              </a:spcBef>
-              <a:spcAft>
-                <a:spcPts val="0"/>
-              </a:spcAft>
-              <a:buClrTx/>
-              <a:buSzTx/>
-              <a:buFont typeface="Wingdings" panose="05000000000000000000" pitchFamily="2" charset="2"/>
-              <a:buChar char="§"/>
-              <a:tabLst/>
-              <a:defRPr/>
-            </a:pPr>
-            <a:r>
-              <a:rPr kumimoji="0" lang="it-IT" sz="2400" b="0" i="0" u="none" strike="noStrike" kern="1200" cap="none" spc="0" normalizeH="0" baseline="0" noProof="0" dirty="0">
-                <a:ln>
-                  <a:noFill/>
-                </a:ln>
-                <a:solidFill>
-                  <a:srgbClr val="B64F4B"/>
-                </a:solidFill>
-                <a:effectLst/>
-                <a:uLnTx/>
-                <a:uFillTx/>
-                <a:latin typeface="Arial" panose="020B0604020202020204" pitchFamily="34" charset="0"/>
-                <a:cs typeface="Arial" panose="020B0604020202020204" pitchFamily="34" charset="0"/>
-              </a:rPr>
-              <a:t>Periodici a priorità normale </a:t>
-            </a:r>
-            <a:r>
-              <a:rPr kumimoji="0" lang="it-IT" sz="2400" b="0" i="0" u="none" strike="noStrike" kern="1200" cap="none" spc="0" normalizeH="0" baseline="0" noProof="0" dirty="0">
-                <a:ln>
-                  <a:noFill/>
-                </a:ln>
-                <a:solidFill>
-                  <a:prstClr val="black"/>
-                </a:solidFill>
-                <a:effectLst/>
-                <a:uLnTx/>
-                <a:uFillTx/>
-                <a:latin typeface="Arial" panose="020B0604020202020204" pitchFamily="34" charset="0"/>
-                <a:cs typeface="Arial" panose="020B0604020202020204" pitchFamily="34" charset="0"/>
-              </a:rPr>
-              <a:t>(</a:t>
-            </a:r>
-            <a:r>
-              <a:rPr kumimoji="0" lang="el-GR" sz="2400" b="0" i="0" u="none" strike="noStrike" kern="1200" cap="none" spc="0" normalizeH="0" baseline="0" noProof="0" dirty="0">
-                <a:ln>
-                  <a:noFill/>
-                </a:ln>
-                <a:solidFill>
-                  <a:srgbClr val="B64F4B"/>
-                </a:solidFill>
-                <a:effectLst/>
-                <a:uLnTx/>
-                <a:uFillTx/>
-                <a:latin typeface="Arial" panose="020B0604020202020204" pitchFamily="34" charset="0"/>
-                <a:cs typeface="Arial" panose="020B0604020202020204" pitchFamily="34" charset="0"/>
-              </a:rPr>
-              <a:t>β</a:t>
-            </a:r>
-            <a:r>
-              <a:rPr kumimoji="0" lang="it-IT" sz="2400" b="0" i="0" u="none" strike="noStrike" kern="1200" cap="none" spc="0" normalizeH="0" baseline="0" noProof="0" dirty="0">
-                <a:ln>
-                  <a:noFill/>
-                </a:ln>
-                <a:solidFill>
-                  <a:prstClr val="black"/>
-                </a:solidFill>
-                <a:effectLst/>
-                <a:uLnTx/>
-                <a:uFillTx/>
-                <a:latin typeface="Arial" panose="020B0604020202020204" pitchFamily="34" charset="0"/>
-                <a:cs typeface="Arial" panose="020B0604020202020204" pitchFamily="34" charset="0"/>
-              </a:rPr>
-              <a:t>)</a:t>
-            </a:r>
-          </a:p>
-          <a:p>
-            <a:pPr marL="285750" marR="0" lvl="0" indent="-285750" algn="l" defTabSz="914400" rtl="0" eaLnBrk="1" fontAlgn="auto" latinLnBrk="0" hangingPunct="1">
-              <a:lnSpc>
-                <a:spcPct val="100000"/>
-              </a:lnSpc>
-              <a:spcBef>
-                <a:spcPts val="0"/>
-              </a:spcBef>
-              <a:spcAft>
-                <a:spcPts val="0"/>
-              </a:spcAft>
-              <a:buClrTx/>
-              <a:buSzTx/>
-              <a:buFont typeface="Wingdings" panose="05000000000000000000" pitchFamily="2" charset="2"/>
-              <a:buChar char="§"/>
-              <a:tabLst/>
-              <a:defRPr/>
-            </a:pPr>
-            <a:r>
-              <a:rPr kumimoji="0" lang="it-IT" sz="2400" b="0" i="0" u="none" strike="noStrike" kern="1200" cap="none" spc="0" normalizeH="0" baseline="0" noProof="0" dirty="0">
-                <a:ln>
-                  <a:noFill/>
-                </a:ln>
-                <a:solidFill>
-                  <a:srgbClr val="6A8DC0"/>
-                </a:solidFill>
-                <a:effectLst/>
-                <a:uLnTx/>
-                <a:uFillTx/>
-                <a:latin typeface="Arial" panose="020B0604020202020204" pitchFamily="34" charset="0"/>
-                <a:cs typeface="Arial" panose="020B0604020202020204" pitchFamily="34" charset="0"/>
-              </a:rPr>
-              <a:t>Immediati </a:t>
-            </a:r>
-            <a:r>
-              <a:rPr kumimoji="0" lang="it-IT" sz="2400" b="0" i="0" u="none" strike="noStrike" kern="1200" cap="none" spc="0" normalizeH="0" baseline="0" noProof="0" dirty="0">
-                <a:ln>
-                  <a:noFill/>
-                </a:ln>
-                <a:solidFill>
-                  <a:prstClr val="black"/>
-                </a:solidFill>
-                <a:effectLst/>
-                <a:uLnTx/>
-                <a:uFillTx/>
-                <a:latin typeface="Arial" panose="020B0604020202020204" pitchFamily="34" charset="0"/>
-                <a:cs typeface="Arial" panose="020B0604020202020204" pitchFamily="34" charset="0"/>
-              </a:rPr>
-              <a:t>(</a:t>
-            </a:r>
-            <a:r>
-              <a:rPr kumimoji="0" lang="el-GR" sz="2400" b="0" i="0" u="none" strike="noStrike" kern="1200" cap="none" spc="0" normalizeH="0" baseline="0" noProof="0" dirty="0">
-                <a:ln>
-                  <a:noFill/>
-                </a:ln>
-                <a:solidFill>
-                  <a:srgbClr val="6A8DC0"/>
-                </a:solidFill>
-                <a:effectLst/>
-                <a:uLnTx/>
-                <a:uFillTx/>
-                <a:latin typeface="Arial" panose="020B0604020202020204" pitchFamily="34" charset="0"/>
-                <a:cs typeface="Arial" panose="020B0604020202020204" pitchFamily="34" charset="0"/>
-              </a:rPr>
-              <a:t>γ</a:t>
-            </a:r>
-            <a:r>
-              <a:rPr kumimoji="0" lang="it-IT" sz="2400" b="0" i="0" u="none" strike="noStrike" kern="1200" cap="none" spc="0" normalizeH="0" baseline="0" noProof="0" dirty="0">
-                <a:ln>
-                  <a:noFill/>
-                </a:ln>
-                <a:solidFill>
-                  <a:prstClr val="black"/>
-                </a:solidFill>
-                <a:effectLst/>
-                <a:uLnTx/>
-                <a:uFillTx/>
-                <a:latin typeface="Arial" panose="020B0604020202020204" pitchFamily="34" charset="0"/>
-                <a:cs typeface="Arial" panose="020B0604020202020204" pitchFamily="34" charset="0"/>
-              </a:rPr>
-              <a:t>)</a:t>
-            </a:r>
-          </a:p>
-        </p:txBody>
-      </p:sp>
-      <p:pic>
-        <p:nvPicPr>
-          <p:cNvPr id="18" name="Picture 17" descr="A screenshot of a computer&#10;&#10;Description automatically generated">
-            <a:extLst>
-              <a:ext uri="{FF2B5EF4-FFF2-40B4-BE49-F238E27FC236}">
-                <a16:creationId xmlns:a16="http://schemas.microsoft.com/office/drawing/2014/main" id="{B46F7289-5009-F275-C8F1-972FE0998D47}"/>
-              </a:ext>
-            </a:extLst>
-          </p:cNvPr>
-          <p:cNvPicPr>
-            <a:picLocks noChangeAspect="1"/>
-          </p:cNvPicPr>
-          <p:nvPr/>
-        </p:nvPicPr>
-        <p:blipFill rotWithShape="1">
-          <a:blip r:embed="rId3"/>
-          <a:srcRect r="17172"/>
-          <a:stretch/>
-        </p:blipFill>
-        <p:spPr>
-          <a:xfrm>
-            <a:off x="1575361" y="2733675"/>
-            <a:ext cx="7488740" cy="3870612"/>
-          </a:xfrm>
-          <a:prstGeom prst="rect">
-            <a:avLst/>
-          </a:prstGeom>
-        </p:spPr>
-      </p:pic>
-      <p:sp>
-        <p:nvSpPr>
-          <p:cNvPr id="3" name="Slide Number Placeholder 2">
-            <a:extLst>
-              <a:ext uri="{FF2B5EF4-FFF2-40B4-BE49-F238E27FC236}">
-                <a16:creationId xmlns:a16="http://schemas.microsoft.com/office/drawing/2014/main" id="{338AEFEF-F9DB-CDF4-B448-DCF5CE29CB56}"/>
-              </a:ext>
-            </a:extLst>
-          </p:cNvPr>
-          <p:cNvSpPr>
-            <a:spLocks noGrp="1"/>
-          </p:cNvSpPr>
-          <p:nvPr>
-            <p:ph type="sldNum" sz="quarter" idx="12"/>
-          </p:nvPr>
-        </p:nvSpPr>
-        <p:spPr/>
-        <p:txBody>
-          <a:bodyPr/>
-          <a:lstStyle/>
-          <a:p>
-            <a:r>
-              <a:rPr lang="it-IT" dirty="0"/>
-              <a:t>7</a:t>
-            </a:r>
-          </a:p>
-        </p:txBody>
-      </p:sp>
-    </p:spTree>
-    <p:extLst>
-      <p:ext uri="{BB962C8B-B14F-4D97-AF65-F5344CB8AC3E}">
-        <p14:creationId xmlns:p14="http://schemas.microsoft.com/office/powerpoint/2010/main" val="3719203066"/>
-      </p:ext>
-    </p:extLst>
-  </p:cSld>
-  <p:clrMapOvr>
-    <a:masterClrMapping/>
-  </p:clrMapOvr>
-  <p:transition spd="slow">
-    <p:wipe/>
-  </p:transition>
-</p:sld>
-</file>
-
-<file path=ppt/slides/slide15.xml><?xml version="1.0" encoding="utf-8"?>
-<p:sld xmlns:a="http://schemas.openxmlformats.org/drawingml/2006/main" xmlns:r="http://schemas.openxmlformats.org/officeDocument/2006/relationships" xmlns:p="http://schemas.openxmlformats.org/presentationml/2006/main">
-  <p:cSld>
-    <p:spTree>
-      <p:nvGrpSpPr>
-        <p:cNvPr id="1" name=""/>
-        <p:cNvGrpSpPr/>
-        <p:nvPr/>
-      </p:nvGrpSpPr>
-      <p:grpSpPr>
-        <a:xfrm>
-          <a:off x="0" y="0"/>
-          <a:ext cx="0" cy="0"/>
-          <a:chOff x="0" y="0"/>
-          <a:chExt cx="0" cy="0"/>
-        </a:xfrm>
-      </p:grpSpPr>
-      <p:sp>
-        <p:nvSpPr>
-          <p:cNvPr id="8" name="Rectangle: Rounded Corners 7">
-            <a:extLst>
-              <a:ext uri="{FF2B5EF4-FFF2-40B4-BE49-F238E27FC236}">
-                <a16:creationId xmlns:a16="http://schemas.microsoft.com/office/drawing/2014/main" id="{7BB0D57C-96FC-342D-E8C0-5E4D36FCC075}"/>
-              </a:ext>
-            </a:extLst>
-          </p:cNvPr>
-          <p:cNvSpPr/>
-          <p:nvPr/>
-        </p:nvSpPr>
-        <p:spPr>
-          <a:xfrm>
-            <a:off x="136263" y="107576"/>
-            <a:ext cx="11919473" cy="6642848"/>
-          </a:xfrm>
-          <a:prstGeom prst="roundRect">
-            <a:avLst>
-              <a:gd name="adj" fmla="val 1768"/>
-            </a:avLst>
-          </a:prstGeom>
-          <a:solidFill>
-            <a:schemeClr val="accent2">
-              <a:lumMod val="20000"/>
-              <a:lumOff val="80000"/>
-            </a:schemeClr>
-          </a:solidFill>
-          <a:ln>
-            <a:noFill/>
-          </a:ln>
-          <a:effectLst>
-            <a:softEdge rad="0"/>
-          </a:effectLst>
-        </p:spPr>
-        <p:style>
-          <a:lnRef idx="2">
-            <a:schemeClr val="accent1">
-              <a:shade val="15000"/>
-            </a:schemeClr>
-          </a:lnRef>
-          <a:fillRef idx="1">
-            <a:schemeClr val="accent1"/>
-          </a:fillRef>
-          <a:effectRef idx="0">
-            <a:schemeClr val="accent1"/>
-          </a:effectRef>
-          <a:fontRef idx="minor">
-            <a:schemeClr val="lt1"/>
-          </a:fontRef>
-        </p:style>
-        <p:txBody>
-          <a:bodyPr rtlCol="0" anchor="ctr"/>
-          <a:lstStyle/>
-          <a:p>
-            <a:pPr marL="0" marR="0" lvl="0" indent="0" algn="ctr" defTabSz="914400" rtl="0" eaLnBrk="1" fontAlgn="auto" latinLnBrk="0" hangingPunct="1">
-              <a:lnSpc>
-                <a:spcPct val="100000"/>
-              </a:lnSpc>
-              <a:spcBef>
-                <a:spcPts val="0"/>
-              </a:spcBef>
-              <a:spcAft>
-                <a:spcPts val="0"/>
-              </a:spcAft>
-              <a:buClrTx/>
-              <a:buSzTx/>
-              <a:buFontTx/>
-              <a:buNone/>
-              <a:tabLst/>
-              <a:defRPr/>
-            </a:pPr>
-            <a:endParaRPr kumimoji="0" lang="it-IT" sz="1800" b="0" i="0" u="none" strike="noStrike" kern="1200" cap="none" spc="0" normalizeH="0" baseline="0" noProof="0" dirty="0">
-              <a:ln>
-                <a:noFill/>
-              </a:ln>
-              <a:solidFill>
-                <a:prstClr val="white"/>
-              </a:solidFill>
-              <a:effectLst/>
-              <a:uLnTx/>
-              <a:uFillTx/>
-              <a:latin typeface="Calibri" panose="020F0502020204030204"/>
-              <a:ea typeface="+mn-ea"/>
-              <a:cs typeface="+mn-cs"/>
-            </a:endParaRPr>
-          </a:p>
-        </p:txBody>
-      </p:sp>
-      <p:sp>
-        <p:nvSpPr>
-          <p:cNvPr id="10" name="Rectangle: Rounded Corners 9">
-            <a:extLst>
-              <a:ext uri="{FF2B5EF4-FFF2-40B4-BE49-F238E27FC236}">
-                <a16:creationId xmlns:a16="http://schemas.microsoft.com/office/drawing/2014/main" id="{353FC021-9E12-A48E-6ABA-58B63D78E973}"/>
-              </a:ext>
-            </a:extLst>
-          </p:cNvPr>
-          <p:cNvSpPr/>
-          <p:nvPr/>
-        </p:nvSpPr>
-        <p:spPr>
-          <a:xfrm>
-            <a:off x="4678533" y="253713"/>
-            <a:ext cx="2849732" cy="536232"/>
-          </a:xfrm>
-          <a:prstGeom prst="roundRect">
-            <a:avLst/>
-          </a:prstGeom>
-          <a:solidFill>
-            <a:schemeClr val="bg1"/>
-          </a:solidFill>
-          <a:ln>
-            <a:noFill/>
-          </a:ln>
-        </p:spPr>
-        <p:style>
-          <a:lnRef idx="2">
-            <a:schemeClr val="accent1">
-              <a:shade val="15000"/>
-            </a:schemeClr>
-          </a:lnRef>
-          <a:fillRef idx="1">
-            <a:schemeClr val="accent1"/>
-          </a:fillRef>
-          <a:effectRef idx="0">
-            <a:schemeClr val="accent1"/>
-          </a:effectRef>
-          <a:fontRef idx="minor">
-            <a:schemeClr val="lt1"/>
-          </a:fontRef>
-        </p:style>
-        <p:txBody>
-          <a:bodyPr rtlCol="0" anchor="ctr"/>
-          <a:lstStyle/>
-          <a:p>
-            <a:pPr marL="0" marR="0" lvl="0" indent="0" algn="ctr" defTabSz="914400" rtl="0" eaLnBrk="1" fontAlgn="auto" latinLnBrk="0" hangingPunct="1">
-              <a:lnSpc>
-                <a:spcPct val="100000"/>
-              </a:lnSpc>
-              <a:spcBef>
-                <a:spcPts val="0"/>
-              </a:spcBef>
-              <a:spcAft>
-                <a:spcPts val="0"/>
-              </a:spcAft>
-              <a:buClrTx/>
-              <a:buSzTx/>
-              <a:buFontTx/>
-              <a:buNone/>
-              <a:tabLst/>
-              <a:defRPr/>
-            </a:pPr>
-            <a:endParaRPr kumimoji="0" lang="it-IT" sz="1800" b="0" i="0" u="none" strike="noStrike" kern="1200" cap="none" spc="0" normalizeH="0" baseline="0" noProof="0">
-              <a:ln>
-                <a:noFill/>
-              </a:ln>
-              <a:solidFill>
-                <a:prstClr val="white"/>
-              </a:solidFill>
-              <a:effectLst/>
-              <a:uLnTx/>
-              <a:uFillTx/>
-              <a:latin typeface="Calibri" panose="020F0502020204030204"/>
-              <a:ea typeface="+mn-ea"/>
-              <a:cs typeface="+mn-cs"/>
-            </a:endParaRPr>
-          </a:p>
-        </p:txBody>
-      </p:sp>
-      <p:sp>
-        <p:nvSpPr>
-          <p:cNvPr id="2" name="Title 1">
-            <a:extLst>
-              <a:ext uri="{FF2B5EF4-FFF2-40B4-BE49-F238E27FC236}">
-                <a16:creationId xmlns:a16="http://schemas.microsoft.com/office/drawing/2014/main" id="{29FD1FBB-B73F-521A-0195-23D08646B2BD}"/>
-              </a:ext>
-            </a:extLst>
-          </p:cNvPr>
-          <p:cNvSpPr>
-            <a:spLocks noGrp="1"/>
-          </p:cNvSpPr>
-          <p:nvPr>
-            <p:ph type="ctrTitle"/>
-          </p:nvPr>
-        </p:nvSpPr>
-        <p:spPr>
-          <a:xfrm>
-            <a:off x="0" y="219075"/>
-            <a:ext cx="12192000" cy="547058"/>
-          </a:xfrm>
-        </p:spPr>
-        <p:txBody>
-          <a:bodyPr>
-            <a:normAutofit fontScale="90000"/>
-          </a:bodyPr>
-          <a:lstStyle/>
-          <a:p>
-            <a:pPr hangingPunct="0">
-              <a:tabLst>
-                <a:tab pos="7496175" algn="r"/>
-              </a:tabLst>
-            </a:pPr>
-            <a:r>
-              <a:rPr lang="it-IT" sz="3600" dirty="0">
-                <a:latin typeface="Arial" panose="020B0604020202020204" pitchFamily="34" charset="0"/>
-                <a:ea typeface="Cambria Math" panose="02040503050406030204" pitchFamily="18" charset="0"/>
-                <a:cs typeface="Arial" panose="020B0604020202020204" pitchFamily="34" charset="0"/>
-              </a:rPr>
-              <a:t>Coda di priorità</a:t>
-            </a:r>
-          </a:p>
-        </p:txBody>
-      </p:sp>
-      <p:sp>
-        <p:nvSpPr>
-          <p:cNvPr id="4" name="Rectangle: Rounded Corners 3">
-            <a:extLst>
-              <a:ext uri="{FF2B5EF4-FFF2-40B4-BE49-F238E27FC236}">
-                <a16:creationId xmlns:a16="http://schemas.microsoft.com/office/drawing/2014/main" id="{59FE2E9D-74CF-CE81-55BB-51E23D076BAE}"/>
-              </a:ext>
-            </a:extLst>
-          </p:cNvPr>
-          <p:cNvSpPr/>
-          <p:nvPr/>
-        </p:nvSpPr>
-        <p:spPr>
-          <a:xfrm>
-            <a:off x="965747" y="877632"/>
-            <a:ext cx="10275303" cy="1783018"/>
-          </a:xfrm>
-          <a:prstGeom prst="roundRect">
-            <a:avLst/>
-          </a:prstGeom>
-          <a:solidFill>
-            <a:schemeClr val="bg1"/>
-          </a:solidFill>
-          <a:ln w="28575">
-            <a:solidFill>
-              <a:schemeClr val="tx1"/>
-            </a:solidFill>
-          </a:ln>
-        </p:spPr>
-        <p:style>
-          <a:lnRef idx="2">
-            <a:schemeClr val="accent1">
-              <a:shade val="15000"/>
-            </a:schemeClr>
-          </a:lnRef>
-          <a:fillRef idx="1">
-            <a:schemeClr val="accent1"/>
-          </a:fillRef>
-          <a:effectRef idx="0">
-            <a:schemeClr val="accent1"/>
-          </a:effectRef>
-          <a:fontRef idx="minor">
-            <a:schemeClr val="lt1"/>
-          </a:fontRef>
-        </p:style>
-        <p:txBody>
-          <a:bodyPr rtlCol="0" anchor="ctr"/>
-          <a:lstStyle/>
-          <a:p>
-            <a:pPr marL="0" marR="0" lvl="0" indent="0" algn="l" defTabSz="914400" rtl="0" eaLnBrk="1" fontAlgn="auto" latinLnBrk="0" hangingPunct="1">
-              <a:lnSpc>
-                <a:spcPct val="100000"/>
-              </a:lnSpc>
-              <a:spcBef>
-                <a:spcPts val="0"/>
-              </a:spcBef>
-              <a:spcAft>
-                <a:spcPts val="0"/>
-              </a:spcAft>
-              <a:buClrTx/>
-              <a:buSzTx/>
-              <a:buFontTx/>
-              <a:buNone/>
-              <a:tabLst/>
-              <a:defRPr/>
-            </a:pPr>
-            <a:r>
-              <a:rPr kumimoji="0" lang="it-IT" sz="2400" b="0" i="0" u="none" strike="noStrike" kern="1200" cap="none" spc="0" normalizeH="0" baseline="0" noProof="0" dirty="0">
-                <a:ln>
-                  <a:noFill/>
-                </a:ln>
-                <a:solidFill>
-                  <a:prstClr val="black"/>
-                </a:solidFill>
-                <a:effectLst/>
-                <a:uLnTx/>
-                <a:uFillTx/>
-                <a:latin typeface="Arial" panose="020B0604020202020204" pitchFamily="34" charset="0"/>
-                <a:cs typeface="Arial" panose="020B0604020202020204" pitchFamily="34" charset="0"/>
-              </a:rPr>
-              <a:t>La coda deve poter discriminare tra tre diverse tipologie di compiti:</a:t>
-            </a:r>
-          </a:p>
-          <a:p>
-            <a:pPr marL="285750" marR="0" lvl="0" indent="-285750" algn="l" defTabSz="914400" rtl="0" eaLnBrk="1" fontAlgn="auto" latinLnBrk="0" hangingPunct="1">
-              <a:lnSpc>
-                <a:spcPct val="100000"/>
-              </a:lnSpc>
-              <a:spcBef>
-                <a:spcPts val="0"/>
-              </a:spcBef>
-              <a:spcAft>
-                <a:spcPts val="0"/>
-              </a:spcAft>
-              <a:buClrTx/>
-              <a:buSzTx/>
-              <a:buFont typeface="Wingdings" panose="05000000000000000000" pitchFamily="2" charset="2"/>
-              <a:buChar char="§"/>
-              <a:tabLst/>
-              <a:defRPr/>
-            </a:pPr>
-            <a:r>
-              <a:rPr kumimoji="0" lang="it-IT" sz="2400" b="0" i="0" u="none" strike="noStrike" kern="1200" cap="none" spc="0" normalizeH="0" baseline="0" noProof="0" dirty="0">
-                <a:ln>
-                  <a:noFill/>
-                </a:ln>
-                <a:solidFill>
-                  <a:srgbClr val="7FB265"/>
-                </a:solidFill>
-                <a:effectLst/>
-                <a:uLnTx/>
-                <a:uFillTx/>
-                <a:latin typeface="Arial" panose="020B0604020202020204" pitchFamily="34" charset="0"/>
-                <a:cs typeface="Arial" panose="020B0604020202020204" pitchFamily="34" charset="0"/>
-              </a:rPr>
-              <a:t>Periodici ad alta priorità </a:t>
-            </a:r>
-            <a:r>
-              <a:rPr kumimoji="0" lang="it-IT" sz="2400" b="0" i="0" u="none" strike="noStrike" kern="1200" cap="none" spc="0" normalizeH="0" baseline="0" noProof="0" dirty="0">
-                <a:ln>
-                  <a:noFill/>
-                </a:ln>
-                <a:solidFill>
-                  <a:prstClr val="black"/>
-                </a:solidFill>
-                <a:effectLst/>
-                <a:uLnTx/>
-                <a:uFillTx/>
-                <a:latin typeface="Arial" panose="020B0604020202020204" pitchFamily="34" charset="0"/>
-                <a:cs typeface="Arial" panose="020B0604020202020204" pitchFamily="34" charset="0"/>
-              </a:rPr>
-              <a:t>(</a:t>
-            </a:r>
-            <a:r>
-              <a:rPr kumimoji="0" lang="el-GR" sz="2400" b="0" i="0" u="none" strike="noStrike" kern="1200" cap="none" spc="0" normalizeH="0" baseline="0" noProof="0" dirty="0">
-                <a:ln>
-                  <a:noFill/>
-                </a:ln>
-                <a:solidFill>
-                  <a:srgbClr val="7FB265"/>
-                </a:solidFill>
-                <a:effectLst/>
-                <a:uLnTx/>
-                <a:uFillTx/>
-                <a:latin typeface="Arial" panose="020B0604020202020204" pitchFamily="34" charset="0"/>
-                <a:cs typeface="Arial" panose="020B0604020202020204" pitchFamily="34" charset="0"/>
-              </a:rPr>
-              <a:t>α</a:t>
-            </a:r>
-            <a:r>
-              <a:rPr kumimoji="0" lang="it-IT" sz="2400" b="0" i="0" u="none" strike="noStrike" kern="1200" cap="none" spc="0" normalizeH="0" baseline="0" noProof="0" dirty="0">
-                <a:ln>
-                  <a:noFill/>
-                </a:ln>
-                <a:solidFill>
-                  <a:prstClr val="black"/>
-                </a:solidFill>
-                <a:effectLst/>
-                <a:uLnTx/>
-                <a:uFillTx/>
-                <a:latin typeface="Arial" panose="020B0604020202020204" pitchFamily="34" charset="0"/>
-                <a:cs typeface="Arial" panose="020B0604020202020204" pitchFamily="34" charset="0"/>
-              </a:rPr>
-              <a:t>)</a:t>
-            </a:r>
-          </a:p>
-          <a:p>
-            <a:pPr marL="285750" marR="0" lvl="0" indent="-285750" algn="l" defTabSz="914400" rtl="0" eaLnBrk="1" fontAlgn="auto" latinLnBrk="0" hangingPunct="1">
-              <a:lnSpc>
-                <a:spcPct val="100000"/>
-              </a:lnSpc>
-              <a:spcBef>
-                <a:spcPts val="0"/>
-              </a:spcBef>
-              <a:spcAft>
-                <a:spcPts val="0"/>
-              </a:spcAft>
-              <a:buClrTx/>
-              <a:buSzTx/>
-              <a:buFont typeface="Wingdings" panose="05000000000000000000" pitchFamily="2" charset="2"/>
-              <a:buChar char="§"/>
-              <a:tabLst/>
-              <a:defRPr/>
-            </a:pPr>
-            <a:r>
-              <a:rPr kumimoji="0" lang="it-IT" sz="2400" b="0" i="0" u="none" strike="noStrike" kern="1200" cap="none" spc="0" normalizeH="0" baseline="0" noProof="0" dirty="0">
-                <a:ln>
-                  <a:noFill/>
-                </a:ln>
-                <a:solidFill>
-                  <a:srgbClr val="B64F4B"/>
-                </a:solidFill>
-                <a:effectLst/>
-                <a:uLnTx/>
-                <a:uFillTx/>
-                <a:latin typeface="Arial" panose="020B0604020202020204" pitchFamily="34" charset="0"/>
-                <a:cs typeface="Arial" panose="020B0604020202020204" pitchFamily="34" charset="0"/>
-              </a:rPr>
-              <a:t>Periodici a priorità normale </a:t>
-            </a:r>
-            <a:r>
-              <a:rPr kumimoji="0" lang="it-IT" sz="2400" b="0" i="0" u="none" strike="noStrike" kern="1200" cap="none" spc="0" normalizeH="0" baseline="0" noProof="0" dirty="0">
-                <a:ln>
-                  <a:noFill/>
-                </a:ln>
-                <a:solidFill>
-                  <a:prstClr val="black"/>
-                </a:solidFill>
-                <a:effectLst/>
-                <a:uLnTx/>
-                <a:uFillTx/>
-                <a:latin typeface="Arial" panose="020B0604020202020204" pitchFamily="34" charset="0"/>
-                <a:cs typeface="Arial" panose="020B0604020202020204" pitchFamily="34" charset="0"/>
-              </a:rPr>
-              <a:t>(</a:t>
-            </a:r>
-            <a:r>
-              <a:rPr kumimoji="0" lang="el-GR" sz="2400" b="0" i="0" u="none" strike="noStrike" kern="1200" cap="none" spc="0" normalizeH="0" baseline="0" noProof="0" dirty="0">
-                <a:ln>
-                  <a:noFill/>
-                </a:ln>
-                <a:solidFill>
-                  <a:srgbClr val="B64F4B"/>
-                </a:solidFill>
-                <a:effectLst/>
-                <a:uLnTx/>
-                <a:uFillTx/>
-                <a:latin typeface="Arial" panose="020B0604020202020204" pitchFamily="34" charset="0"/>
-                <a:cs typeface="Arial" panose="020B0604020202020204" pitchFamily="34" charset="0"/>
-              </a:rPr>
-              <a:t>β</a:t>
-            </a:r>
-            <a:r>
-              <a:rPr kumimoji="0" lang="it-IT" sz="2400" b="0" i="0" u="none" strike="noStrike" kern="1200" cap="none" spc="0" normalizeH="0" baseline="0" noProof="0" dirty="0">
-                <a:ln>
-                  <a:noFill/>
-                </a:ln>
-                <a:solidFill>
-                  <a:prstClr val="black"/>
-                </a:solidFill>
-                <a:effectLst/>
-                <a:uLnTx/>
-                <a:uFillTx/>
-                <a:latin typeface="Arial" panose="020B0604020202020204" pitchFamily="34" charset="0"/>
-                <a:cs typeface="Arial" panose="020B0604020202020204" pitchFamily="34" charset="0"/>
-              </a:rPr>
-              <a:t>)</a:t>
-            </a:r>
-          </a:p>
-          <a:p>
-            <a:pPr marL="285750" marR="0" lvl="0" indent="-285750" algn="l" defTabSz="914400" rtl="0" eaLnBrk="1" fontAlgn="auto" latinLnBrk="0" hangingPunct="1">
-              <a:lnSpc>
-                <a:spcPct val="100000"/>
-              </a:lnSpc>
-              <a:spcBef>
-                <a:spcPts val="0"/>
-              </a:spcBef>
-              <a:spcAft>
-                <a:spcPts val="0"/>
-              </a:spcAft>
-              <a:buClrTx/>
-              <a:buSzTx/>
-              <a:buFont typeface="Wingdings" panose="05000000000000000000" pitchFamily="2" charset="2"/>
-              <a:buChar char="§"/>
-              <a:tabLst/>
-              <a:defRPr/>
-            </a:pPr>
-            <a:r>
-              <a:rPr kumimoji="0" lang="it-IT" sz="2400" b="0" i="0" u="none" strike="noStrike" kern="1200" cap="none" spc="0" normalizeH="0" baseline="0" noProof="0" dirty="0">
-                <a:ln>
-                  <a:noFill/>
-                </a:ln>
-                <a:solidFill>
-                  <a:srgbClr val="6A8DC0"/>
-                </a:solidFill>
-                <a:effectLst/>
-                <a:uLnTx/>
-                <a:uFillTx/>
-                <a:latin typeface="Arial" panose="020B0604020202020204" pitchFamily="34" charset="0"/>
-                <a:cs typeface="Arial" panose="020B0604020202020204" pitchFamily="34" charset="0"/>
-              </a:rPr>
-              <a:t>Immediati </a:t>
-            </a:r>
-            <a:r>
-              <a:rPr kumimoji="0" lang="it-IT" sz="2400" b="0" i="0" u="none" strike="noStrike" kern="1200" cap="none" spc="0" normalizeH="0" baseline="0" noProof="0" dirty="0">
-                <a:ln>
-                  <a:noFill/>
-                </a:ln>
-                <a:solidFill>
-                  <a:prstClr val="black"/>
-                </a:solidFill>
-                <a:effectLst/>
-                <a:uLnTx/>
-                <a:uFillTx/>
-                <a:latin typeface="Arial" panose="020B0604020202020204" pitchFamily="34" charset="0"/>
-                <a:cs typeface="Arial" panose="020B0604020202020204" pitchFamily="34" charset="0"/>
-              </a:rPr>
-              <a:t>(</a:t>
-            </a:r>
-            <a:r>
-              <a:rPr kumimoji="0" lang="el-GR" sz="2400" b="0" i="0" u="none" strike="noStrike" kern="1200" cap="none" spc="0" normalizeH="0" baseline="0" noProof="0" dirty="0">
-                <a:ln>
-                  <a:noFill/>
-                </a:ln>
-                <a:solidFill>
-                  <a:srgbClr val="6A8DC0"/>
-                </a:solidFill>
-                <a:effectLst/>
-                <a:uLnTx/>
-                <a:uFillTx/>
-                <a:latin typeface="Arial" panose="020B0604020202020204" pitchFamily="34" charset="0"/>
-                <a:cs typeface="Arial" panose="020B0604020202020204" pitchFamily="34" charset="0"/>
-              </a:rPr>
-              <a:t>γ</a:t>
-            </a:r>
-            <a:r>
-              <a:rPr kumimoji="0" lang="it-IT" sz="2400" b="0" i="0" u="none" strike="noStrike" kern="1200" cap="none" spc="0" normalizeH="0" baseline="0" noProof="0" dirty="0">
-                <a:ln>
-                  <a:noFill/>
-                </a:ln>
-                <a:solidFill>
-                  <a:prstClr val="black"/>
-                </a:solidFill>
-                <a:effectLst/>
-                <a:uLnTx/>
-                <a:uFillTx/>
-                <a:latin typeface="Arial" panose="020B0604020202020204" pitchFamily="34" charset="0"/>
-                <a:cs typeface="Arial" panose="020B0604020202020204" pitchFamily="34" charset="0"/>
-              </a:rPr>
-              <a:t>)</a:t>
-            </a:r>
-          </a:p>
-        </p:txBody>
-      </p:sp>
-      <p:pic>
-        <p:nvPicPr>
-          <p:cNvPr id="18" name="Picture 17" descr="A screenshot of a computer&#10;&#10;Description automatically generated">
-            <a:extLst>
-              <a:ext uri="{FF2B5EF4-FFF2-40B4-BE49-F238E27FC236}">
-                <a16:creationId xmlns:a16="http://schemas.microsoft.com/office/drawing/2014/main" id="{B46F7289-5009-F275-C8F1-972FE0998D47}"/>
-              </a:ext>
-            </a:extLst>
-          </p:cNvPr>
-          <p:cNvPicPr>
-            <a:picLocks noChangeAspect="1"/>
-          </p:cNvPicPr>
-          <p:nvPr/>
-        </p:nvPicPr>
-        <p:blipFill>
-          <a:blip r:embed="rId3"/>
-          <a:stretch>
-            <a:fillRect/>
-          </a:stretch>
-        </p:blipFill>
-        <p:spPr>
-          <a:xfrm>
-            <a:off x="1575361" y="2733675"/>
-            <a:ext cx="9041278" cy="3870612"/>
-          </a:xfrm>
-          <a:prstGeom prst="rect">
-            <a:avLst/>
-          </a:prstGeom>
-        </p:spPr>
-      </p:pic>
-      <p:sp>
-        <p:nvSpPr>
-          <p:cNvPr id="3" name="Slide Number Placeholder 2">
-            <a:extLst>
-              <a:ext uri="{FF2B5EF4-FFF2-40B4-BE49-F238E27FC236}">
-                <a16:creationId xmlns:a16="http://schemas.microsoft.com/office/drawing/2014/main" id="{147D8BA4-48F2-E03B-3E0D-EFF1E664D9B2}"/>
-              </a:ext>
-            </a:extLst>
-          </p:cNvPr>
-          <p:cNvSpPr>
-            <a:spLocks noGrp="1"/>
-          </p:cNvSpPr>
-          <p:nvPr>
-            <p:ph type="sldNum" sz="quarter" idx="12"/>
-          </p:nvPr>
-        </p:nvSpPr>
-        <p:spPr/>
-        <p:txBody>
-          <a:bodyPr/>
-          <a:lstStyle/>
-          <a:p>
-            <a:r>
-              <a:rPr lang="it-IT" dirty="0"/>
-              <a:t>7</a:t>
-            </a:r>
-          </a:p>
-        </p:txBody>
-      </p:sp>
-    </p:spTree>
-    <p:extLst>
-      <p:ext uri="{BB962C8B-B14F-4D97-AF65-F5344CB8AC3E}">
-        <p14:creationId xmlns:p14="http://schemas.microsoft.com/office/powerpoint/2010/main" val="378047816"/>
-      </p:ext>
-    </p:extLst>
-  </p:cSld>
-  <p:clrMapOvr>
-    <a:masterClrMapping/>
-  </p:clrMapOvr>
-  <p:transition spd="slow">
-    <p:wipe/>
-  </p:transition>
-</p:sld>
-</file>
-
-<file path=ppt/slides/slide16.xml><?xml version="1.0" encoding="utf-8"?>
 <p:sld xmlns:a="http://schemas.openxmlformats.org/drawingml/2006/main" xmlns:r="http://schemas.openxmlformats.org/officeDocument/2006/relationships" xmlns:p="http://schemas.openxmlformats.org/presentationml/2006/main">
   <p:cSld>
     <p:spTree>
@@ -17655,7 +16088,7 @@
 </p:sld>
 </file>
 
-<file path=ppt/slides/slide17.xml><?xml version="1.0" encoding="utf-8"?>
+<file path=ppt/slides/slide15.xml><?xml version="1.0" encoding="utf-8"?>
 <p:sld xmlns:a="http://schemas.openxmlformats.org/drawingml/2006/main" xmlns:r="http://schemas.openxmlformats.org/officeDocument/2006/relationships" xmlns:p="http://schemas.openxmlformats.org/presentationml/2006/main">
   <p:cSld>
     <p:spTree>
@@ -18353,7 +16786,7 @@
 </p:sld>
 </file>
 
-<file path=ppt/slides/slide18.xml><?xml version="1.0" encoding="utf-8"?>
+<file path=ppt/slides/slide16.xml><?xml version="1.0" encoding="utf-8"?>
 <p:sld xmlns:a="http://schemas.openxmlformats.org/drawingml/2006/main" xmlns:r="http://schemas.openxmlformats.org/officeDocument/2006/relationships" xmlns:p="http://schemas.openxmlformats.org/presentationml/2006/main">
   <p:cSld>
     <p:spTree>
@@ -19072,7 +17505,7 @@
 </p:sld>
 </file>
 
-<file path=ppt/slides/slide19.xml><?xml version="1.0" encoding="utf-8"?>
+<file path=ppt/slides/slide17.xml><?xml version="1.0" encoding="utf-8"?>
 <p:sld xmlns:a="http://schemas.openxmlformats.org/drawingml/2006/main" xmlns:r="http://schemas.openxmlformats.org/officeDocument/2006/relationships" xmlns:p="http://schemas.openxmlformats.org/presentationml/2006/main">
   <p:cSld>
     <p:spTree>
@@ -19464,6 +17897,711 @@
       </p:bldGraphic>
     </p:bldLst>
   </p:timing>
+</p:sld>
+</file>
+
+<file path=ppt/slides/slide18.xml><?xml version="1.0" encoding="utf-8"?>
+<p:sld xmlns:a="http://schemas.openxmlformats.org/drawingml/2006/main" xmlns:r="http://schemas.openxmlformats.org/officeDocument/2006/relationships" xmlns:p="http://schemas.openxmlformats.org/presentationml/2006/main">
+  <p:cSld>
+    <p:spTree>
+      <p:nvGrpSpPr>
+        <p:cNvPr id="1" name=""/>
+        <p:cNvGrpSpPr/>
+        <p:nvPr/>
+      </p:nvGrpSpPr>
+      <p:grpSpPr>
+        <a:xfrm>
+          <a:off x="0" y="0"/>
+          <a:ext cx="0" cy="0"/>
+          <a:chOff x="0" y="0"/>
+          <a:chExt cx="0" cy="0"/>
+        </a:xfrm>
+      </p:grpSpPr>
+      <p:sp>
+        <p:nvSpPr>
+          <p:cNvPr id="8" name="Rectangle: Rounded Corners 7">
+            <a:extLst>
+              <a:ext uri="{FF2B5EF4-FFF2-40B4-BE49-F238E27FC236}">
+                <a16:creationId xmlns:a16="http://schemas.microsoft.com/office/drawing/2014/main" id="{7BB0D57C-96FC-342D-E8C0-5E4D36FCC075}"/>
+              </a:ext>
+            </a:extLst>
+          </p:cNvPr>
+          <p:cNvSpPr/>
+          <p:nvPr/>
+        </p:nvSpPr>
+        <p:spPr>
+          <a:xfrm>
+            <a:off x="136263" y="107576"/>
+            <a:ext cx="11919473" cy="6642848"/>
+          </a:xfrm>
+          <a:prstGeom prst="roundRect">
+            <a:avLst>
+              <a:gd name="adj" fmla="val 1768"/>
+            </a:avLst>
+          </a:prstGeom>
+          <a:solidFill>
+            <a:schemeClr val="accent2">
+              <a:lumMod val="20000"/>
+              <a:lumOff val="80000"/>
+            </a:schemeClr>
+          </a:solidFill>
+          <a:ln>
+            <a:noFill/>
+          </a:ln>
+          <a:effectLst>
+            <a:softEdge rad="0"/>
+          </a:effectLst>
+        </p:spPr>
+        <p:style>
+          <a:lnRef idx="2">
+            <a:schemeClr val="accent1">
+              <a:shade val="15000"/>
+            </a:schemeClr>
+          </a:lnRef>
+          <a:fillRef idx="1">
+            <a:schemeClr val="accent1"/>
+          </a:fillRef>
+          <a:effectRef idx="0">
+            <a:schemeClr val="accent1"/>
+          </a:effectRef>
+          <a:fontRef idx="minor">
+            <a:schemeClr val="lt1"/>
+          </a:fontRef>
+        </p:style>
+        <p:txBody>
+          <a:bodyPr rtlCol="0" anchor="ctr"/>
+          <a:lstStyle/>
+          <a:p>
+            <a:pPr marL="0" marR="0" lvl="0" indent="0" algn="ctr" defTabSz="914400" rtl="0" eaLnBrk="1" fontAlgn="auto" latinLnBrk="0" hangingPunct="1">
+              <a:lnSpc>
+                <a:spcPct val="100000"/>
+              </a:lnSpc>
+              <a:spcBef>
+                <a:spcPts val="0"/>
+              </a:spcBef>
+              <a:spcAft>
+                <a:spcPts val="0"/>
+              </a:spcAft>
+              <a:buClrTx/>
+              <a:buSzTx/>
+              <a:buFontTx/>
+              <a:buNone/>
+              <a:tabLst/>
+              <a:defRPr/>
+            </a:pPr>
+            <a:endParaRPr kumimoji="0" lang="it-IT" sz="1800" b="0" i="0" u="none" strike="noStrike" kern="1200" cap="none" spc="0" normalizeH="0" baseline="0" noProof="0" dirty="0">
+              <a:ln>
+                <a:noFill/>
+              </a:ln>
+              <a:solidFill>
+                <a:prstClr val="white"/>
+              </a:solidFill>
+              <a:effectLst/>
+              <a:uLnTx/>
+              <a:uFillTx/>
+              <a:latin typeface="Calibri" panose="020F0502020204030204"/>
+              <a:ea typeface="+mn-ea"/>
+              <a:cs typeface="+mn-cs"/>
+            </a:endParaRPr>
+          </a:p>
+        </p:txBody>
+      </p:sp>
+      <p:graphicFrame>
+        <p:nvGraphicFramePr>
+          <p:cNvPr id="4" name="Chart 3">
+            <a:extLst>
+              <a:ext uri="{FF2B5EF4-FFF2-40B4-BE49-F238E27FC236}">
+                <a16:creationId xmlns:a16="http://schemas.microsoft.com/office/drawing/2014/main" id="{B2E7BEBD-EAB7-1AAB-6BAA-84C75C558318}"/>
+              </a:ext>
+            </a:extLst>
+          </p:cNvPr>
+          <p:cNvGraphicFramePr/>
+          <p:nvPr>
+            <p:extLst>
+              <p:ext uri="{D42A27DB-BD31-4B8C-83A1-F6EECF244321}">
+                <p14:modId xmlns:p14="http://schemas.microsoft.com/office/powerpoint/2010/main" val="1264671039"/>
+              </p:ext>
+            </p:extLst>
+          </p:nvPr>
+        </p:nvGraphicFramePr>
+        <p:xfrm>
+          <a:off x="1159135" y="1014684"/>
+          <a:ext cx="9601199" cy="3557340"/>
+        </p:xfrm>
+        <a:graphic>
+          <a:graphicData uri="http://schemas.openxmlformats.org/drawingml/2006/chart">
+            <c:chart xmlns:c="http://schemas.openxmlformats.org/drawingml/2006/chart" xmlns:r="http://schemas.openxmlformats.org/officeDocument/2006/relationships" r:id="rId3"/>
+          </a:graphicData>
+        </a:graphic>
+      </p:graphicFrame>
+      <p:graphicFrame>
+        <p:nvGraphicFramePr>
+          <p:cNvPr id="5" name="Chart 4">
+            <a:extLst>
+              <a:ext uri="{FF2B5EF4-FFF2-40B4-BE49-F238E27FC236}">
+                <a16:creationId xmlns:a16="http://schemas.microsoft.com/office/drawing/2014/main" id="{BAE0486B-E2E0-7345-7538-25A789DF212E}"/>
+              </a:ext>
+            </a:extLst>
+          </p:cNvPr>
+          <p:cNvGraphicFramePr/>
+          <p:nvPr>
+            <p:extLst>
+              <p:ext uri="{D42A27DB-BD31-4B8C-83A1-F6EECF244321}">
+                <p14:modId xmlns:p14="http://schemas.microsoft.com/office/powerpoint/2010/main" val="2106981346"/>
+              </p:ext>
+            </p:extLst>
+          </p:nvPr>
+        </p:nvGraphicFramePr>
+        <p:xfrm>
+          <a:off x="1159135" y="4696299"/>
+          <a:ext cx="9601199" cy="1907988"/>
+        </p:xfrm>
+        <a:graphic>
+          <a:graphicData uri="http://schemas.openxmlformats.org/drawingml/2006/chart">
+            <c:chart xmlns:c="http://schemas.openxmlformats.org/drawingml/2006/chart" xmlns:r="http://schemas.openxmlformats.org/officeDocument/2006/relationships" r:id="rId4"/>
+          </a:graphicData>
+        </a:graphic>
+      </p:graphicFrame>
+      <p:sp>
+        <p:nvSpPr>
+          <p:cNvPr id="9" name="Rectangle: Rounded Corners 8">
+            <a:extLst>
+              <a:ext uri="{FF2B5EF4-FFF2-40B4-BE49-F238E27FC236}">
+                <a16:creationId xmlns:a16="http://schemas.microsoft.com/office/drawing/2014/main" id="{CC55A681-2CF7-8D9A-1B7E-180EB03DB87E}"/>
+              </a:ext>
+            </a:extLst>
+          </p:cNvPr>
+          <p:cNvSpPr/>
+          <p:nvPr/>
+        </p:nvSpPr>
+        <p:spPr>
+          <a:xfrm>
+            <a:off x="3504412" y="229472"/>
+            <a:ext cx="5183173" cy="536232"/>
+          </a:xfrm>
+          <a:prstGeom prst="roundRect">
+            <a:avLst/>
+          </a:prstGeom>
+          <a:solidFill>
+            <a:schemeClr val="bg1"/>
+          </a:solidFill>
+          <a:ln>
+            <a:noFill/>
+          </a:ln>
+        </p:spPr>
+        <p:style>
+          <a:lnRef idx="2">
+            <a:schemeClr val="accent1">
+              <a:shade val="15000"/>
+            </a:schemeClr>
+          </a:lnRef>
+          <a:fillRef idx="1">
+            <a:schemeClr val="accent1"/>
+          </a:fillRef>
+          <a:effectRef idx="0">
+            <a:schemeClr val="accent1"/>
+          </a:effectRef>
+          <a:fontRef idx="minor">
+            <a:schemeClr val="lt1"/>
+          </a:fontRef>
+        </p:style>
+        <p:txBody>
+          <a:bodyPr rtlCol="0" anchor="ctr"/>
+          <a:lstStyle/>
+          <a:p>
+            <a:pPr marL="0" marR="0" lvl="0" indent="0" algn="ctr" defTabSz="914400" rtl="0" eaLnBrk="1" fontAlgn="auto" latinLnBrk="0" hangingPunct="1">
+              <a:lnSpc>
+                <a:spcPct val="100000"/>
+              </a:lnSpc>
+              <a:spcBef>
+                <a:spcPts val="0"/>
+              </a:spcBef>
+              <a:spcAft>
+                <a:spcPts val="0"/>
+              </a:spcAft>
+              <a:buClrTx/>
+              <a:buSzTx/>
+              <a:buFontTx/>
+              <a:buNone/>
+              <a:tabLst/>
+              <a:defRPr/>
+            </a:pPr>
+            <a:r>
+              <a:rPr lang="it-IT" sz="3200" dirty="0">
+                <a:solidFill>
+                  <a:schemeClr val="tx1"/>
+                </a:solidFill>
+                <a:latin typeface="Arial" panose="020B0604020202020204" pitchFamily="34" charset="0"/>
+                <a:ea typeface="Cambria Math" panose="02040503050406030204" pitchFamily="18" charset="0"/>
+                <a:cs typeface="Arial" panose="020B0604020202020204" pitchFamily="34" charset="0"/>
+              </a:rPr>
+              <a:t>Conclusioni e sviluppi futuri</a:t>
+            </a:r>
+            <a:endParaRPr kumimoji="0" lang="it-IT" sz="3200" b="0" i="0" u="none" strike="noStrike" kern="1200" cap="none" spc="0" normalizeH="0" baseline="0" noProof="0" dirty="0">
+              <a:ln>
+                <a:noFill/>
+              </a:ln>
+              <a:solidFill>
+                <a:schemeClr val="tx1"/>
+              </a:solidFill>
+              <a:effectLst/>
+              <a:uLnTx/>
+              <a:uFillTx/>
+              <a:latin typeface="Calibri" panose="020F0502020204030204"/>
+              <a:ea typeface="+mn-ea"/>
+              <a:cs typeface="+mn-cs"/>
+            </a:endParaRPr>
+          </a:p>
+        </p:txBody>
+      </p:sp>
+      <p:sp>
+        <p:nvSpPr>
+          <p:cNvPr id="2" name="Slide Number Placeholder 1">
+            <a:extLst>
+              <a:ext uri="{FF2B5EF4-FFF2-40B4-BE49-F238E27FC236}">
+                <a16:creationId xmlns:a16="http://schemas.microsoft.com/office/drawing/2014/main" id="{C762C8C7-D9C3-5FFF-D78C-EEE79A78E431}"/>
+              </a:ext>
+            </a:extLst>
+          </p:cNvPr>
+          <p:cNvSpPr>
+            <a:spLocks noGrp="1"/>
+          </p:cNvSpPr>
+          <p:nvPr>
+            <p:ph type="sldNum" sz="quarter" idx="12"/>
+          </p:nvPr>
+        </p:nvSpPr>
+        <p:spPr/>
+        <p:txBody>
+          <a:bodyPr/>
+          <a:lstStyle/>
+          <a:p>
+            <a:r>
+              <a:rPr lang="it-IT" dirty="0"/>
+              <a:t>11</a:t>
+            </a:r>
+          </a:p>
+        </p:txBody>
+      </p:sp>
+    </p:spTree>
+    <p:extLst>
+      <p:ext uri="{BB962C8B-B14F-4D97-AF65-F5344CB8AC3E}">
+        <p14:creationId xmlns:p14="http://schemas.microsoft.com/office/powerpoint/2010/main" val="288775268"/>
+      </p:ext>
+    </p:extLst>
+  </p:cSld>
+  <p:clrMapOvr>
+    <a:masterClrMapping/>
+  </p:clrMapOvr>
+  <p:timing>
+    <p:tnLst>
+      <p:par>
+        <p:cTn id="1" dur="indefinite" restart="never" nodeType="tmRoot">
+          <p:childTnLst>
+            <p:seq concurrent="1" nextAc="seek">
+              <p:cTn id="2" dur="indefinite" nodeType="mainSeq">
+                <p:childTnLst>
+                  <p:par>
+                    <p:cTn id="3" fill="hold">
+                      <p:stCondLst>
+                        <p:cond delay="indefinite"/>
+                      </p:stCondLst>
+                      <p:childTnLst>
+                        <p:par>
+                          <p:cTn id="4" fill="hold">
+                            <p:stCondLst>
+                              <p:cond delay="0"/>
+                            </p:stCondLst>
+                            <p:childTnLst>
+                              <p:par>
+                                <p:cTn id="5" presetID="10" presetClass="entr" presetSubtype="0" fill="hold" grpId="0" nodeType="clickEffect">
+                                  <p:stCondLst>
+                                    <p:cond delay="0"/>
+                                  </p:stCondLst>
+                                  <p:childTnLst>
+                                    <p:set>
+                                      <p:cBhvr>
+                                        <p:cTn id="6" dur="1" fill="hold">
+                                          <p:stCondLst>
+                                            <p:cond delay="0"/>
+                                          </p:stCondLst>
+                                        </p:cTn>
+                                        <p:tgtEl>
+                                          <p:spTgt spid="5"/>
+                                        </p:tgtEl>
+                                        <p:attrNameLst>
+                                          <p:attrName>style.visibility</p:attrName>
+                                        </p:attrNameLst>
+                                      </p:cBhvr>
+                                      <p:to>
+                                        <p:strVal val="visible"/>
+                                      </p:to>
+                                    </p:set>
+                                    <p:animEffect transition="in" filter="fade">
+                                      <p:cBhvr>
+                                        <p:cTn id="7" dur="500"/>
+                                        <p:tgtEl>
+                                          <p:spTgt spid="5"/>
+                                        </p:tgtEl>
+                                      </p:cBhvr>
+                                    </p:animEffect>
+                                  </p:childTnLst>
+                                </p:cTn>
+                              </p:par>
+                            </p:childTnLst>
+                          </p:cTn>
+                        </p:par>
+                      </p:childTnLst>
+                    </p:cTn>
+                  </p:par>
+                </p:childTnLst>
+              </p:cTn>
+              <p:prevCondLst>
+                <p:cond evt="onPrev" delay="0">
+                  <p:tgtEl>
+                    <p:sldTgt/>
+                  </p:tgtEl>
+                </p:cond>
+              </p:prevCondLst>
+              <p:nextCondLst>
+                <p:cond evt="onNext" delay="0">
+                  <p:tgtEl>
+                    <p:sldTgt/>
+                  </p:tgtEl>
+                </p:cond>
+              </p:nextCondLst>
+            </p:seq>
+          </p:childTnLst>
+        </p:cTn>
+      </p:par>
+    </p:tnLst>
+    <p:bldLst>
+      <p:bldGraphic spid="5" grpId="0">
+        <p:bldAsOne/>
+      </p:bldGraphic>
+    </p:bldLst>
+  </p:timing>
+</p:sld>
+</file>
+
+<file path=ppt/slides/slide19.xml><?xml version="1.0" encoding="utf-8"?>
+<p:sld xmlns:a="http://schemas.openxmlformats.org/drawingml/2006/main" xmlns:r="http://schemas.openxmlformats.org/officeDocument/2006/relationships" xmlns:p="http://schemas.openxmlformats.org/presentationml/2006/main">
+  <p:cSld>
+    <p:spTree>
+      <p:nvGrpSpPr>
+        <p:cNvPr id="1" name=""/>
+        <p:cNvGrpSpPr/>
+        <p:nvPr/>
+      </p:nvGrpSpPr>
+      <p:grpSpPr>
+        <a:xfrm>
+          <a:off x="0" y="0"/>
+          <a:ext cx="0" cy="0"/>
+          <a:chOff x="0" y="0"/>
+          <a:chExt cx="0" cy="0"/>
+        </a:xfrm>
+      </p:grpSpPr>
+      <p:sp>
+        <p:nvSpPr>
+          <p:cNvPr id="8" name="Rectangle: Rounded Corners 7">
+            <a:extLst>
+              <a:ext uri="{FF2B5EF4-FFF2-40B4-BE49-F238E27FC236}">
+                <a16:creationId xmlns:a16="http://schemas.microsoft.com/office/drawing/2014/main" id="{7BB0D57C-96FC-342D-E8C0-5E4D36FCC075}"/>
+              </a:ext>
+            </a:extLst>
+          </p:cNvPr>
+          <p:cNvSpPr/>
+          <p:nvPr/>
+        </p:nvSpPr>
+        <p:spPr>
+          <a:xfrm>
+            <a:off x="136263" y="107576"/>
+            <a:ext cx="11919473" cy="6642848"/>
+          </a:xfrm>
+          <a:prstGeom prst="roundRect">
+            <a:avLst>
+              <a:gd name="adj" fmla="val 1768"/>
+            </a:avLst>
+          </a:prstGeom>
+          <a:solidFill>
+            <a:schemeClr val="accent2">
+              <a:lumMod val="20000"/>
+              <a:lumOff val="80000"/>
+            </a:schemeClr>
+          </a:solidFill>
+          <a:ln>
+            <a:noFill/>
+          </a:ln>
+          <a:effectLst>
+            <a:softEdge rad="0"/>
+          </a:effectLst>
+        </p:spPr>
+        <p:style>
+          <a:lnRef idx="2">
+            <a:schemeClr val="accent1">
+              <a:shade val="15000"/>
+            </a:schemeClr>
+          </a:lnRef>
+          <a:fillRef idx="1">
+            <a:schemeClr val="accent1"/>
+          </a:fillRef>
+          <a:effectRef idx="0">
+            <a:schemeClr val="accent1"/>
+          </a:effectRef>
+          <a:fontRef idx="minor">
+            <a:schemeClr val="lt1"/>
+          </a:fontRef>
+        </p:style>
+        <p:txBody>
+          <a:bodyPr rtlCol="0" anchor="ctr"/>
+          <a:lstStyle/>
+          <a:p>
+            <a:pPr marL="0" marR="0" lvl="0" indent="0" algn="ctr" defTabSz="914400" rtl="0" eaLnBrk="1" fontAlgn="auto" latinLnBrk="0" hangingPunct="1">
+              <a:lnSpc>
+                <a:spcPct val="100000"/>
+              </a:lnSpc>
+              <a:spcBef>
+                <a:spcPts val="0"/>
+              </a:spcBef>
+              <a:spcAft>
+                <a:spcPts val="0"/>
+              </a:spcAft>
+              <a:buClrTx/>
+              <a:buSzTx/>
+              <a:buFontTx/>
+              <a:buNone/>
+              <a:tabLst/>
+              <a:defRPr/>
+            </a:pPr>
+            <a:endParaRPr kumimoji="0" lang="it-IT" sz="1800" b="0" i="0" u="none" strike="noStrike" kern="1200" cap="none" spc="0" normalizeH="0" baseline="0" noProof="0" dirty="0">
+              <a:ln>
+                <a:noFill/>
+              </a:ln>
+              <a:solidFill>
+                <a:prstClr val="white"/>
+              </a:solidFill>
+              <a:effectLst/>
+              <a:uLnTx/>
+              <a:uFillTx/>
+              <a:latin typeface="Calibri" panose="020F0502020204030204"/>
+              <a:ea typeface="+mn-ea"/>
+              <a:cs typeface="+mn-cs"/>
+            </a:endParaRPr>
+          </a:p>
+        </p:txBody>
+      </p:sp>
+      <p:sp>
+        <p:nvSpPr>
+          <p:cNvPr id="3" name="Subtitle 2">
+            <a:extLst>
+              <a:ext uri="{FF2B5EF4-FFF2-40B4-BE49-F238E27FC236}">
+                <a16:creationId xmlns:a16="http://schemas.microsoft.com/office/drawing/2014/main" id="{FC446B2D-F94A-2F94-9904-6D62ADA65C8F}"/>
+              </a:ext>
+            </a:extLst>
+          </p:cNvPr>
+          <p:cNvSpPr>
+            <a:spLocks noGrp="1"/>
+          </p:cNvSpPr>
+          <p:nvPr>
+            <p:ph type="subTitle" idx="1"/>
+          </p:nvPr>
+        </p:nvSpPr>
+        <p:spPr>
+          <a:xfrm>
+            <a:off x="1159136" y="1141768"/>
+            <a:ext cx="9601200" cy="5497157"/>
+          </a:xfrm>
+        </p:spPr>
+        <p:txBody>
+          <a:bodyPr>
+            <a:normAutofit/>
+          </a:bodyPr>
+          <a:lstStyle/>
+          <a:p>
+            <a:pPr algn="l">
+              <a:lnSpc>
+                <a:spcPct val="200000"/>
+              </a:lnSpc>
+            </a:pPr>
+            <a:endParaRPr lang="it-IT" dirty="0">
+              <a:latin typeface="Times New Roman" panose="02020603050405020304" pitchFamily="18" charset="0"/>
+              <a:cs typeface="Times New Roman" panose="02020603050405020304" pitchFamily="18" charset="0"/>
+            </a:endParaRPr>
+          </a:p>
+        </p:txBody>
+      </p:sp>
+      <p:pic>
+        <p:nvPicPr>
+          <p:cNvPr id="5" name="Picture 4" descr="A computer screen shot of a computer&#10;&#10;Description automatically generated">
+            <a:extLst>
+              <a:ext uri="{FF2B5EF4-FFF2-40B4-BE49-F238E27FC236}">
+                <a16:creationId xmlns:a16="http://schemas.microsoft.com/office/drawing/2014/main" id="{3812DE40-5AF8-7D6E-7A08-B24D8EBC1394}"/>
+              </a:ext>
+            </a:extLst>
+          </p:cNvPr>
+          <p:cNvPicPr>
+            <a:picLocks noChangeAspect="1"/>
+          </p:cNvPicPr>
+          <p:nvPr/>
+        </p:nvPicPr>
+        <p:blipFill>
+          <a:blip r:embed="rId3"/>
+          <a:stretch>
+            <a:fillRect/>
+          </a:stretch>
+        </p:blipFill>
+        <p:spPr>
+          <a:xfrm>
+            <a:off x="949879" y="856599"/>
+            <a:ext cx="10292239" cy="5782326"/>
+          </a:xfrm>
+          <a:prstGeom prst="roundRect">
+            <a:avLst>
+              <a:gd name="adj" fmla="val 1017"/>
+            </a:avLst>
+          </a:prstGeom>
+          <a:solidFill>
+            <a:srgbClr val="FFFFFF">
+              <a:shade val="85000"/>
+            </a:srgbClr>
+          </a:solidFill>
+          <a:ln>
+            <a:noFill/>
+          </a:ln>
+          <a:effectLst>
+            <a:reflection blurRad="12700" stA="0" endPos="28000" dist="5000" dir="5400000" sy="-100000" algn="bl" rotWithShape="0"/>
+          </a:effectLst>
+        </p:spPr>
+      </p:pic>
+      <p:sp>
+        <p:nvSpPr>
+          <p:cNvPr id="4" name="Rectangle: Rounded Corners 3">
+            <a:extLst>
+              <a:ext uri="{FF2B5EF4-FFF2-40B4-BE49-F238E27FC236}">
+                <a16:creationId xmlns:a16="http://schemas.microsoft.com/office/drawing/2014/main" id="{1494C86A-0E7C-B737-C1DB-8B78E0133609}"/>
+              </a:ext>
+            </a:extLst>
+          </p:cNvPr>
+          <p:cNvSpPr/>
+          <p:nvPr/>
+        </p:nvSpPr>
+        <p:spPr>
+          <a:xfrm>
+            <a:off x="3504412" y="229472"/>
+            <a:ext cx="5183173" cy="536232"/>
+          </a:xfrm>
+          <a:prstGeom prst="roundRect">
+            <a:avLst/>
+          </a:prstGeom>
+          <a:solidFill>
+            <a:schemeClr val="bg1"/>
+          </a:solidFill>
+          <a:ln>
+            <a:noFill/>
+          </a:ln>
+        </p:spPr>
+        <p:style>
+          <a:lnRef idx="2">
+            <a:schemeClr val="accent1">
+              <a:shade val="15000"/>
+            </a:schemeClr>
+          </a:lnRef>
+          <a:fillRef idx="1">
+            <a:schemeClr val="accent1"/>
+          </a:fillRef>
+          <a:effectRef idx="0">
+            <a:schemeClr val="accent1"/>
+          </a:effectRef>
+          <a:fontRef idx="minor">
+            <a:schemeClr val="lt1"/>
+          </a:fontRef>
+        </p:style>
+        <p:txBody>
+          <a:bodyPr rtlCol="0" anchor="ctr"/>
+          <a:lstStyle/>
+          <a:p>
+            <a:pPr marL="0" marR="0" lvl="0" indent="0" algn="ctr" defTabSz="914400" rtl="0" eaLnBrk="1" fontAlgn="auto" latinLnBrk="0" hangingPunct="1">
+              <a:lnSpc>
+                <a:spcPct val="100000"/>
+              </a:lnSpc>
+              <a:spcBef>
+                <a:spcPts val="0"/>
+              </a:spcBef>
+              <a:spcAft>
+                <a:spcPts val="0"/>
+              </a:spcAft>
+              <a:buClrTx/>
+              <a:buSzTx/>
+              <a:buFontTx/>
+              <a:buNone/>
+              <a:tabLst/>
+              <a:defRPr/>
+            </a:pPr>
+            <a:r>
+              <a:rPr lang="it-IT" sz="3200" dirty="0">
+                <a:solidFill>
+                  <a:schemeClr val="tx1"/>
+                </a:solidFill>
+                <a:latin typeface="Arial" panose="020B0604020202020204" pitchFamily="34" charset="0"/>
+                <a:ea typeface="Cambria Math" panose="02040503050406030204" pitchFamily="18" charset="0"/>
+                <a:cs typeface="Arial" panose="020B0604020202020204" pitchFamily="34" charset="0"/>
+              </a:rPr>
+              <a:t>Conclusioni e sviluppi futuri</a:t>
+            </a:r>
+            <a:endParaRPr kumimoji="0" lang="it-IT" sz="3200" b="0" i="0" u="none" strike="noStrike" kern="1200" cap="none" spc="0" normalizeH="0" baseline="0" noProof="0" dirty="0">
+              <a:ln>
+                <a:noFill/>
+              </a:ln>
+              <a:solidFill>
+                <a:schemeClr val="tx1"/>
+              </a:solidFill>
+              <a:effectLst/>
+              <a:uLnTx/>
+              <a:uFillTx/>
+              <a:latin typeface="Calibri" panose="020F0502020204030204"/>
+              <a:ea typeface="+mn-ea"/>
+              <a:cs typeface="+mn-cs"/>
+            </a:endParaRPr>
+          </a:p>
+        </p:txBody>
+      </p:sp>
+      <p:sp>
+        <p:nvSpPr>
+          <p:cNvPr id="2" name="Slide Number Placeholder 1">
+            <a:extLst>
+              <a:ext uri="{FF2B5EF4-FFF2-40B4-BE49-F238E27FC236}">
+                <a16:creationId xmlns:a16="http://schemas.microsoft.com/office/drawing/2014/main" id="{B429C85B-CB25-B391-3E2F-BBF07FC2380C}"/>
+              </a:ext>
+            </a:extLst>
+          </p:cNvPr>
+          <p:cNvSpPr>
+            <a:spLocks noGrp="1"/>
+          </p:cNvSpPr>
+          <p:nvPr>
+            <p:ph type="sldNum" sz="quarter" idx="12"/>
+          </p:nvPr>
+        </p:nvSpPr>
+        <p:spPr/>
+        <p:txBody>
+          <a:bodyPr/>
+          <a:lstStyle/>
+          <a:p>
+            <a:r>
+              <a:rPr lang="it-IT" dirty="0"/>
+              <a:t>12</a:t>
+            </a:r>
+          </a:p>
+        </p:txBody>
+      </p:sp>
+    </p:spTree>
+    <p:extLst>
+      <p:ext uri="{BB962C8B-B14F-4D97-AF65-F5344CB8AC3E}">
+        <p14:creationId xmlns:p14="http://schemas.microsoft.com/office/powerpoint/2010/main" val="3108685320"/>
+      </p:ext>
+    </p:extLst>
+  </p:cSld>
+  <p:clrMapOvr>
+    <a:masterClrMapping/>
+  </p:clrMapOvr>
 </p:sld>
 </file>
 
@@ -20600,711 +19738,6 @@
           </a:p>
         </p:txBody>
       </p:sp>
-      <p:graphicFrame>
-        <p:nvGraphicFramePr>
-          <p:cNvPr id="4" name="Chart 3">
-            <a:extLst>
-              <a:ext uri="{FF2B5EF4-FFF2-40B4-BE49-F238E27FC236}">
-                <a16:creationId xmlns:a16="http://schemas.microsoft.com/office/drawing/2014/main" id="{B2E7BEBD-EAB7-1AAB-6BAA-84C75C558318}"/>
-              </a:ext>
-            </a:extLst>
-          </p:cNvPr>
-          <p:cNvGraphicFramePr/>
-          <p:nvPr>
-            <p:extLst>
-              <p:ext uri="{D42A27DB-BD31-4B8C-83A1-F6EECF244321}">
-                <p14:modId xmlns:p14="http://schemas.microsoft.com/office/powerpoint/2010/main" val="1264671039"/>
-              </p:ext>
-            </p:extLst>
-          </p:nvPr>
-        </p:nvGraphicFramePr>
-        <p:xfrm>
-          <a:off x="1159135" y="1014684"/>
-          <a:ext cx="9601199" cy="3557340"/>
-        </p:xfrm>
-        <a:graphic>
-          <a:graphicData uri="http://schemas.openxmlformats.org/drawingml/2006/chart">
-            <c:chart xmlns:c="http://schemas.openxmlformats.org/drawingml/2006/chart" xmlns:r="http://schemas.openxmlformats.org/officeDocument/2006/relationships" r:id="rId3"/>
-          </a:graphicData>
-        </a:graphic>
-      </p:graphicFrame>
-      <p:graphicFrame>
-        <p:nvGraphicFramePr>
-          <p:cNvPr id="5" name="Chart 4">
-            <a:extLst>
-              <a:ext uri="{FF2B5EF4-FFF2-40B4-BE49-F238E27FC236}">
-                <a16:creationId xmlns:a16="http://schemas.microsoft.com/office/drawing/2014/main" id="{BAE0486B-E2E0-7345-7538-25A789DF212E}"/>
-              </a:ext>
-            </a:extLst>
-          </p:cNvPr>
-          <p:cNvGraphicFramePr/>
-          <p:nvPr>
-            <p:extLst>
-              <p:ext uri="{D42A27DB-BD31-4B8C-83A1-F6EECF244321}">
-                <p14:modId xmlns:p14="http://schemas.microsoft.com/office/powerpoint/2010/main" val="2106981346"/>
-              </p:ext>
-            </p:extLst>
-          </p:nvPr>
-        </p:nvGraphicFramePr>
-        <p:xfrm>
-          <a:off x="1159135" y="4696299"/>
-          <a:ext cx="9601199" cy="1907988"/>
-        </p:xfrm>
-        <a:graphic>
-          <a:graphicData uri="http://schemas.openxmlformats.org/drawingml/2006/chart">
-            <c:chart xmlns:c="http://schemas.openxmlformats.org/drawingml/2006/chart" xmlns:r="http://schemas.openxmlformats.org/officeDocument/2006/relationships" r:id="rId4"/>
-          </a:graphicData>
-        </a:graphic>
-      </p:graphicFrame>
-      <p:sp>
-        <p:nvSpPr>
-          <p:cNvPr id="9" name="Rectangle: Rounded Corners 8">
-            <a:extLst>
-              <a:ext uri="{FF2B5EF4-FFF2-40B4-BE49-F238E27FC236}">
-                <a16:creationId xmlns:a16="http://schemas.microsoft.com/office/drawing/2014/main" id="{CC55A681-2CF7-8D9A-1B7E-180EB03DB87E}"/>
-              </a:ext>
-            </a:extLst>
-          </p:cNvPr>
-          <p:cNvSpPr/>
-          <p:nvPr/>
-        </p:nvSpPr>
-        <p:spPr>
-          <a:xfrm>
-            <a:off x="3504412" y="229472"/>
-            <a:ext cx="5183173" cy="536232"/>
-          </a:xfrm>
-          <a:prstGeom prst="roundRect">
-            <a:avLst/>
-          </a:prstGeom>
-          <a:solidFill>
-            <a:schemeClr val="bg1"/>
-          </a:solidFill>
-          <a:ln>
-            <a:noFill/>
-          </a:ln>
-        </p:spPr>
-        <p:style>
-          <a:lnRef idx="2">
-            <a:schemeClr val="accent1">
-              <a:shade val="15000"/>
-            </a:schemeClr>
-          </a:lnRef>
-          <a:fillRef idx="1">
-            <a:schemeClr val="accent1"/>
-          </a:fillRef>
-          <a:effectRef idx="0">
-            <a:schemeClr val="accent1"/>
-          </a:effectRef>
-          <a:fontRef idx="minor">
-            <a:schemeClr val="lt1"/>
-          </a:fontRef>
-        </p:style>
-        <p:txBody>
-          <a:bodyPr rtlCol="0" anchor="ctr"/>
-          <a:lstStyle/>
-          <a:p>
-            <a:pPr marL="0" marR="0" lvl="0" indent="0" algn="ctr" defTabSz="914400" rtl="0" eaLnBrk="1" fontAlgn="auto" latinLnBrk="0" hangingPunct="1">
-              <a:lnSpc>
-                <a:spcPct val="100000"/>
-              </a:lnSpc>
-              <a:spcBef>
-                <a:spcPts val="0"/>
-              </a:spcBef>
-              <a:spcAft>
-                <a:spcPts val="0"/>
-              </a:spcAft>
-              <a:buClrTx/>
-              <a:buSzTx/>
-              <a:buFontTx/>
-              <a:buNone/>
-              <a:tabLst/>
-              <a:defRPr/>
-            </a:pPr>
-            <a:r>
-              <a:rPr lang="it-IT" sz="3200" dirty="0">
-                <a:solidFill>
-                  <a:schemeClr val="tx1"/>
-                </a:solidFill>
-                <a:latin typeface="Arial" panose="020B0604020202020204" pitchFamily="34" charset="0"/>
-                <a:ea typeface="Cambria Math" panose="02040503050406030204" pitchFamily="18" charset="0"/>
-                <a:cs typeface="Arial" panose="020B0604020202020204" pitchFamily="34" charset="0"/>
-              </a:rPr>
-              <a:t>Conclusioni e sviluppi futuri</a:t>
-            </a:r>
-            <a:endParaRPr kumimoji="0" lang="it-IT" sz="3200" b="0" i="0" u="none" strike="noStrike" kern="1200" cap="none" spc="0" normalizeH="0" baseline="0" noProof="0" dirty="0">
-              <a:ln>
-                <a:noFill/>
-              </a:ln>
-              <a:solidFill>
-                <a:schemeClr val="tx1"/>
-              </a:solidFill>
-              <a:effectLst/>
-              <a:uLnTx/>
-              <a:uFillTx/>
-              <a:latin typeface="Calibri" panose="020F0502020204030204"/>
-              <a:ea typeface="+mn-ea"/>
-              <a:cs typeface="+mn-cs"/>
-            </a:endParaRPr>
-          </a:p>
-        </p:txBody>
-      </p:sp>
-      <p:sp>
-        <p:nvSpPr>
-          <p:cNvPr id="2" name="Slide Number Placeholder 1">
-            <a:extLst>
-              <a:ext uri="{FF2B5EF4-FFF2-40B4-BE49-F238E27FC236}">
-                <a16:creationId xmlns:a16="http://schemas.microsoft.com/office/drawing/2014/main" id="{C762C8C7-D9C3-5FFF-D78C-EEE79A78E431}"/>
-              </a:ext>
-            </a:extLst>
-          </p:cNvPr>
-          <p:cNvSpPr>
-            <a:spLocks noGrp="1"/>
-          </p:cNvSpPr>
-          <p:nvPr>
-            <p:ph type="sldNum" sz="quarter" idx="12"/>
-          </p:nvPr>
-        </p:nvSpPr>
-        <p:spPr/>
-        <p:txBody>
-          <a:bodyPr/>
-          <a:lstStyle/>
-          <a:p>
-            <a:r>
-              <a:rPr lang="it-IT" dirty="0"/>
-              <a:t>11</a:t>
-            </a:r>
-          </a:p>
-        </p:txBody>
-      </p:sp>
-    </p:spTree>
-    <p:extLst>
-      <p:ext uri="{BB962C8B-B14F-4D97-AF65-F5344CB8AC3E}">
-        <p14:creationId xmlns:p14="http://schemas.microsoft.com/office/powerpoint/2010/main" val="288775268"/>
-      </p:ext>
-    </p:extLst>
-  </p:cSld>
-  <p:clrMapOvr>
-    <a:masterClrMapping/>
-  </p:clrMapOvr>
-  <p:timing>
-    <p:tnLst>
-      <p:par>
-        <p:cTn id="1" dur="indefinite" restart="never" nodeType="tmRoot">
-          <p:childTnLst>
-            <p:seq concurrent="1" nextAc="seek">
-              <p:cTn id="2" dur="indefinite" nodeType="mainSeq">
-                <p:childTnLst>
-                  <p:par>
-                    <p:cTn id="3" fill="hold">
-                      <p:stCondLst>
-                        <p:cond delay="indefinite"/>
-                      </p:stCondLst>
-                      <p:childTnLst>
-                        <p:par>
-                          <p:cTn id="4" fill="hold">
-                            <p:stCondLst>
-                              <p:cond delay="0"/>
-                            </p:stCondLst>
-                            <p:childTnLst>
-                              <p:par>
-                                <p:cTn id="5" presetID="10" presetClass="entr" presetSubtype="0" fill="hold" grpId="0" nodeType="clickEffect">
-                                  <p:stCondLst>
-                                    <p:cond delay="0"/>
-                                  </p:stCondLst>
-                                  <p:childTnLst>
-                                    <p:set>
-                                      <p:cBhvr>
-                                        <p:cTn id="6" dur="1" fill="hold">
-                                          <p:stCondLst>
-                                            <p:cond delay="0"/>
-                                          </p:stCondLst>
-                                        </p:cTn>
-                                        <p:tgtEl>
-                                          <p:spTgt spid="5"/>
-                                        </p:tgtEl>
-                                        <p:attrNameLst>
-                                          <p:attrName>style.visibility</p:attrName>
-                                        </p:attrNameLst>
-                                      </p:cBhvr>
-                                      <p:to>
-                                        <p:strVal val="visible"/>
-                                      </p:to>
-                                    </p:set>
-                                    <p:animEffect transition="in" filter="fade">
-                                      <p:cBhvr>
-                                        <p:cTn id="7" dur="500"/>
-                                        <p:tgtEl>
-                                          <p:spTgt spid="5"/>
-                                        </p:tgtEl>
-                                      </p:cBhvr>
-                                    </p:animEffect>
-                                  </p:childTnLst>
-                                </p:cTn>
-                              </p:par>
-                            </p:childTnLst>
-                          </p:cTn>
-                        </p:par>
-                      </p:childTnLst>
-                    </p:cTn>
-                  </p:par>
-                </p:childTnLst>
-              </p:cTn>
-              <p:prevCondLst>
-                <p:cond evt="onPrev" delay="0">
-                  <p:tgtEl>
-                    <p:sldTgt/>
-                  </p:tgtEl>
-                </p:cond>
-              </p:prevCondLst>
-              <p:nextCondLst>
-                <p:cond evt="onNext" delay="0">
-                  <p:tgtEl>
-                    <p:sldTgt/>
-                  </p:tgtEl>
-                </p:cond>
-              </p:nextCondLst>
-            </p:seq>
-          </p:childTnLst>
-        </p:cTn>
-      </p:par>
-    </p:tnLst>
-    <p:bldLst>
-      <p:bldGraphic spid="5" grpId="0">
-        <p:bldAsOne/>
-      </p:bldGraphic>
-    </p:bldLst>
-  </p:timing>
-</p:sld>
-</file>
-
-<file path=ppt/slides/slide21.xml><?xml version="1.0" encoding="utf-8"?>
-<p:sld xmlns:a="http://schemas.openxmlformats.org/drawingml/2006/main" xmlns:r="http://schemas.openxmlformats.org/officeDocument/2006/relationships" xmlns:p="http://schemas.openxmlformats.org/presentationml/2006/main">
-  <p:cSld>
-    <p:spTree>
-      <p:nvGrpSpPr>
-        <p:cNvPr id="1" name=""/>
-        <p:cNvGrpSpPr/>
-        <p:nvPr/>
-      </p:nvGrpSpPr>
-      <p:grpSpPr>
-        <a:xfrm>
-          <a:off x="0" y="0"/>
-          <a:ext cx="0" cy="0"/>
-          <a:chOff x="0" y="0"/>
-          <a:chExt cx="0" cy="0"/>
-        </a:xfrm>
-      </p:grpSpPr>
-      <p:sp>
-        <p:nvSpPr>
-          <p:cNvPr id="8" name="Rectangle: Rounded Corners 7">
-            <a:extLst>
-              <a:ext uri="{FF2B5EF4-FFF2-40B4-BE49-F238E27FC236}">
-                <a16:creationId xmlns:a16="http://schemas.microsoft.com/office/drawing/2014/main" id="{7BB0D57C-96FC-342D-E8C0-5E4D36FCC075}"/>
-              </a:ext>
-            </a:extLst>
-          </p:cNvPr>
-          <p:cNvSpPr/>
-          <p:nvPr/>
-        </p:nvSpPr>
-        <p:spPr>
-          <a:xfrm>
-            <a:off x="136263" y="107576"/>
-            <a:ext cx="11919473" cy="6642848"/>
-          </a:xfrm>
-          <a:prstGeom prst="roundRect">
-            <a:avLst>
-              <a:gd name="adj" fmla="val 1768"/>
-            </a:avLst>
-          </a:prstGeom>
-          <a:solidFill>
-            <a:schemeClr val="accent2">
-              <a:lumMod val="20000"/>
-              <a:lumOff val="80000"/>
-            </a:schemeClr>
-          </a:solidFill>
-          <a:ln>
-            <a:noFill/>
-          </a:ln>
-          <a:effectLst>
-            <a:softEdge rad="0"/>
-          </a:effectLst>
-        </p:spPr>
-        <p:style>
-          <a:lnRef idx="2">
-            <a:schemeClr val="accent1">
-              <a:shade val="15000"/>
-            </a:schemeClr>
-          </a:lnRef>
-          <a:fillRef idx="1">
-            <a:schemeClr val="accent1"/>
-          </a:fillRef>
-          <a:effectRef idx="0">
-            <a:schemeClr val="accent1"/>
-          </a:effectRef>
-          <a:fontRef idx="minor">
-            <a:schemeClr val="lt1"/>
-          </a:fontRef>
-        </p:style>
-        <p:txBody>
-          <a:bodyPr rtlCol="0" anchor="ctr"/>
-          <a:lstStyle/>
-          <a:p>
-            <a:pPr marL="0" marR="0" lvl="0" indent="0" algn="ctr" defTabSz="914400" rtl="0" eaLnBrk="1" fontAlgn="auto" latinLnBrk="0" hangingPunct="1">
-              <a:lnSpc>
-                <a:spcPct val="100000"/>
-              </a:lnSpc>
-              <a:spcBef>
-                <a:spcPts val="0"/>
-              </a:spcBef>
-              <a:spcAft>
-                <a:spcPts val="0"/>
-              </a:spcAft>
-              <a:buClrTx/>
-              <a:buSzTx/>
-              <a:buFontTx/>
-              <a:buNone/>
-              <a:tabLst/>
-              <a:defRPr/>
-            </a:pPr>
-            <a:endParaRPr kumimoji="0" lang="it-IT" sz="1800" b="0" i="0" u="none" strike="noStrike" kern="1200" cap="none" spc="0" normalizeH="0" baseline="0" noProof="0" dirty="0">
-              <a:ln>
-                <a:noFill/>
-              </a:ln>
-              <a:solidFill>
-                <a:prstClr val="white"/>
-              </a:solidFill>
-              <a:effectLst/>
-              <a:uLnTx/>
-              <a:uFillTx/>
-              <a:latin typeface="Calibri" panose="020F0502020204030204"/>
-              <a:ea typeface="+mn-ea"/>
-              <a:cs typeface="+mn-cs"/>
-            </a:endParaRPr>
-          </a:p>
-        </p:txBody>
-      </p:sp>
-      <p:sp>
-        <p:nvSpPr>
-          <p:cNvPr id="3" name="Subtitle 2">
-            <a:extLst>
-              <a:ext uri="{FF2B5EF4-FFF2-40B4-BE49-F238E27FC236}">
-                <a16:creationId xmlns:a16="http://schemas.microsoft.com/office/drawing/2014/main" id="{FC446B2D-F94A-2F94-9904-6D62ADA65C8F}"/>
-              </a:ext>
-            </a:extLst>
-          </p:cNvPr>
-          <p:cNvSpPr>
-            <a:spLocks noGrp="1"/>
-          </p:cNvSpPr>
-          <p:nvPr>
-            <p:ph type="subTitle" idx="1"/>
-          </p:nvPr>
-        </p:nvSpPr>
-        <p:spPr>
-          <a:xfrm>
-            <a:off x="1159136" y="1141768"/>
-            <a:ext cx="9601200" cy="5497157"/>
-          </a:xfrm>
-        </p:spPr>
-        <p:txBody>
-          <a:bodyPr>
-            <a:normAutofit/>
-          </a:bodyPr>
-          <a:lstStyle/>
-          <a:p>
-            <a:pPr algn="l">
-              <a:lnSpc>
-                <a:spcPct val="200000"/>
-              </a:lnSpc>
-            </a:pPr>
-            <a:endParaRPr lang="it-IT" dirty="0">
-              <a:latin typeface="Times New Roman" panose="02020603050405020304" pitchFamily="18" charset="0"/>
-              <a:cs typeface="Times New Roman" panose="02020603050405020304" pitchFamily="18" charset="0"/>
-            </a:endParaRPr>
-          </a:p>
-        </p:txBody>
-      </p:sp>
-      <p:pic>
-        <p:nvPicPr>
-          <p:cNvPr id="5" name="Picture 4" descr="A computer screen shot of a computer&#10;&#10;Description automatically generated">
-            <a:extLst>
-              <a:ext uri="{FF2B5EF4-FFF2-40B4-BE49-F238E27FC236}">
-                <a16:creationId xmlns:a16="http://schemas.microsoft.com/office/drawing/2014/main" id="{3812DE40-5AF8-7D6E-7A08-B24D8EBC1394}"/>
-              </a:ext>
-            </a:extLst>
-          </p:cNvPr>
-          <p:cNvPicPr>
-            <a:picLocks noChangeAspect="1"/>
-          </p:cNvPicPr>
-          <p:nvPr/>
-        </p:nvPicPr>
-        <p:blipFill>
-          <a:blip r:embed="rId3"/>
-          <a:stretch>
-            <a:fillRect/>
-          </a:stretch>
-        </p:blipFill>
-        <p:spPr>
-          <a:xfrm>
-            <a:off x="949879" y="856599"/>
-            <a:ext cx="10292239" cy="5782326"/>
-          </a:xfrm>
-          <a:prstGeom prst="roundRect">
-            <a:avLst>
-              <a:gd name="adj" fmla="val 1017"/>
-            </a:avLst>
-          </a:prstGeom>
-          <a:solidFill>
-            <a:srgbClr val="FFFFFF">
-              <a:shade val="85000"/>
-            </a:srgbClr>
-          </a:solidFill>
-          <a:ln>
-            <a:noFill/>
-          </a:ln>
-          <a:effectLst>
-            <a:reflection blurRad="12700" stA="0" endPos="28000" dist="5000" dir="5400000" sy="-100000" algn="bl" rotWithShape="0"/>
-          </a:effectLst>
-        </p:spPr>
-      </p:pic>
-      <p:sp>
-        <p:nvSpPr>
-          <p:cNvPr id="4" name="Rectangle: Rounded Corners 3">
-            <a:extLst>
-              <a:ext uri="{FF2B5EF4-FFF2-40B4-BE49-F238E27FC236}">
-                <a16:creationId xmlns:a16="http://schemas.microsoft.com/office/drawing/2014/main" id="{1494C86A-0E7C-B737-C1DB-8B78E0133609}"/>
-              </a:ext>
-            </a:extLst>
-          </p:cNvPr>
-          <p:cNvSpPr/>
-          <p:nvPr/>
-        </p:nvSpPr>
-        <p:spPr>
-          <a:xfrm>
-            <a:off x="3504412" y="229472"/>
-            <a:ext cx="5183173" cy="536232"/>
-          </a:xfrm>
-          <a:prstGeom prst="roundRect">
-            <a:avLst/>
-          </a:prstGeom>
-          <a:solidFill>
-            <a:schemeClr val="bg1"/>
-          </a:solidFill>
-          <a:ln>
-            <a:noFill/>
-          </a:ln>
-        </p:spPr>
-        <p:style>
-          <a:lnRef idx="2">
-            <a:schemeClr val="accent1">
-              <a:shade val="15000"/>
-            </a:schemeClr>
-          </a:lnRef>
-          <a:fillRef idx="1">
-            <a:schemeClr val="accent1"/>
-          </a:fillRef>
-          <a:effectRef idx="0">
-            <a:schemeClr val="accent1"/>
-          </a:effectRef>
-          <a:fontRef idx="minor">
-            <a:schemeClr val="lt1"/>
-          </a:fontRef>
-        </p:style>
-        <p:txBody>
-          <a:bodyPr rtlCol="0" anchor="ctr"/>
-          <a:lstStyle/>
-          <a:p>
-            <a:pPr marL="0" marR="0" lvl="0" indent="0" algn="ctr" defTabSz="914400" rtl="0" eaLnBrk="1" fontAlgn="auto" latinLnBrk="0" hangingPunct="1">
-              <a:lnSpc>
-                <a:spcPct val="100000"/>
-              </a:lnSpc>
-              <a:spcBef>
-                <a:spcPts val="0"/>
-              </a:spcBef>
-              <a:spcAft>
-                <a:spcPts val="0"/>
-              </a:spcAft>
-              <a:buClrTx/>
-              <a:buSzTx/>
-              <a:buFontTx/>
-              <a:buNone/>
-              <a:tabLst/>
-              <a:defRPr/>
-            </a:pPr>
-            <a:r>
-              <a:rPr lang="it-IT" sz="3200" dirty="0">
-                <a:solidFill>
-                  <a:schemeClr val="tx1"/>
-                </a:solidFill>
-                <a:latin typeface="Arial" panose="020B0604020202020204" pitchFamily="34" charset="0"/>
-                <a:ea typeface="Cambria Math" panose="02040503050406030204" pitchFamily="18" charset="0"/>
-                <a:cs typeface="Arial" panose="020B0604020202020204" pitchFamily="34" charset="0"/>
-              </a:rPr>
-              <a:t>Conclusioni e sviluppi futuri</a:t>
-            </a:r>
-            <a:endParaRPr kumimoji="0" lang="it-IT" sz="3200" b="0" i="0" u="none" strike="noStrike" kern="1200" cap="none" spc="0" normalizeH="0" baseline="0" noProof="0" dirty="0">
-              <a:ln>
-                <a:noFill/>
-              </a:ln>
-              <a:solidFill>
-                <a:schemeClr val="tx1"/>
-              </a:solidFill>
-              <a:effectLst/>
-              <a:uLnTx/>
-              <a:uFillTx/>
-              <a:latin typeface="Calibri" panose="020F0502020204030204"/>
-              <a:ea typeface="+mn-ea"/>
-              <a:cs typeface="+mn-cs"/>
-            </a:endParaRPr>
-          </a:p>
-        </p:txBody>
-      </p:sp>
-      <p:sp>
-        <p:nvSpPr>
-          <p:cNvPr id="2" name="Slide Number Placeholder 1">
-            <a:extLst>
-              <a:ext uri="{FF2B5EF4-FFF2-40B4-BE49-F238E27FC236}">
-                <a16:creationId xmlns:a16="http://schemas.microsoft.com/office/drawing/2014/main" id="{B429C85B-CB25-B391-3E2F-BBF07FC2380C}"/>
-              </a:ext>
-            </a:extLst>
-          </p:cNvPr>
-          <p:cNvSpPr>
-            <a:spLocks noGrp="1"/>
-          </p:cNvSpPr>
-          <p:nvPr>
-            <p:ph type="sldNum" sz="quarter" idx="12"/>
-          </p:nvPr>
-        </p:nvSpPr>
-        <p:spPr/>
-        <p:txBody>
-          <a:bodyPr/>
-          <a:lstStyle/>
-          <a:p>
-            <a:r>
-              <a:rPr lang="it-IT" dirty="0"/>
-              <a:t>12</a:t>
-            </a:r>
-          </a:p>
-        </p:txBody>
-      </p:sp>
-    </p:spTree>
-    <p:extLst>
-      <p:ext uri="{BB962C8B-B14F-4D97-AF65-F5344CB8AC3E}">
-        <p14:creationId xmlns:p14="http://schemas.microsoft.com/office/powerpoint/2010/main" val="3108685320"/>
-      </p:ext>
-    </p:extLst>
-  </p:cSld>
-  <p:clrMapOvr>
-    <a:masterClrMapping/>
-  </p:clrMapOvr>
-</p:sld>
-</file>
-
-<file path=ppt/slides/slide22.xml><?xml version="1.0" encoding="utf-8"?>
-<p:sld xmlns:a="http://schemas.openxmlformats.org/drawingml/2006/main" xmlns:r="http://schemas.openxmlformats.org/officeDocument/2006/relationships" xmlns:p="http://schemas.openxmlformats.org/presentationml/2006/main">
-  <p:cSld>
-    <p:spTree>
-      <p:nvGrpSpPr>
-        <p:cNvPr id="1" name=""/>
-        <p:cNvGrpSpPr/>
-        <p:nvPr/>
-      </p:nvGrpSpPr>
-      <p:grpSpPr>
-        <a:xfrm>
-          <a:off x="0" y="0"/>
-          <a:ext cx="0" cy="0"/>
-          <a:chOff x="0" y="0"/>
-          <a:chExt cx="0" cy="0"/>
-        </a:xfrm>
-      </p:grpSpPr>
-      <p:sp>
-        <p:nvSpPr>
-          <p:cNvPr id="8" name="Rectangle: Rounded Corners 7">
-            <a:extLst>
-              <a:ext uri="{FF2B5EF4-FFF2-40B4-BE49-F238E27FC236}">
-                <a16:creationId xmlns:a16="http://schemas.microsoft.com/office/drawing/2014/main" id="{7BB0D57C-96FC-342D-E8C0-5E4D36FCC075}"/>
-              </a:ext>
-            </a:extLst>
-          </p:cNvPr>
-          <p:cNvSpPr/>
-          <p:nvPr/>
-        </p:nvSpPr>
-        <p:spPr>
-          <a:xfrm>
-            <a:off x="136263" y="107576"/>
-            <a:ext cx="11919473" cy="6642848"/>
-          </a:xfrm>
-          <a:prstGeom prst="roundRect">
-            <a:avLst>
-              <a:gd name="adj" fmla="val 1768"/>
-            </a:avLst>
-          </a:prstGeom>
-          <a:solidFill>
-            <a:schemeClr val="accent2">
-              <a:lumMod val="20000"/>
-              <a:lumOff val="80000"/>
-            </a:schemeClr>
-          </a:solidFill>
-          <a:ln>
-            <a:noFill/>
-          </a:ln>
-          <a:effectLst>
-            <a:softEdge rad="0"/>
-          </a:effectLst>
-        </p:spPr>
-        <p:style>
-          <a:lnRef idx="2">
-            <a:schemeClr val="accent1">
-              <a:shade val="15000"/>
-            </a:schemeClr>
-          </a:lnRef>
-          <a:fillRef idx="1">
-            <a:schemeClr val="accent1"/>
-          </a:fillRef>
-          <a:effectRef idx="0">
-            <a:schemeClr val="accent1"/>
-          </a:effectRef>
-          <a:fontRef idx="minor">
-            <a:schemeClr val="lt1"/>
-          </a:fontRef>
-        </p:style>
-        <p:txBody>
-          <a:bodyPr rtlCol="0" anchor="ctr"/>
-          <a:lstStyle/>
-          <a:p>
-            <a:pPr marL="0" marR="0" lvl="0" indent="0" algn="ctr" defTabSz="914400" rtl="0" eaLnBrk="1" fontAlgn="auto" latinLnBrk="0" hangingPunct="1">
-              <a:lnSpc>
-                <a:spcPct val="100000"/>
-              </a:lnSpc>
-              <a:spcBef>
-                <a:spcPts val="0"/>
-              </a:spcBef>
-              <a:spcAft>
-                <a:spcPts val="0"/>
-              </a:spcAft>
-              <a:buClrTx/>
-              <a:buSzTx/>
-              <a:buFontTx/>
-              <a:buNone/>
-              <a:tabLst/>
-              <a:defRPr/>
-            </a:pPr>
-            <a:endParaRPr kumimoji="0" lang="it-IT" sz="1800" b="0" i="0" u="none" strike="noStrike" kern="1200" cap="none" spc="0" normalizeH="0" baseline="0" noProof="0" dirty="0">
-              <a:ln>
-                <a:noFill/>
-              </a:ln>
-              <a:solidFill>
-                <a:prstClr val="white"/>
-              </a:solidFill>
-              <a:effectLst/>
-              <a:uLnTx/>
-              <a:uFillTx/>
-              <a:latin typeface="Calibri" panose="020F0502020204030204"/>
-              <a:ea typeface="+mn-ea"/>
-              <a:cs typeface="+mn-cs"/>
-            </a:endParaRPr>
-          </a:p>
-        </p:txBody>
-      </p:sp>
       <p:sp>
         <p:nvSpPr>
           <p:cNvPr id="3" name="Subtitle 2">
@@ -21512,6 +19945,660 @@
     <p:extLst>
       <p:ext uri="{BB962C8B-B14F-4D97-AF65-F5344CB8AC3E}">
         <p14:creationId xmlns:p14="http://schemas.microsoft.com/office/powerpoint/2010/main" val="1192033070"/>
+      </p:ext>
+    </p:extLst>
+  </p:cSld>
+  <p:clrMapOvr>
+    <a:masterClrMapping/>
+  </p:clrMapOvr>
+  <mc:AlternateContent xmlns:mc="http://schemas.openxmlformats.org/markup-compatibility/2006" xmlns:p159="http://schemas.microsoft.com/office/powerpoint/2015/09/main">
+    <mc:Choice Requires="p159">
+      <p:transition xmlns:p14="http://schemas.microsoft.com/office/powerpoint/2010/main" spd="slow" p14:dur="2000">
+        <p159:morph option="byObject"/>
+      </p:transition>
+    </mc:Choice>
+    <mc:Fallback xmlns="">
+      <p:transition spd="slow">
+        <p:fade/>
+      </p:transition>
+    </mc:Fallback>
+  </mc:AlternateContent>
+</p:sld>
+</file>
+
+<file path=ppt/slides/slide21.xml><?xml version="1.0" encoding="utf-8"?>
+<p:sld xmlns:a="http://schemas.openxmlformats.org/drawingml/2006/main" xmlns:r="http://schemas.openxmlformats.org/officeDocument/2006/relationships" xmlns:p="http://schemas.openxmlformats.org/presentationml/2006/main">
+  <p:cSld>
+    <p:spTree>
+      <p:nvGrpSpPr>
+        <p:cNvPr id="1" name=""/>
+        <p:cNvGrpSpPr/>
+        <p:nvPr/>
+      </p:nvGrpSpPr>
+      <p:grpSpPr>
+        <a:xfrm>
+          <a:off x="0" y="0"/>
+          <a:ext cx="0" cy="0"/>
+          <a:chOff x="0" y="0"/>
+          <a:chExt cx="0" cy="0"/>
+        </a:xfrm>
+      </p:grpSpPr>
+      <p:sp>
+        <p:nvSpPr>
+          <p:cNvPr id="8" name="Rectangle: Rounded Corners 7">
+            <a:extLst>
+              <a:ext uri="{FF2B5EF4-FFF2-40B4-BE49-F238E27FC236}">
+                <a16:creationId xmlns:a16="http://schemas.microsoft.com/office/drawing/2014/main" id="{7BB0D57C-96FC-342D-E8C0-5E4D36FCC075}"/>
+              </a:ext>
+            </a:extLst>
+          </p:cNvPr>
+          <p:cNvSpPr/>
+          <p:nvPr/>
+        </p:nvSpPr>
+        <p:spPr>
+          <a:xfrm>
+            <a:off x="136263" y="107576"/>
+            <a:ext cx="11919473" cy="6642848"/>
+          </a:xfrm>
+          <a:prstGeom prst="roundRect">
+            <a:avLst>
+              <a:gd name="adj" fmla="val 1768"/>
+            </a:avLst>
+          </a:prstGeom>
+          <a:solidFill>
+            <a:schemeClr val="accent2">
+              <a:lumMod val="20000"/>
+              <a:lumOff val="80000"/>
+            </a:schemeClr>
+          </a:solidFill>
+          <a:ln>
+            <a:noFill/>
+          </a:ln>
+          <a:effectLst>
+            <a:softEdge rad="0"/>
+          </a:effectLst>
+        </p:spPr>
+        <p:style>
+          <a:lnRef idx="2">
+            <a:schemeClr val="accent1">
+              <a:shade val="15000"/>
+            </a:schemeClr>
+          </a:lnRef>
+          <a:fillRef idx="1">
+            <a:schemeClr val="accent1"/>
+          </a:fillRef>
+          <a:effectRef idx="0">
+            <a:schemeClr val="accent1"/>
+          </a:effectRef>
+          <a:fontRef idx="minor">
+            <a:schemeClr val="lt1"/>
+          </a:fontRef>
+        </p:style>
+        <p:txBody>
+          <a:bodyPr rtlCol="0" anchor="ctr"/>
+          <a:lstStyle/>
+          <a:p>
+            <a:pPr marL="0" marR="0" lvl="0" indent="0" algn="ctr" defTabSz="914400" rtl="0" eaLnBrk="1" fontAlgn="auto" latinLnBrk="0" hangingPunct="1">
+              <a:lnSpc>
+                <a:spcPct val="100000"/>
+              </a:lnSpc>
+              <a:spcBef>
+                <a:spcPts val="0"/>
+              </a:spcBef>
+              <a:spcAft>
+                <a:spcPts val="0"/>
+              </a:spcAft>
+              <a:buClrTx/>
+              <a:buSzTx/>
+              <a:buFontTx/>
+              <a:buNone/>
+              <a:tabLst/>
+              <a:defRPr/>
+            </a:pPr>
+            <a:endParaRPr kumimoji="0" lang="it-IT" sz="1800" b="0" i="0" u="none" strike="noStrike" kern="1200" cap="none" spc="0" normalizeH="0" baseline="0" noProof="0" dirty="0">
+              <a:ln>
+                <a:noFill/>
+              </a:ln>
+              <a:solidFill>
+                <a:prstClr val="white"/>
+              </a:solidFill>
+              <a:effectLst/>
+              <a:uLnTx/>
+              <a:uFillTx/>
+              <a:latin typeface="Calibri" panose="020F0502020204030204"/>
+              <a:ea typeface="+mn-ea"/>
+              <a:cs typeface="+mn-cs"/>
+            </a:endParaRPr>
+          </a:p>
+        </p:txBody>
+      </p:sp>
+      <p:sp>
+        <p:nvSpPr>
+          <p:cNvPr id="3" name="Subtitle 2">
+            <a:extLst>
+              <a:ext uri="{FF2B5EF4-FFF2-40B4-BE49-F238E27FC236}">
+                <a16:creationId xmlns:a16="http://schemas.microsoft.com/office/drawing/2014/main" id="{FC446B2D-F94A-2F94-9904-6D62ADA65C8F}"/>
+              </a:ext>
+            </a:extLst>
+          </p:cNvPr>
+          <p:cNvSpPr>
+            <a:spLocks noGrp="1"/>
+          </p:cNvSpPr>
+          <p:nvPr>
+            <p:ph type="subTitle" idx="1"/>
+          </p:nvPr>
+        </p:nvSpPr>
+        <p:spPr>
+          <a:xfrm>
+            <a:off x="1159136" y="1141768"/>
+            <a:ext cx="9601200" cy="5497157"/>
+          </a:xfrm>
+        </p:spPr>
+        <p:txBody>
+          <a:bodyPr>
+            <a:normAutofit/>
+          </a:bodyPr>
+          <a:lstStyle/>
+          <a:p>
+            <a:pPr algn="l">
+              <a:lnSpc>
+                <a:spcPct val="200000"/>
+              </a:lnSpc>
+            </a:pPr>
+            <a:endParaRPr lang="it-IT" dirty="0">
+              <a:latin typeface="Times New Roman" panose="02020603050405020304" pitchFamily="18" charset="0"/>
+              <a:cs typeface="Times New Roman" panose="02020603050405020304" pitchFamily="18" charset="0"/>
+            </a:endParaRPr>
+          </a:p>
+        </p:txBody>
+      </p:sp>
+      <p:pic>
+        <p:nvPicPr>
+          <p:cNvPr id="5" name="Picture 4">
+            <a:extLst>
+              <a:ext uri="{FF2B5EF4-FFF2-40B4-BE49-F238E27FC236}">
+                <a16:creationId xmlns:a16="http://schemas.microsoft.com/office/drawing/2014/main" id="{3812DE40-5AF8-7D6E-7A08-B24D8EBC1394}"/>
+              </a:ext>
+            </a:extLst>
+          </p:cNvPr>
+          <p:cNvPicPr>
+            <a:picLocks noChangeAspect="1"/>
+          </p:cNvPicPr>
+          <p:nvPr/>
+        </p:nvPicPr>
+        <p:blipFill>
+          <a:blip r:embed="rId3"/>
+          <a:srcRect/>
+          <a:stretch/>
+        </p:blipFill>
+        <p:spPr>
+          <a:xfrm>
+            <a:off x="953644" y="856599"/>
+            <a:ext cx="10284709" cy="5782326"/>
+          </a:xfrm>
+          <a:prstGeom prst="roundRect">
+            <a:avLst>
+              <a:gd name="adj" fmla="val 1017"/>
+            </a:avLst>
+          </a:prstGeom>
+          <a:solidFill>
+            <a:srgbClr val="FFFFFF">
+              <a:shade val="85000"/>
+            </a:srgbClr>
+          </a:solidFill>
+          <a:ln>
+            <a:noFill/>
+          </a:ln>
+          <a:effectLst>
+            <a:reflection blurRad="12700" stA="0" endPos="28000" dist="5000" dir="5400000" sy="-100000" algn="bl" rotWithShape="0"/>
+          </a:effectLst>
+        </p:spPr>
+      </p:pic>
+      <p:sp>
+        <p:nvSpPr>
+          <p:cNvPr id="7" name="Rectangle: Rounded Corners 6">
+            <a:extLst>
+              <a:ext uri="{FF2B5EF4-FFF2-40B4-BE49-F238E27FC236}">
+                <a16:creationId xmlns:a16="http://schemas.microsoft.com/office/drawing/2014/main" id="{66A1FB38-2DE2-7A01-3291-48D54341D128}"/>
+              </a:ext>
+            </a:extLst>
+          </p:cNvPr>
+          <p:cNvSpPr/>
+          <p:nvPr/>
+        </p:nvSpPr>
+        <p:spPr>
+          <a:xfrm>
+            <a:off x="3504412" y="229472"/>
+            <a:ext cx="5183173" cy="536232"/>
+          </a:xfrm>
+          <a:prstGeom prst="roundRect">
+            <a:avLst/>
+          </a:prstGeom>
+          <a:solidFill>
+            <a:schemeClr val="bg1"/>
+          </a:solidFill>
+          <a:ln>
+            <a:noFill/>
+          </a:ln>
+        </p:spPr>
+        <p:style>
+          <a:lnRef idx="2">
+            <a:schemeClr val="accent1">
+              <a:shade val="15000"/>
+            </a:schemeClr>
+          </a:lnRef>
+          <a:fillRef idx="1">
+            <a:schemeClr val="accent1"/>
+          </a:fillRef>
+          <a:effectRef idx="0">
+            <a:schemeClr val="accent1"/>
+          </a:effectRef>
+          <a:fontRef idx="minor">
+            <a:schemeClr val="lt1"/>
+          </a:fontRef>
+        </p:style>
+        <p:txBody>
+          <a:bodyPr rtlCol="0" anchor="ctr"/>
+          <a:lstStyle/>
+          <a:p>
+            <a:pPr marL="0" marR="0" lvl="0" indent="0" algn="ctr" defTabSz="914400" rtl="0" eaLnBrk="1" fontAlgn="auto" latinLnBrk="0" hangingPunct="1">
+              <a:lnSpc>
+                <a:spcPct val="100000"/>
+              </a:lnSpc>
+              <a:spcBef>
+                <a:spcPts val="0"/>
+              </a:spcBef>
+              <a:spcAft>
+                <a:spcPts val="0"/>
+              </a:spcAft>
+              <a:buClrTx/>
+              <a:buSzTx/>
+              <a:buFontTx/>
+              <a:buNone/>
+              <a:tabLst/>
+              <a:defRPr/>
+            </a:pPr>
+            <a:r>
+              <a:rPr lang="it-IT" sz="3200" dirty="0">
+                <a:solidFill>
+                  <a:schemeClr val="tx1"/>
+                </a:solidFill>
+                <a:latin typeface="Arial" panose="020B0604020202020204" pitchFamily="34" charset="0"/>
+                <a:ea typeface="Cambria Math" panose="02040503050406030204" pitchFamily="18" charset="0"/>
+                <a:cs typeface="Arial" panose="020B0604020202020204" pitchFamily="34" charset="0"/>
+              </a:rPr>
+              <a:t>Conclusioni e sviluppi futuri</a:t>
+            </a:r>
+            <a:endParaRPr kumimoji="0" lang="it-IT" sz="3200" b="0" i="0" u="none" strike="noStrike" kern="1200" cap="none" spc="0" normalizeH="0" baseline="0" noProof="0" dirty="0">
+              <a:ln>
+                <a:noFill/>
+              </a:ln>
+              <a:solidFill>
+                <a:schemeClr val="tx1"/>
+              </a:solidFill>
+              <a:effectLst/>
+              <a:uLnTx/>
+              <a:uFillTx/>
+              <a:latin typeface="Calibri" panose="020F0502020204030204"/>
+              <a:ea typeface="+mn-ea"/>
+              <a:cs typeface="+mn-cs"/>
+            </a:endParaRPr>
+          </a:p>
+        </p:txBody>
+      </p:sp>
+      <p:sp>
+        <p:nvSpPr>
+          <p:cNvPr id="2" name="Slide Number Placeholder 1">
+            <a:extLst>
+              <a:ext uri="{FF2B5EF4-FFF2-40B4-BE49-F238E27FC236}">
+                <a16:creationId xmlns:a16="http://schemas.microsoft.com/office/drawing/2014/main" id="{B2D3986A-0D70-73BB-0DB1-F9FA1E22E2E2}"/>
+              </a:ext>
+            </a:extLst>
+          </p:cNvPr>
+          <p:cNvSpPr>
+            <a:spLocks noGrp="1"/>
+          </p:cNvSpPr>
+          <p:nvPr>
+            <p:ph type="sldNum" sz="quarter" idx="12"/>
+          </p:nvPr>
+        </p:nvSpPr>
+        <p:spPr/>
+        <p:txBody>
+          <a:bodyPr/>
+          <a:lstStyle/>
+          <a:p>
+            <a:r>
+              <a:rPr lang="it-IT" dirty="0"/>
+              <a:t>13</a:t>
+            </a:r>
+          </a:p>
+        </p:txBody>
+      </p:sp>
+    </p:spTree>
+    <p:extLst>
+      <p:ext uri="{BB962C8B-B14F-4D97-AF65-F5344CB8AC3E}">
+        <p14:creationId xmlns:p14="http://schemas.microsoft.com/office/powerpoint/2010/main" val="826783920"/>
+      </p:ext>
+    </p:extLst>
+  </p:cSld>
+  <p:clrMapOvr>
+    <a:masterClrMapping/>
+  </p:clrMapOvr>
+</p:sld>
+</file>
+
+<file path=ppt/slides/slide22.xml><?xml version="1.0" encoding="utf-8"?>
+<p:sld xmlns:a="http://schemas.openxmlformats.org/drawingml/2006/main" xmlns:r="http://schemas.openxmlformats.org/officeDocument/2006/relationships" xmlns:p="http://schemas.openxmlformats.org/presentationml/2006/main">
+  <p:cSld>
+    <p:spTree>
+      <p:nvGrpSpPr>
+        <p:cNvPr id="1" name=""/>
+        <p:cNvGrpSpPr/>
+        <p:nvPr/>
+      </p:nvGrpSpPr>
+      <p:grpSpPr>
+        <a:xfrm>
+          <a:off x="0" y="0"/>
+          <a:ext cx="0" cy="0"/>
+          <a:chOff x="0" y="0"/>
+          <a:chExt cx="0" cy="0"/>
+        </a:xfrm>
+      </p:grpSpPr>
+      <p:sp>
+        <p:nvSpPr>
+          <p:cNvPr id="8" name="Rectangle: Rounded Corners 7">
+            <a:extLst>
+              <a:ext uri="{FF2B5EF4-FFF2-40B4-BE49-F238E27FC236}">
+                <a16:creationId xmlns:a16="http://schemas.microsoft.com/office/drawing/2014/main" id="{7BB0D57C-96FC-342D-E8C0-5E4D36FCC075}"/>
+              </a:ext>
+            </a:extLst>
+          </p:cNvPr>
+          <p:cNvSpPr/>
+          <p:nvPr/>
+        </p:nvSpPr>
+        <p:spPr>
+          <a:xfrm>
+            <a:off x="136263" y="107576"/>
+            <a:ext cx="11919473" cy="6642848"/>
+          </a:xfrm>
+          <a:prstGeom prst="roundRect">
+            <a:avLst>
+              <a:gd name="adj" fmla="val 1768"/>
+            </a:avLst>
+          </a:prstGeom>
+          <a:solidFill>
+            <a:schemeClr val="accent2">
+              <a:lumMod val="20000"/>
+              <a:lumOff val="80000"/>
+            </a:schemeClr>
+          </a:solidFill>
+          <a:ln>
+            <a:noFill/>
+          </a:ln>
+          <a:effectLst>
+            <a:softEdge rad="0"/>
+          </a:effectLst>
+        </p:spPr>
+        <p:style>
+          <a:lnRef idx="2">
+            <a:schemeClr val="accent1">
+              <a:shade val="15000"/>
+            </a:schemeClr>
+          </a:lnRef>
+          <a:fillRef idx="1">
+            <a:schemeClr val="accent1"/>
+          </a:fillRef>
+          <a:effectRef idx="0">
+            <a:schemeClr val="accent1"/>
+          </a:effectRef>
+          <a:fontRef idx="minor">
+            <a:schemeClr val="lt1"/>
+          </a:fontRef>
+        </p:style>
+        <p:txBody>
+          <a:bodyPr rtlCol="0" anchor="ctr"/>
+          <a:lstStyle/>
+          <a:p>
+            <a:pPr marL="0" marR="0" lvl="0" indent="0" algn="ctr" defTabSz="914400" rtl="0" eaLnBrk="1" fontAlgn="auto" latinLnBrk="0" hangingPunct="1">
+              <a:lnSpc>
+                <a:spcPct val="100000"/>
+              </a:lnSpc>
+              <a:spcBef>
+                <a:spcPts val="0"/>
+              </a:spcBef>
+              <a:spcAft>
+                <a:spcPts val="0"/>
+              </a:spcAft>
+              <a:buClrTx/>
+              <a:buSzTx/>
+              <a:buFontTx/>
+              <a:buNone/>
+              <a:tabLst/>
+              <a:defRPr/>
+            </a:pPr>
+            <a:endParaRPr kumimoji="0" lang="it-IT" sz="1800" b="0" i="0" u="none" strike="noStrike" kern="1200" cap="none" spc="0" normalizeH="0" baseline="0" noProof="0" dirty="0">
+              <a:ln>
+                <a:noFill/>
+              </a:ln>
+              <a:solidFill>
+                <a:prstClr val="white"/>
+              </a:solidFill>
+              <a:effectLst/>
+              <a:uLnTx/>
+              <a:uFillTx/>
+              <a:latin typeface="Calibri" panose="020F0502020204030204"/>
+              <a:ea typeface="+mn-ea"/>
+              <a:cs typeface="+mn-cs"/>
+            </a:endParaRPr>
+          </a:p>
+        </p:txBody>
+      </p:sp>
+      <p:sp>
+        <p:nvSpPr>
+          <p:cNvPr id="3" name="Subtitle 2">
+            <a:extLst>
+              <a:ext uri="{FF2B5EF4-FFF2-40B4-BE49-F238E27FC236}">
+                <a16:creationId xmlns:a16="http://schemas.microsoft.com/office/drawing/2014/main" id="{FC446B2D-F94A-2F94-9904-6D62ADA65C8F}"/>
+              </a:ext>
+            </a:extLst>
+          </p:cNvPr>
+          <p:cNvSpPr>
+            <a:spLocks noGrp="1"/>
+          </p:cNvSpPr>
+          <p:nvPr>
+            <p:ph type="subTitle" idx="1"/>
+          </p:nvPr>
+        </p:nvSpPr>
+        <p:spPr>
+          <a:xfrm>
+            <a:off x="1159136" y="1141768"/>
+            <a:ext cx="9601200" cy="5497157"/>
+          </a:xfrm>
+        </p:spPr>
+        <p:txBody>
+          <a:bodyPr>
+            <a:normAutofit/>
+          </a:bodyPr>
+          <a:lstStyle/>
+          <a:p>
+            <a:pPr algn="l">
+              <a:lnSpc>
+                <a:spcPct val="200000"/>
+              </a:lnSpc>
+            </a:pPr>
+            <a:endParaRPr lang="it-IT" dirty="0">
+              <a:latin typeface="Times New Roman" panose="02020603050405020304" pitchFamily="18" charset="0"/>
+              <a:cs typeface="Times New Roman" panose="02020603050405020304" pitchFamily="18" charset="0"/>
+            </a:endParaRPr>
+          </a:p>
+        </p:txBody>
+      </p:sp>
+      <p:pic>
+        <p:nvPicPr>
+          <p:cNvPr id="7" name="Picture 6">
+            <a:extLst>
+              <a:ext uri="{FF2B5EF4-FFF2-40B4-BE49-F238E27FC236}">
+                <a16:creationId xmlns:a16="http://schemas.microsoft.com/office/drawing/2014/main" id="{1C9B805D-CBC1-0451-39AE-BF2E24808158}"/>
+              </a:ext>
+            </a:extLst>
+          </p:cNvPr>
+          <p:cNvPicPr>
+            <a:picLocks noChangeAspect="1"/>
+          </p:cNvPicPr>
+          <p:nvPr/>
+        </p:nvPicPr>
+        <p:blipFill>
+          <a:blip r:embed="rId3"/>
+          <a:srcRect/>
+          <a:stretch/>
+        </p:blipFill>
+        <p:spPr>
+          <a:xfrm>
+            <a:off x="620089" y="894509"/>
+            <a:ext cx="10951821" cy="5709777"/>
+          </a:xfrm>
+          <a:prstGeom prst="roundRect">
+            <a:avLst>
+              <a:gd name="adj" fmla="val 753"/>
+            </a:avLst>
+          </a:prstGeom>
+          <a:solidFill>
+            <a:srgbClr val="FFFFFF">
+              <a:shade val="85000"/>
+            </a:srgbClr>
+          </a:solidFill>
+          <a:ln>
+            <a:noFill/>
+          </a:ln>
+          <a:effectLst>
+            <a:reflection blurRad="12700" stA="0" endPos="28000" dist="5000" dir="5400000" sy="-100000" algn="bl" rotWithShape="0"/>
+          </a:effectLst>
+        </p:spPr>
+      </p:pic>
+      <p:sp>
+        <p:nvSpPr>
+          <p:cNvPr id="6" name="Rectangle: Rounded Corners 5">
+            <a:extLst>
+              <a:ext uri="{FF2B5EF4-FFF2-40B4-BE49-F238E27FC236}">
+                <a16:creationId xmlns:a16="http://schemas.microsoft.com/office/drawing/2014/main" id="{FCE1786B-B91F-1BFD-05FF-0E12DB67BE13}"/>
+              </a:ext>
+            </a:extLst>
+          </p:cNvPr>
+          <p:cNvSpPr/>
+          <p:nvPr/>
+        </p:nvSpPr>
+        <p:spPr>
+          <a:xfrm>
+            <a:off x="3504412" y="229472"/>
+            <a:ext cx="5183173" cy="536232"/>
+          </a:xfrm>
+          <a:prstGeom prst="roundRect">
+            <a:avLst/>
+          </a:prstGeom>
+          <a:solidFill>
+            <a:schemeClr val="bg1"/>
+          </a:solidFill>
+          <a:ln>
+            <a:noFill/>
+          </a:ln>
+        </p:spPr>
+        <p:style>
+          <a:lnRef idx="2">
+            <a:schemeClr val="accent1">
+              <a:shade val="15000"/>
+            </a:schemeClr>
+          </a:lnRef>
+          <a:fillRef idx="1">
+            <a:schemeClr val="accent1"/>
+          </a:fillRef>
+          <a:effectRef idx="0">
+            <a:schemeClr val="accent1"/>
+          </a:effectRef>
+          <a:fontRef idx="minor">
+            <a:schemeClr val="lt1"/>
+          </a:fontRef>
+        </p:style>
+        <p:txBody>
+          <a:bodyPr rtlCol="0" anchor="ctr"/>
+          <a:lstStyle/>
+          <a:p>
+            <a:pPr marL="0" marR="0" lvl="0" indent="0" algn="ctr" defTabSz="914400" rtl="0" eaLnBrk="1" fontAlgn="auto" latinLnBrk="0" hangingPunct="1">
+              <a:lnSpc>
+                <a:spcPct val="100000"/>
+              </a:lnSpc>
+              <a:spcBef>
+                <a:spcPts val="0"/>
+              </a:spcBef>
+              <a:spcAft>
+                <a:spcPts val="0"/>
+              </a:spcAft>
+              <a:buClrTx/>
+              <a:buSzTx/>
+              <a:buFontTx/>
+              <a:buNone/>
+              <a:tabLst/>
+              <a:defRPr/>
+            </a:pPr>
+            <a:r>
+              <a:rPr lang="it-IT" sz="3200" dirty="0">
+                <a:solidFill>
+                  <a:schemeClr val="tx1"/>
+                </a:solidFill>
+                <a:latin typeface="Arial" panose="020B0604020202020204" pitchFamily="34" charset="0"/>
+                <a:ea typeface="Cambria Math" panose="02040503050406030204" pitchFamily="18" charset="0"/>
+                <a:cs typeface="Arial" panose="020B0604020202020204" pitchFamily="34" charset="0"/>
+              </a:rPr>
+              <a:t>Conclusioni e sviluppi futuri</a:t>
+            </a:r>
+            <a:endParaRPr kumimoji="0" lang="it-IT" sz="3200" b="0" i="0" u="none" strike="noStrike" kern="1200" cap="none" spc="0" normalizeH="0" baseline="0" noProof="0" dirty="0">
+              <a:ln>
+                <a:noFill/>
+              </a:ln>
+              <a:solidFill>
+                <a:schemeClr val="tx1"/>
+              </a:solidFill>
+              <a:effectLst/>
+              <a:uLnTx/>
+              <a:uFillTx/>
+              <a:latin typeface="Calibri" panose="020F0502020204030204"/>
+              <a:ea typeface="+mn-ea"/>
+              <a:cs typeface="+mn-cs"/>
+            </a:endParaRPr>
+          </a:p>
+        </p:txBody>
+      </p:sp>
+      <p:sp>
+        <p:nvSpPr>
+          <p:cNvPr id="2" name="Slide Number Placeholder 1">
+            <a:extLst>
+              <a:ext uri="{FF2B5EF4-FFF2-40B4-BE49-F238E27FC236}">
+                <a16:creationId xmlns:a16="http://schemas.microsoft.com/office/drawing/2014/main" id="{4B6BB306-7A2D-0AA1-7CF3-72D0F9D6A3D0}"/>
+              </a:ext>
+            </a:extLst>
+          </p:cNvPr>
+          <p:cNvSpPr>
+            <a:spLocks noGrp="1"/>
+          </p:cNvSpPr>
+          <p:nvPr>
+            <p:ph type="sldNum" sz="quarter" idx="12"/>
+          </p:nvPr>
+        </p:nvSpPr>
+        <p:spPr/>
+        <p:txBody>
+          <a:bodyPr/>
+          <a:lstStyle/>
+          <a:p>
+            <a:r>
+              <a:rPr lang="it-IT" dirty="0"/>
+              <a:t>13</a:t>
+            </a:r>
+          </a:p>
+        </p:txBody>
+      </p:sp>
+    </p:spTree>
+    <p:extLst>
+      <p:ext uri="{BB962C8B-B14F-4D97-AF65-F5344CB8AC3E}">
+        <p14:creationId xmlns:p14="http://schemas.microsoft.com/office/powerpoint/2010/main" val="3804425154"/>
       </p:ext>
     </p:extLst>
   </p:cSld>
@@ -21641,660 +20728,6 @@
       </p:sp>
       <p:sp>
         <p:nvSpPr>
-          <p:cNvPr id="3" name="Subtitle 2">
-            <a:extLst>
-              <a:ext uri="{FF2B5EF4-FFF2-40B4-BE49-F238E27FC236}">
-                <a16:creationId xmlns:a16="http://schemas.microsoft.com/office/drawing/2014/main" id="{FC446B2D-F94A-2F94-9904-6D62ADA65C8F}"/>
-              </a:ext>
-            </a:extLst>
-          </p:cNvPr>
-          <p:cNvSpPr>
-            <a:spLocks noGrp="1"/>
-          </p:cNvSpPr>
-          <p:nvPr>
-            <p:ph type="subTitle" idx="1"/>
-          </p:nvPr>
-        </p:nvSpPr>
-        <p:spPr>
-          <a:xfrm>
-            <a:off x="1159136" y="1141768"/>
-            <a:ext cx="9601200" cy="5497157"/>
-          </a:xfrm>
-        </p:spPr>
-        <p:txBody>
-          <a:bodyPr>
-            <a:normAutofit/>
-          </a:bodyPr>
-          <a:lstStyle/>
-          <a:p>
-            <a:pPr algn="l">
-              <a:lnSpc>
-                <a:spcPct val="200000"/>
-              </a:lnSpc>
-            </a:pPr>
-            <a:endParaRPr lang="it-IT" dirty="0">
-              <a:latin typeface="Times New Roman" panose="02020603050405020304" pitchFamily="18" charset="0"/>
-              <a:cs typeface="Times New Roman" panose="02020603050405020304" pitchFamily="18" charset="0"/>
-            </a:endParaRPr>
-          </a:p>
-        </p:txBody>
-      </p:sp>
-      <p:pic>
-        <p:nvPicPr>
-          <p:cNvPr id="5" name="Picture 4">
-            <a:extLst>
-              <a:ext uri="{FF2B5EF4-FFF2-40B4-BE49-F238E27FC236}">
-                <a16:creationId xmlns:a16="http://schemas.microsoft.com/office/drawing/2014/main" id="{3812DE40-5AF8-7D6E-7A08-B24D8EBC1394}"/>
-              </a:ext>
-            </a:extLst>
-          </p:cNvPr>
-          <p:cNvPicPr>
-            <a:picLocks noChangeAspect="1"/>
-          </p:cNvPicPr>
-          <p:nvPr/>
-        </p:nvPicPr>
-        <p:blipFill>
-          <a:blip r:embed="rId3"/>
-          <a:srcRect/>
-          <a:stretch/>
-        </p:blipFill>
-        <p:spPr>
-          <a:xfrm>
-            <a:off x="953644" y="856599"/>
-            <a:ext cx="10284709" cy="5782326"/>
-          </a:xfrm>
-          <a:prstGeom prst="roundRect">
-            <a:avLst>
-              <a:gd name="adj" fmla="val 1017"/>
-            </a:avLst>
-          </a:prstGeom>
-          <a:solidFill>
-            <a:srgbClr val="FFFFFF">
-              <a:shade val="85000"/>
-            </a:srgbClr>
-          </a:solidFill>
-          <a:ln>
-            <a:noFill/>
-          </a:ln>
-          <a:effectLst>
-            <a:reflection blurRad="12700" stA="0" endPos="28000" dist="5000" dir="5400000" sy="-100000" algn="bl" rotWithShape="0"/>
-          </a:effectLst>
-        </p:spPr>
-      </p:pic>
-      <p:sp>
-        <p:nvSpPr>
-          <p:cNvPr id="7" name="Rectangle: Rounded Corners 6">
-            <a:extLst>
-              <a:ext uri="{FF2B5EF4-FFF2-40B4-BE49-F238E27FC236}">
-                <a16:creationId xmlns:a16="http://schemas.microsoft.com/office/drawing/2014/main" id="{66A1FB38-2DE2-7A01-3291-48D54341D128}"/>
-              </a:ext>
-            </a:extLst>
-          </p:cNvPr>
-          <p:cNvSpPr/>
-          <p:nvPr/>
-        </p:nvSpPr>
-        <p:spPr>
-          <a:xfrm>
-            <a:off x="3504412" y="229472"/>
-            <a:ext cx="5183173" cy="536232"/>
-          </a:xfrm>
-          <a:prstGeom prst="roundRect">
-            <a:avLst/>
-          </a:prstGeom>
-          <a:solidFill>
-            <a:schemeClr val="bg1"/>
-          </a:solidFill>
-          <a:ln>
-            <a:noFill/>
-          </a:ln>
-        </p:spPr>
-        <p:style>
-          <a:lnRef idx="2">
-            <a:schemeClr val="accent1">
-              <a:shade val="15000"/>
-            </a:schemeClr>
-          </a:lnRef>
-          <a:fillRef idx="1">
-            <a:schemeClr val="accent1"/>
-          </a:fillRef>
-          <a:effectRef idx="0">
-            <a:schemeClr val="accent1"/>
-          </a:effectRef>
-          <a:fontRef idx="minor">
-            <a:schemeClr val="lt1"/>
-          </a:fontRef>
-        </p:style>
-        <p:txBody>
-          <a:bodyPr rtlCol="0" anchor="ctr"/>
-          <a:lstStyle/>
-          <a:p>
-            <a:pPr marL="0" marR="0" lvl="0" indent="0" algn="ctr" defTabSz="914400" rtl="0" eaLnBrk="1" fontAlgn="auto" latinLnBrk="0" hangingPunct="1">
-              <a:lnSpc>
-                <a:spcPct val="100000"/>
-              </a:lnSpc>
-              <a:spcBef>
-                <a:spcPts val="0"/>
-              </a:spcBef>
-              <a:spcAft>
-                <a:spcPts val="0"/>
-              </a:spcAft>
-              <a:buClrTx/>
-              <a:buSzTx/>
-              <a:buFontTx/>
-              <a:buNone/>
-              <a:tabLst/>
-              <a:defRPr/>
-            </a:pPr>
-            <a:r>
-              <a:rPr lang="it-IT" sz="3200" dirty="0">
-                <a:solidFill>
-                  <a:schemeClr val="tx1"/>
-                </a:solidFill>
-                <a:latin typeface="Arial" panose="020B0604020202020204" pitchFamily="34" charset="0"/>
-                <a:ea typeface="Cambria Math" panose="02040503050406030204" pitchFamily="18" charset="0"/>
-                <a:cs typeface="Arial" panose="020B0604020202020204" pitchFamily="34" charset="0"/>
-              </a:rPr>
-              <a:t>Conclusioni e sviluppi futuri</a:t>
-            </a:r>
-            <a:endParaRPr kumimoji="0" lang="it-IT" sz="3200" b="0" i="0" u="none" strike="noStrike" kern="1200" cap="none" spc="0" normalizeH="0" baseline="0" noProof="0" dirty="0">
-              <a:ln>
-                <a:noFill/>
-              </a:ln>
-              <a:solidFill>
-                <a:schemeClr val="tx1"/>
-              </a:solidFill>
-              <a:effectLst/>
-              <a:uLnTx/>
-              <a:uFillTx/>
-              <a:latin typeface="Calibri" panose="020F0502020204030204"/>
-              <a:ea typeface="+mn-ea"/>
-              <a:cs typeface="+mn-cs"/>
-            </a:endParaRPr>
-          </a:p>
-        </p:txBody>
-      </p:sp>
-      <p:sp>
-        <p:nvSpPr>
-          <p:cNvPr id="2" name="Slide Number Placeholder 1">
-            <a:extLst>
-              <a:ext uri="{FF2B5EF4-FFF2-40B4-BE49-F238E27FC236}">
-                <a16:creationId xmlns:a16="http://schemas.microsoft.com/office/drawing/2014/main" id="{B2D3986A-0D70-73BB-0DB1-F9FA1E22E2E2}"/>
-              </a:ext>
-            </a:extLst>
-          </p:cNvPr>
-          <p:cNvSpPr>
-            <a:spLocks noGrp="1"/>
-          </p:cNvSpPr>
-          <p:nvPr>
-            <p:ph type="sldNum" sz="quarter" idx="12"/>
-          </p:nvPr>
-        </p:nvSpPr>
-        <p:spPr/>
-        <p:txBody>
-          <a:bodyPr/>
-          <a:lstStyle/>
-          <a:p>
-            <a:r>
-              <a:rPr lang="it-IT" dirty="0"/>
-              <a:t>13</a:t>
-            </a:r>
-          </a:p>
-        </p:txBody>
-      </p:sp>
-    </p:spTree>
-    <p:extLst>
-      <p:ext uri="{BB962C8B-B14F-4D97-AF65-F5344CB8AC3E}">
-        <p14:creationId xmlns:p14="http://schemas.microsoft.com/office/powerpoint/2010/main" val="826783920"/>
-      </p:ext>
-    </p:extLst>
-  </p:cSld>
-  <p:clrMapOvr>
-    <a:masterClrMapping/>
-  </p:clrMapOvr>
-</p:sld>
-</file>
-
-<file path=ppt/slides/slide24.xml><?xml version="1.0" encoding="utf-8"?>
-<p:sld xmlns:a="http://schemas.openxmlformats.org/drawingml/2006/main" xmlns:r="http://schemas.openxmlformats.org/officeDocument/2006/relationships" xmlns:p="http://schemas.openxmlformats.org/presentationml/2006/main">
-  <p:cSld>
-    <p:spTree>
-      <p:nvGrpSpPr>
-        <p:cNvPr id="1" name=""/>
-        <p:cNvGrpSpPr/>
-        <p:nvPr/>
-      </p:nvGrpSpPr>
-      <p:grpSpPr>
-        <a:xfrm>
-          <a:off x="0" y="0"/>
-          <a:ext cx="0" cy="0"/>
-          <a:chOff x="0" y="0"/>
-          <a:chExt cx="0" cy="0"/>
-        </a:xfrm>
-      </p:grpSpPr>
-      <p:sp>
-        <p:nvSpPr>
-          <p:cNvPr id="8" name="Rectangle: Rounded Corners 7">
-            <a:extLst>
-              <a:ext uri="{FF2B5EF4-FFF2-40B4-BE49-F238E27FC236}">
-                <a16:creationId xmlns:a16="http://schemas.microsoft.com/office/drawing/2014/main" id="{7BB0D57C-96FC-342D-E8C0-5E4D36FCC075}"/>
-              </a:ext>
-            </a:extLst>
-          </p:cNvPr>
-          <p:cNvSpPr/>
-          <p:nvPr/>
-        </p:nvSpPr>
-        <p:spPr>
-          <a:xfrm>
-            <a:off x="136263" y="107576"/>
-            <a:ext cx="11919473" cy="6642848"/>
-          </a:xfrm>
-          <a:prstGeom prst="roundRect">
-            <a:avLst>
-              <a:gd name="adj" fmla="val 1768"/>
-            </a:avLst>
-          </a:prstGeom>
-          <a:solidFill>
-            <a:schemeClr val="accent2">
-              <a:lumMod val="20000"/>
-              <a:lumOff val="80000"/>
-            </a:schemeClr>
-          </a:solidFill>
-          <a:ln>
-            <a:noFill/>
-          </a:ln>
-          <a:effectLst>
-            <a:softEdge rad="0"/>
-          </a:effectLst>
-        </p:spPr>
-        <p:style>
-          <a:lnRef idx="2">
-            <a:schemeClr val="accent1">
-              <a:shade val="15000"/>
-            </a:schemeClr>
-          </a:lnRef>
-          <a:fillRef idx="1">
-            <a:schemeClr val="accent1"/>
-          </a:fillRef>
-          <a:effectRef idx="0">
-            <a:schemeClr val="accent1"/>
-          </a:effectRef>
-          <a:fontRef idx="minor">
-            <a:schemeClr val="lt1"/>
-          </a:fontRef>
-        </p:style>
-        <p:txBody>
-          <a:bodyPr rtlCol="0" anchor="ctr"/>
-          <a:lstStyle/>
-          <a:p>
-            <a:pPr marL="0" marR="0" lvl="0" indent="0" algn="ctr" defTabSz="914400" rtl="0" eaLnBrk="1" fontAlgn="auto" latinLnBrk="0" hangingPunct="1">
-              <a:lnSpc>
-                <a:spcPct val="100000"/>
-              </a:lnSpc>
-              <a:spcBef>
-                <a:spcPts val="0"/>
-              </a:spcBef>
-              <a:spcAft>
-                <a:spcPts val="0"/>
-              </a:spcAft>
-              <a:buClrTx/>
-              <a:buSzTx/>
-              <a:buFontTx/>
-              <a:buNone/>
-              <a:tabLst/>
-              <a:defRPr/>
-            </a:pPr>
-            <a:endParaRPr kumimoji="0" lang="it-IT" sz="1800" b="0" i="0" u="none" strike="noStrike" kern="1200" cap="none" spc="0" normalizeH="0" baseline="0" noProof="0" dirty="0">
-              <a:ln>
-                <a:noFill/>
-              </a:ln>
-              <a:solidFill>
-                <a:prstClr val="white"/>
-              </a:solidFill>
-              <a:effectLst/>
-              <a:uLnTx/>
-              <a:uFillTx/>
-              <a:latin typeface="Calibri" panose="020F0502020204030204"/>
-              <a:ea typeface="+mn-ea"/>
-              <a:cs typeface="+mn-cs"/>
-            </a:endParaRPr>
-          </a:p>
-        </p:txBody>
-      </p:sp>
-      <p:sp>
-        <p:nvSpPr>
-          <p:cNvPr id="3" name="Subtitle 2">
-            <a:extLst>
-              <a:ext uri="{FF2B5EF4-FFF2-40B4-BE49-F238E27FC236}">
-                <a16:creationId xmlns:a16="http://schemas.microsoft.com/office/drawing/2014/main" id="{FC446B2D-F94A-2F94-9904-6D62ADA65C8F}"/>
-              </a:ext>
-            </a:extLst>
-          </p:cNvPr>
-          <p:cNvSpPr>
-            <a:spLocks noGrp="1"/>
-          </p:cNvSpPr>
-          <p:nvPr>
-            <p:ph type="subTitle" idx="1"/>
-          </p:nvPr>
-        </p:nvSpPr>
-        <p:spPr>
-          <a:xfrm>
-            <a:off x="1159136" y="1141768"/>
-            <a:ext cx="9601200" cy="5497157"/>
-          </a:xfrm>
-        </p:spPr>
-        <p:txBody>
-          <a:bodyPr>
-            <a:normAutofit/>
-          </a:bodyPr>
-          <a:lstStyle/>
-          <a:p>
-            <a:pPr algn="l">
-              <a:lnSpc>
-                <a:spcPct val="200000"/>
-              </a:lnSpc>
-            </a:pPr>
-            <a:endParaRPr lang="it-IT" dirty="0">
-              <a:latin typeface="Times New Roman" panose="02020603050405020304" pitchFamily="18" charset="0"/>
-              <a:cs typeface="Times New Roman" panose="02020603050405020304" pitchFamily="18" charset="0"/>
-            </a:endParaRPr>
-          </a:p>
-        </p:txBody>
-      </p:sp>
-      <p:pic>
-        <p:nvPicPr>
-          <p:cNvPr id="7" name="Picture 6">
-            <a:extLst>
-              <a:ext uri="{FF2B5EF4-FFF2-40B4-BE49-F238E27FC236}">
-                <a16:creationId xmlns:a16="http://schemas.microsoft.com/office/drawing/2014/main" id="{1C9B805D-CBC1-0451-39AE-BF2E24808158}"/>
-              </a:ext>
-            </a:extLst>
-          </p:cNvPr>
-          <p:cNvPicPr>
-            <a:picLocks noChangeAspect="1"/>
-          </p:cNvPicPr>
-          <p:nvPr/>
-        </p:nvPicPr>
-        <p:blipFill>
-          <a:blip r:embed="rId3"/>
-          <a:srcRect/>
-          <a:stretch/>
-        </p:blipFill>
-        <p:spPr>
-          <a:xfrm>
-            <a:off x="620089" y="894509"/>
-            <a:ext cx="10951821" cy="5709777"/>
-          </a:xfrm>
-          <a:prstGeom prst="roundRect">
-            <a:avLst>
-              <a:gd name="adj" fmla="val 753"/>
-            </a:avLst>
-          </a:prstGeom>
-          <a:solidFill>
-            <a:srgbClr val="FFFFFF">
-              <a:shade val="85000"/>
-            </a:srgbClr>
-          </a:solidFill>
-          <a:ln>
-            <a:noFill/>
-          </a:ln>
-          <a:effectLst>
-            <a:reflection blurRad="12700" stA="0" endPos="28000" dist="5000" dir="5400000" sy="-100000" algn="bl" rotWithShape="0"/>
-          </a:effectLst>
-        </p:spPr>
-      </p:pic>
-      <p:sp>
-        <p:nvSpPr>
-          <p:cNvPr id="6" name="Rectangle: Rounded Corners 5">
-            <a:extLst>
-              <a:ext uri="{FF2B5EF4-FFF2-40B4-BE49-F238E27FC236}">
-                <a16:creationId xmlns:a16="http://schemas.microsoft.com/office/drawing/2014/main" id="{FCE1786B-B91F-1BFD-05FF-0E12DB67BE13}"/>
-              </a:ext>
-            </a:extLst>
-          </p:cNvPr>
-          <p:cNvSpPr/>
-          <p:nvPr/>
-        </p:nvSpPr>
-        <p:spPr>
-          <a:xfrm>
-            <a:off x="3504412" y="229472"/>
-            <a:ext cx="5183173" cy="536232"/>
-          </a:xfrm>
-          <a:prstGeom prst="roundRect">
-            <a:avLst/>
-          </a:prstGeom>
-          <a:solidFill>
-            <a:schemeClr val="bg1"/>
-          </a:solidFill>
-          <a:ln>
-            <a:noFill/>
-          </a:ln>
-        </p:spPr>
-        <p:style>
-          <a:lnRef idx="2">
-            <a:schemeClr val="accent1">
-              <a:shade val="15000"/>
-            </a:schemeClr>
-          </a:lnRef>
-          <a:fillRef idx="1">
-            <a:schemeClr val="accent1"/>
-          </a:fillRef>
-          <a:effectRef idx="0">
-            <a:schemeClr val="accent1"/>
-          </a:effectRef>
-          <a:fontRef idx="minor">
-            <a:schemeClr val="lt1"/>
-          </a:fontRef>
-        </p:style>
-        <p:txBody>
-          <a:bodyPr rtlCol="0" anchor="ctr"/>
-          <a:lstStyle/>
-          <a:p>
-            <a:pPr marL="0" marR="0" lvl="0" indent="0" algn="ctr" defTabSz="914400" rtl="0" eaLnBrk="1" fontAlgn="auto" latinLnBrk="0" hangingPunct="1">
-              <a:lnSpc>
-                <a:spcPct val="100000"/>
-              </a:lnSpc>
-              <a:spcBef>
-                <a:spcPts val="0"/>
-              </a:spcBef>
-              <a:spcAft>
-                <a:spcPts val="0"/>
-              </a:spcAft>
-              <a:buClrTx/>
-              <a:buSzTx/>
-              <a:buFontTx/>
-              <a:buNone/>
-              <a:tabLst/>
-              <a:defRPr/>
-            </a:pPr>
-            <a:r>
-              <a:rPr lang="it-IT" sz="3200" dirty="0">
-                <a:solidFill>
-                  <a:schemeClr val="tx1"/>
-                </a:solidFill>
-                <a:latin typeface="Arial" panose="020B0604020202020204" pitchFamily="34" charset="0"/>
-                <a:ea typeface="Cambria Math" panose="02040503050406030204" pitchFamily="18" charset="0"/>
-                <a:cs typeface="Arial" panose="020B0604020202020204" pitchFamily="34" charset="0"/>
-              </a:rPr>
-              <a:t>Conclusioni e sviluppi futuri</a:t>
-            </a:r>
-            <a:endParaRPr kumimoji="0" lang="it-IT" sz="3200" b="0" i="0" u="none" strike="noStrike" kern="1200" cap="none" spc="0" normalizeH="0" baseline="0" noProof="0" dirty="0">
-              <a:ln>
-                <a:noFill/>
-              </a:ln>
-              <a:solidFill>
-                <a:schemeClr val="tx1"/>
-              </a:solidFill>
-              <a:effectLst/>
-              <a:uLnTx/>
-              <a:uFillTx/>
-              <a:latin typeface="Calibri" panose="020F0502020204030204"/>
-              <a:ea typeface="+mn-ea"/>
-              <a:cs typeface="+mn-cs"/>
-            </a:endParaRPr>
-          </a:p>
-        </p:txBody>
-      </p:sp>
-      <p:sp>
-        <p:nvSpPr>
-          <p:cNvPr id="2" name="Slide Number Placeholder 1">
-            <a:extLst>
-              <a:ext uri="{FF2B5EF4-FFF2-40B4-BE49-F238E27FC236}">
-                <a16:creationId xmlns:a16="http://schemas.microsoft.com/office/drawing/2014/main" id="{4B6BB306-7A2D-0AA1-7CF3-72D0F9D6A3D0}"/>
-              </a:ext>
-            </a:extLst>
-          </p:cNvPr>
-          <p:cNvSpPr>
-            <a:spLocks noGrp="1"/>
-          </p:cNvSpPr>
-          <p:nvPr>
-            <p:ph type="sldNum" sz="quarter" idx="12"/>
-          </p:nvPr>
-        </p:nvSpPr>
-        <p:spPr/>
-        <p:txBody>
-          <a:bodyPr/>
-          <a:lstStyle/>
-          <a:p>
-            <a:r>
-              <a:rPr lang="it-IT" dirty="0"/>
-              <a:t>13</a:t>
-            </a:r>
-          </a:p>
-        </p:txBody>
-      </p:sp>
-    </p:spTree>
-    <p:extLst>
-      <p:ext uri="{BB962C8B-B14F-4D97-AF65-F5344CB8AC3E}">
-        <p14:creationId xmlns:p14="http://schemas.microsoft.com/office/powerpoint/2010/main" val="3804425154"/>
-      </p:ext>
-    </p:extLst>
-  </p:cSld>
-  <p:clrMapOvr>
-    <a:masterClrMapping/>
-  </p:clrMapOvr>
-  <mc:AlternateContent xmlns:mc="http://schemas.openxmlformats.org/markup-compatibility/2006" xmlns:p159="http://schemas.microsoft.com/office/powerpoint/2015/09/main">
-    <mc:Choice Requires="p159">
-      <p:transition xmlns:p14="http://schemas.microsoft.com/office/powerpoint/2010/main" spd="slow" p14:dur="2000">
-        <p159:morph option="byObject"/>
-      </p:transition>
-    </mc:Choice>
-    <mc:Fallback xmlns="">
-      <p:transition spd="slow">
-        <p:fade/>
-      </p:transition>
-    </mc:Fallback>
-  </mc:AlternateContent>
-</p:sld>
-</file>
-
-<file path=ppt/slides/slide25.xml><?xml version="1.0" encoding="utf-8"?>
-<p:sld xmlns:a="http://schemas.openxmlformats.org/drawingml/2006/main" xmlns:r="http://schemas.openxmlformats.org/officeDocument/2006/relationships" xmlns:p="http://schemas.openxmlformats.org/presentationml/2006/main">
-  <p:cSld>
-    <p:spTree>
-      <p:nvGrpSpPr>
-        <p:cNvPr id="1" name=""/>
-        <p:cNvGrpSpPr/>
-        <p:nvPr/>
-      </p:nvGrpSpPr>
-      <p:grpSpPr>
-        <a:xfrm>
-          <a:off x="0" y="0"/>
-          <a:ext cx="0" cy="0"/>
-          <a:chOff x="0" y="0"/>
-          <a:chExt cx="0" cy="0"/>
-        </a:xfrm>
-      </p:grpSpPr>
-      <p:sp>
-        <p:nvSpPr>
-          <p:cNvPr id="8" name="Rectangle: Rounded Corners 7">
-            <a:extLst>
-              <a:ext uri="{FF2B5EF4-FFF2-40B4-BE49-F238E27FC236}">
-                <a16:creationId xmlns:a16="http://schemas.microsoft.com/office/drawing/2014/main" id="{7BB0D57C-96FC-342D-E8C0-5E4D36FCC075}"/>
-              </a:ext>
-            </a:extLst>
-          </p:cNvPr>
-          <p:cNvSpPr/>
-          <p:nvPr/>
-        </p:nvSpPr>
-        <p:spPr>
-          <a:xfrm>
-            <a:off x="136263" y="107576"/>
-            <a:ext cx="11919473" cy="6642848"/>
-          </a:xfrm>
-          <a:prstGeom prst="roundRect">
-            <a:avLst>
-              <a:gd name="adj" fmla="val 1768"/>
-            </a:avLst>
-          </a:prstGeom>
-          <a:solidFill>
-            <a:schemeClr val="accent2">
-              <a:lumMod val="20000"/>
-              <a:lumOff val="80000"/>
-            </a:schemeClr>
-          </a:solidFill>
-          <a:ln>
-            <a:noFill/>
-          </a:ln>
-          <a:effectLst>
-            <a:softEdge rad="0"/>
-          </a:effectLst>
-        </p:spPr>
-        <p:style>
-          <a:lnRef idx="2">
-            <a:schemeClr val="accent1">
-              <a:shade val="15000"/>
-            </a:schemeClr>
-          </a:lnRef>
-          <a:fillRef idx="1">
-            <a:schemeClr val="accent1"/>
-          </a:fillRef>
-          <a:effectRef idx="0">
-            <a:schemeClr val="accent1"/>
-          </a:effectRef>
-          <a:fontRef idx="minor">
-            <a:schemeClr val="lt1"/>
-          </a:fontRef>
-        </p:style>
-        <p:txBody>
-          <a:bodyPr rtlCol="0" anchor="ctr"/>
-          <a:lstStyle/>
-          <a:p>
-            <a:pPr marL="0" marR="0" lvl="0" indent="0" algn="ctr" defTabSz="914400" rtl="0" eaLnBrk="1" fontAlgn="auto" latinLnBrk="0" hangingPunct="1">
-              <a:lnSpc>
-                <a:spcPct val="100000"/>
-              </a:lnSpc>
-              <a:spcBef>
-                <a:spcPts val="0"/>
-              </a:spcBef>
-              <a:spcAft>
-                <a:spcPts val="0"/>
-              </a:spcAft>
-              <a:buClrTx/>
-              <a:buSzTx/>
-              <a:buFontTx/>
-              <a:buNone/>
-              <a:tabLst/>
-              <a:defRPr/>
-            </a:pPr>
-            <a:endParaRPr kumimoji="0" lang="it-IT" sz="1800" b="0" i="0" u="none" strike="noStrike" kern="1200" cap="none" spc="0" normalizeH="0" baseline="0" noProof="0" dirty="0">
-              <a:ln>
-                <a:noFill/>
-              </a:ln>
-              <a:solidFill>
-                <a:prstClr val="white"/>
-              </a:solidFill>
-              <a:effectLst/>
-              <a:uLnTx/>
-              <a:uFillTx/>
-              <a:latin typeface="Calibri" panose="020F0502020204030204"/>
-              <a:ea typeface="+mn-ea"/>
-              <a:cs typeface="+mn-cs"/>
-            </a:endParaRPr>
-          </a:p>
-        </p:txBody>
-      </p:sp>
-      <p:sp>
-        <p:nvSpPr>
           <p:cNvPr id="10" name="Rectangle: Rounded Corners 9">
             <a:extLst>
               <a:ext uri="{FF2B5EF4-FFF2-40B4-BE49-F238E27FC236}">
@@ -22408,7 +20841,7 @@
           <a:p>
             <a:fld id="{3538293F-7F8A-430D-9B90-1E44095FC35F}" type="slidenum">
               <a:rPr lang="it-IT" smtClean="0"/>
-              <a:t>25</a:t>
+              <a:t>23</a:t>
             </a:fld>
             <a:endParaRPr lang="it-IT"/>
           </a:p>

--- a/Presentazione_Tesi_Triennale_Informatica_Unimore_2022_2023_Enrico_Marras_152336_v2.pptx
+++ b/Presentazione_Tesi_Triennale_Informatica_Unimore_2022_2023_Enrico_Marras_152336_v2.pptx
@@ -4816,7 +4816,7 @@
           <a:p>
             <a:fld id="{5A380E97-91F5-47EA-9D04-C3513F44CB51}" type="datetimeFigureOut">
               <a:rPr lang="it-IT" smtClean="0"/>
-              <a:t>22/10/2023</a:t>
+              <a:t>23/10/2023</a:t>
             </a:fld>
             <a:endParaRPr lang="it-IT"/>
           </a:p>
@@ -8341,7 +8341,7 @@
           <a:p>
             <a:fld id="{C6B94E2B-A83C-4036-B1E7-12D11015BA88}" type="datetime1">
               <a:rPr lang="it-IT" smtClean="0"/>
-              <a:t>22/10/2023</a:t>
+              <a:t>23/10/2023</a:t>
             </a:fld>
             <a:endParaRPr lang="it-IT"/>
           </a:p>
@@ -8541,7 +8541,7 @@
           <a:p>
             <a:fld id="{769333B3-E355-425F-83F1-331287CF7A51}" type="datetime1">
               <a:rPr lang="it-IT" smtClean="0"/>
-              <a:t>22/10/2023</a:t>
+              <a:t>23/10/2023</a:t>
             </a:fld>
             <a:endParaRPr lang="it-IT"/>
           </a:p>
@@ -8751,7 +8751,7 @@
           <a:p>
             <a:fld id="{96AE93DD-D37A-416F-BF2A-347FB1385994}" type="datetime1">
               <a:rPr lang="it-IT" smtClean="0"/>
-              <a:t>22/10/2023</a:t>
+              <a:t>23/10/2023</a:t>
             </a:fld>
             <a:endParaRPr lang="it-IT"/>
           </a:p>
@@ -8951,7 +8951,7 @@
           <a:p>
             <a:fld id="{D7C24D3A-F463-43E7-A97A-FE6548E45051}" type="datetime1">
               <a:rPr lang="it-IT" smtClean="0"/>
-              <a:t>22/10/2023</a:t>
+              <a:t>23/10/2023</a:t>
             </a:fld>
             <a:endParaRPr lang="it-IT"/>
           </a:p>
@@ -9227,7 +9227,7 @@
           <a:p>
             <a:fld id="{8681084F-B397-4D9A-B717-28C93DC644E1}" type="datetime1">
               <a:rPr lang="it-IT" smtClean="0"/>
-              <a:t>22/10/2023</a:t>
+              <a:t>23/10/2023</a:t>
             </a:fld>
             <a:endParaRPr lang="it-IT"/>
           </a:p>
@@ -9495,7 +9495,7 @@
           <a:p>
             <a:fld id="{B855B48F-6F92-456B-9CEB-13FA92002165}" type="datetime1">
               <a:rPr lang="it-IT" smtClean="0"/>
-              <a:t>22/10/2023</a:t>
+              <a:t>23/10/2023</a:t>
             </a:fld>
             <a:endParaRPr lang="it-IT"/>
           </a:p>
@@ -9910,7 +9910,7 @@
           <a:p>
             <a:fld id="{44F573C1-8C3B-4691-B20B-10AA4C4B9F18}" type="datetime1">
               <a:rPr lang="it-IT" smtClean="0"/>
-              <a:t>22/10/2023</a:t>
+              <a:t>23/10/2023</a:t>
             </a:fld>
             <a:endParaRPr lang="it-IT"/>
           </a:p>
@@ -10052,7 +10052,7 @@
           <a:p>
             <a:fld id="{D819F175-DCA9-4903-ACA2-7131EFAFF832}" type="datetime1">
               <a:rPr lang="it-IT" smtClean="0"/>
-              <a:t>22/10/2023</a:t>
+              <a:t>23/10/2023</a:t>
             </a:fld>
             <a:endParaRPr lang="it-IT"/>
           </a:p>
@@ -10165,7 +10165,7 @@
           <a:p>
             <a:fld id="{EF774F02-FBDA-44EF-B6F4-77D159B2D26D}" type="datetime1">
               <a:rPr lang="it-IT" smtClean="0"/>
-              <a:t>22/10/2023</a:t>
+              <a:t>23/10/2023</a:t>
             </a:fld>
             <a:endParaRPr lang="it-IT"/>
           </a:p>
@@ -10478,7 +10478,7 @@
           <a:p>
             <a:fld id="{CD2DCA2E-8382-4E58-BE53-3CA49E310222}" type="datetime1">
               <a:rPr lang="it-IT" smtClean="0"/>
-              <a:t>22/10/2023</a:t>
+              <a:t>23/10/2023</a:t>
             </a:fld>
             <a:endParaRPr lang="it-IT"/>
           </a:p>
@@ -10767,7 +10767,7 @@
           <a:p>
             <a:fld id="{5E278125-6853-43A2-991B-77B7DDCCC688}" type="datetime1">
               <a:rPr lang="it-IT" smtClean="0"/>
-              <a:t>22/10/2023</a:t>
+              <a:t>23/10/2023</a:t>
             </a:fld>
             <a:endParaRPr lang="it-IT"/>
           </a:p>
@@ -11027,7 +11027,7 @@
           <a:p>
             <a:fld id="{842C23F0-606E-4C6A-82A8-FF84B32E2232}" type="datetime1">
               <a:rPr lang="it-IT" smtClean="0"/>
-              <a:t>22/10/2023</a:t>
+              <a:t>23/10/2023</a:t>
             </a:fld>
             <a:endParaRPr lang="it-IT"/>
           </a:p>
@@ -19141,6 +19141,9 @@
                     <p:cTn id="3" fill="hold">
                       <p:stCondLst>
                         <p:cond delay="indefinite"/>
+                        <p:cond evt="onBegin" delay="0">
+                          <p:tn val="2"/>
+                        </p:cond>
                       </p:stCondLst>
                       <p:childTnLst>
                         <p:par>
@@ -19150,7 +19153,7 @@
                             </p:stCondLst>
                             <p:childTnLst>
                               <p:par>
-                                <p:cTn id="5" presetID="10" presetClass="entr" presetSubtype="0" fill="hold" nodeType="clickEffect">
+                                <p:cTn id="5" presetID="10" presetClass="entr" presetSubtype="0" fill="hold" nodeType="withEffect">
                                   <p:stCondLst>
                                     <p:cond delay="0"/>
                                   </p:stCondLst>
@@ -26342,8 +26345,8 @@
         </p:nvSpPr>
         <p:spPr>
           <a:xfrm>
-            <a:off x="824667" y="1116425"/>
-            <a:ext cx="10532308" cy="536232"/>
+            <a:off x="927339" y="1107404"/>
+            <a:ext cx="10326964" cy="536232"/>
           </a:xfrm>
           <a:prstGeom prst="roundRect">
             <a:avLst/>
@@ -26520,8 +26523,8 @@
         </p:nvCxnSpPr>
         <p:spPr>
           <a:xfrm>
-            <a:off x="436605" y="1774070"/>
-            <a:ext cx="11318790" cy="0"/>
+            <a:off x="596403" y="1773786"/>
+            <a:ext cx="10999194" cy="284"/>
           </a:xfrm>
           <a:prstGeom prst="line">
             <a:avLst/>
@@ -27570,8 +27573,8 @@
         </p:nvSpPr>
         <p:spPr>
           <a:xfrm>
-            <a:off x="1295396" y="4128928"/>
-            <a:ext cx="5791203" cy="1322789"/>
+            <a:off x="1189607" y="4247450"/>
+            <a:ext cx="5956918" cy="1322790"/>
           </a:xfrm>
           <a:prstGeom prst="roundRect">
             <a:avLst/>
@@ -27636,7 +27639,7 @@
                 <a:latin typeface="Arial" panose="020B0604020202020204" pitchFamily="34" charset="0"/>
                 <a:cs typeface="Arial" panose="020B0604020202020204" pitchFamily="34" charset="0"/>
               </a:rPr>
-              <a:t>permette di gestire le comunicazioni e gli aggiornamenti delle componenti grafiche</a:t>
+              <a:t>gestisce le comunicazioni e gli aggiornamenti più o meno frequenti delle componenti grafiche</a:t>
             </a:r>
           </a:p>
         </p:txBody>
@@ -27655,8 +27658,8 @@
         </p:nvSpPr>
         <p:spPr>
           <a:xfrm>
-            <a:off x="1295397" y="1007661"/>
-            <a:ext cx="9601206" cy="657932"/>
+            <a:off x="1568014" y="959054"/>
+            <a:ext cx="9055966" cy="657932"/>
           </a:xfrm>
           <a:prstGeom prst="roundRect">
             <a:avLst/>
@@ -27690,90 +27693,29 @@
           <a:bodyPr rtlCol="0" anchor="ctr"/>
           <a:lstStyle/>
           <a:p>
-            <a:pPr marL="0" marR="0" lvl="0" indent="0" algn="ctr" defTabSz="914400" rtl="0" eaLnBrk="1" fontAlgn="auto" latinLnBrk="0" hangingPunct="1">
-              <a:lnSpc>
-                <a:spcPct val="100000"/>
-              </a:lnSpc>
-              <a:spcBef>
-                <a:spcPts val="0"/>
-              </a:spcBef>
-              <a:spcAft>
-                <a:spcPts val="0"/>
-              </a:spcAft>
-              <a:buClrTx/>
-              <a:buSzTx/>
-              <a:buFontTx/>
-              <a:buNone/>
-              <a:tabLst/>
+            <a:pPr algn="ctr">
               <a:defRPr/>
             </a:pPr>
-            <a:endParaRPr kumimoji="0" lang="it-IT" sz="1800" b="0" i="0" u="none" strike="noStrike" kern="1200" cap="none" spc="0" normalizeH="0" baseline="0" noProof="0">
-              <a:ln>
-                <a:noFill/>
-              </a:ln>
-              <a:solidFill>
-                <a:prstClr val="white"/>
-              </a:solidFill>
-              <a:effectLst/>
-              <a:uLnTx/>
-              <a:uFillTx/>
-              <a:latin typeface="Arial" panose="020B0604020202020204" pitchFamily="34" charset="0"/>
-              <a:cs typeface="Arial" panose="020B0604020202020204" pitchFamily="34" charset="0"/>
-            </a:endParaRPr>
-          </a:p>
-        </p:txBody>
-      </p:sp>
-      <p:sp>
-        <p:nvSpPr>
-          <p:cNvPr id="3" name="Subtitle 2">
-            <a:extLst>
-              <a:ext uri="{FF2B5EF4-FFF2-40B4-BE49-F238E27FC236}">
-                <a16:creationId xmlns:a16="http://schemas.microsoft.com/office/drawing/2014/main" id="{FC446B2D-F94A-2F94-9904-6D62ADA65C8F}"/>
-              </a:ext>
-            </a:extLst>
-          </p:cNvPr>
-          <p:cNvSpPr>
-            <a:spLocks noGrp="1"/>
-          </p:cNvSpPr>
-          <p:nvPr>
-            <p:ph type="subTitle" idx="1"/>
-          </p:nvPr>
-        </p:nvSpPr>
-        <p:spPr>
-          <a:xfrm>
-            <a:off x="1363530" y="877632"/>
-            <a:ext cx="9601206" cy="929553"/>
-          </a:xfrm>
-        </p:spPr>
-        <p:txBody>
-          <a:bodyPr>
-            <a:normAutofit fontScale="85000" lnSpcReduction="10000"/>
-          </a:bodyPr>
-          <a:lstStyle/>
-          <a:p>
-            <a:pPr algn="l">
-              <a:lnSpc>
-                <a:spcPct val="200000"/>
-              </a:lnSpc>
-            </a:pPr>
             <a:r>
-              <a:rPr lang="it-IT" sz="2800" dirty="0">
+              <a:rPr lang="it-IT" sz="2400" dirty="0">
+                <a:solidFill>
+                  <a:schemeClr val="tx1"/>
+                </a:solidFill>
                 <a:latin typeface="Arial" panose="020B0604020202020204" pitchFamily="34" charset="0"/>
                 <a:cs typeface="Arial" panose="020B0604020202020204" pitchFamily="34" charset="0"/>
               </a:rPr>
               <a:t>Alcuni elementi grafici necessitano di </a:t>
             </a:r>
             <a:r>
-              <a:rPr lang="it-IT" sz="2800" b="1" dirty="0">
+              <a:rPr lang="it-IT" sz="2400" b="1" dirty="0">
+                <a:solidFill>
+                  <a:schemeClr val="tx1"/>
+                </a:solidFill>
                 <a:latin typeface="Arial" panose="020B0604020202020204" pitchFamily="34" charset="0"/>
                 <a:cs typeface="Arial" panose="020B0604020202020204" pitchFamily="34" charset="0"/>
               </a:rPr>
               <a:t>aggiornamenti tempestivi</a:t>
             </a:r>
-            <a:endParaRPr lang="it-IT" b="1" dirty="0">
-              <a:latin typeface="Arial" panose="020B0604020202020204" pitchFamily="34" charset="0"/>
-              <a:cs typeface="Arial" panose="020B0604020202020204" pitchFamily="34" charset="0"/>
-            </a:endParaRPr>
           </a:p>
         </p:txBody>
       </p:sp>
@@ -27828,6 +27770,9 @@
                     <p:cTn id="3" fill="hold">
                       <p:stCondLst>
                         <p:cond delay="indefinite"/>
+                        <p:cond evt="onBegin" delay="0">
+                          <p:tn val="2"/>
+                        </p:cond>
                       </p:stCondLst>
                       <p:childTnLst>
                         <p:par>
@@ -27837,7 +27782,7 @@
                             </p:stCondLst>
                             <p:childTnLst>
                               <p:par>
-                                <p:cTn id="5" presetID="10" presetClass="entr" presetSubtype="0" fill="hold" nodeType="clickEffect">
+                                <p:cTn id="5" presetID="10" presetClass="entr" presetSubtype="0" fill="hold" grpId="0" nodeType="withEffect">
                                   <p:stCondLst>
                                     <p:cond delay="0"/>
                                   </p:stCondLst>
@@ -27845,49 +27790,6 @@
                                     <p:set>
                                       <p:cBhvr>
                                         <p:cTn id="6" dur="1" fill="hold">
-                                          <p:stCondLst>
-                                            <p:cond delay="0"/>
-                                          </p:stCondLst>
-                                        </p:cTn>
-                                        <p:tgtEl>
-                                          <p:spTgt spid="3">
-                                            <p:txEl>
-                                              <p:pRg st="0" end="0"/>
-                                            </p:txEl>
-                                          </p:spTgt>
-                                        </p:tgtEl>
-                                        <p:attrNameLst>
-                                          <p:attrName>style.visibility</p:attrName>
-                                        </p:attrNameLst>
-                                      </p:cBhvr>
-                                      <p:to>
-                                        <p:strVal val="visible"/>
-                                      </p:to>
-                                    </p:set>
-                                    <p:animEffect transition="in" filter="fade">
-                                      <p:cBhvr>
-                                        <p:cTn id="7" dur="500"/>
-                                        <p:tgtEl>
-                                          <p:spTgt spid="3">
-                                            <p:txEl>
-                                              <p:pRg st="0" end="0"/>
-                                            </p:txEl>
-                                          </p:spTgt>
-                                        </p:tgtEl>
-                                      </p:cBhvr>
-                                    </p:animEffect>
-                                  </p:childTnLst>
-                                </p:cTn>
-                              </p:par>
-                              <p:par>
-                                <p:cTn id="8" presetID="10" presetClass="entr" presetSubtype="0" fill="hold" grpId="0" nodeType="withEffect">
-                                  <p:stCondLst>
-                                    <p:cond delay="0"/>
-                                  </p:stCondLst>
-                                  <p:childTnLst>
-                                    <p:set>
-                                      <p:cBhvr>
-                                        <p:cTn id="9" dur="1" fill="hold">
                                           <p:stCondLst>
                                             <p:cond delay="0"/>
                                           </p:stCondLst>
@@ -27905,7 +27807,7 @@
                                     </p:set>
                                     <p:animEffect transition="in" filter="fade">
                                       <p:cBhvr>
-                                        <p:cTn id="10" dur="300"/>
+                                        <p:cTn id="7" dur="300"/>
                                         <p:tgtEl>
                                           <p:spTgt spid="4"/>
                                         </p:tgtEl>
@@ -27918,20 +27820,20 @@
                           </p:cTn>
                         </p:par>
                         <p:par>
-                          <p:cTn id="11" fill="hold">
+                          <p:cTn id="8" fill="hold">
                             <p:stCondLst>
-                              <p:cond delay="500"/>
+                              <p:cond delay="300"/>
                             </p:stCondLst>
                             <p:childTnLst>
                               <p:par>
-                                <p:cTn id="12" presetID="10" presetClass="entr" presetSubtype="0" fill="hold" nodeType="afterEffect">
+                                <p:cTn id="9" presetID="10" presetClass="entr" presetSubtype="0" fill="hold" nodeType="afterEffect">
                                   <p:stCondLst>
                                     <p:cond delay="0"/>
                                   </p:stCondLst>
                                   <p:childTnLst>
                                     <p:set>
                                       <p:cBhvr>
-                                        <p:cTn id="13" dur="1" fill="hold">
+                                        <p:cTn id="10" dur="1" fill="hold">
                                           <p:stCondLst>
                                             <p:cond delay="0"/>
                                           </p:stCondLst>
@@ -27949,7 +27851,7 @@
                                     </p:set>
                                     <p:animEffect transition="in" filter="fade">
                                       <p:cBhvr>
-                                        <p:cTn id="14" dur="300"/>
+                                        <p:cTn id="11" dur="300"/>
                                         <p:tgtEl>
                                           <p:spTgt spid="5"/>
                                         </p:tgtEl>
@@ -27965,26 +27867,26 @@
                     </p:cTn>
                   </p:par>
                   <p:par>
-                    <p:cTn id="15" fill="hold">
+                    <p:cTn id="12" fill="hold">
                       <p:stCondLst>
                         <p:cond delay="indefinite"/>
                       </p:stCondLst>
                       <p:childTnLst>
                         <p:par>
-                          <p:cTn id="16" fill="hold">
+                          <p:cTn id="13" fill="hold">
                             <p:stCondLst>
                               <p:cond delay="0"/>
                             </p:stCondLst>
                             <p:childTnLst>
                               <p:par>
-                                <p:cTn id="17" presetID="10" presetClass="entr" presetSubtype="0" fill="hold" grpId="0" nodeType="clickEffect">
+                                <p:cTn id="14" presetID="10" presetClass="entr" presetSubtype="0" fill="hold" grpId="0" nodeType="clickEffect">
                                   <p:stCondLst>
                                     <p:cond delay="0"/>
                                   </p:stCondLst>
                                   <p:childTnLst>
                                     <p:set>
                                       <p:cBhvr>
-                                        <p:cTn id="18" dur="1" fill="hold">
+                                        <p:cTn id="15" dur="1" fill="hold">
                                           <p:stCondLst>
                                             <p:cond delay="0"/>
                                           </p:stCondLst>
@@ -28002,7 +27904,7 @@
                                     </p:set>
                                     <p:animEffect transition="in" filter="fade">
                                       <p:cBhvr>
-                                        <p:cTn id="19" dur="300"/>
+                                        <p:cTn id="16" dur="300"/>
                                         <p:tgtEl>
                                           <p:spTgt spid="6"/>
                                         </p:tgtEl>
@@ -28015,20 +27917,20 @@
                           </p:cTn>
                         </p:par>
                         <p:par>
-                          <p:cTn id="20" fill="hold">
+                          <p:cTn id="17" fill="hold">
                             <p:stCondLst>
                               <p:cond delay="300"/>
                             </p:stCondLst>
                             <p:childTnLst>
                               <p:par>
-                                <p:cTn id="21" presetID="10" presetClass="entr" presetSubtype="0" fill="hold" nodeType="afterEffect">
+                                <p:cTn id="18" presetID="10" presetClass="entr" presetSubtype="0" fill="hold" nodeType="afterEffect">
                                   <p:stCondLst>
                                     <p:cond delay="0"/>
                                   </p:stCondLst>
                                   <p:childTnLst>
                                     <p:set>
                                       <p:cBhvr>
-                                        <p:cTn id="22" dur="1" fill="hold">
+                                        <p:cTn id="19" dur="1" fill="hold">
                                           <p:stCondLst>
                                             <p:cond delay="0"/>
                                           </p:stCondLst>
@@ -28046,7 +27948,7 @@
                                     </p:set>
                                     <p:animEffect transition="in" filter="fade">
                                       <p:cBhvr>
-                                        <p:cTn id="23" dur="300"/>
+                                        <p:cTn id="20" dur="300"/>
                                         <p:tgtEl>
                                           <p:spTgt spid="7"/>
                                         </p:tgtEl>

--- a/Presentazione_Tesi_Triennale_Informatica_Unimore_2022_2023_Enrico_Marras_152336_v2.pptx
+++ b/Presentazione_Tesi_Triennale_Informatica_Unimore_2022_2023_Enrico_Marras_152336_v2.pptx
@@ -4816,7 +4816,7 @@
           <a:p>
             <a:fld id="{5A380E97-91F5-47EA-9D04-C3513F44CB51}" type="datetimeFigureOut">
               <a:rPr lang="it-IT" smtClean="0"/>
-              <a:t>23/10/2023</a:t>
+              <a:t>25/10/2023</a:t>
             </a:fld>
             <a:endParaRPr lang="it-IT"/>
           </a:p>
@@ -8341,7 +8341,7 @@
           <a:p>
             <a:fld id="{C6B94E2B-A83C-4036-B1E7-12D11015BA88}" type="datetime1">
               <a:rPr lang="it-IT" smtClean="0"/>
-              <a:t>23/10/2023</a:t>
+              <a:t>25/10/2023</a:t>
             </a:fld>
             <a:endParaRPr lang="it-IT"/>
           </a:p>
@@ -8541,7 +8541,7 @@
           <a:p>
             <a:fld id="{769333B3-E355-425F-83F1-331287CF7A51}" type="datetime1">
               <a:rPr lang="it-IT" smtClean="0"/>
-              <a:t>23/10/2023</a:t>
+              <a:t>25/10/2023</a:t>
             </a:fld>
             <a:endParaRPr lang="it-IT"/>
           </a:p>
@@ -8751,7 +8751,7 @@
           <a:p>
             <a:fld id="{96AE93DD-D37A-416F-BF2A-347FB1385994}" type="datetime1">
               <a:rPr lang="it-IT" smtClean="0"/>
-              <a:t>23/10/2023</a:t>
+              <a:t>25/10/2023</a:t>
             </a:fld>
             <a:endParaRPr lang="it-IT"/>
           </a:p>
@@ -8951,7 +8951,7 @@
           <a:p>
             <a:fld id="{D7C24D3A-F463-43E7-A97A-FE6548E45051}" type="datetime1">
               <a:rPr lang="it-IT" smtClean="0"/>
-              <a:t>23/10/2023</a:t>
+              <a:t>25/10/2023</a:t>
             </a:fld>
             <a:endParaRPr lang="it-IT"/>
           </a:p>
@@ -9227,7 +9227,7 @@
           <a:p>
             <a:fld id="{8681084F-B397-4D9A-B717-28C93DC644E1}" type="datetime1">
               <a:rPr lang="it-IT" smtClean="0"/>
-              <a:t>23/10/2023</a:t>
+              <a:t>25/10/2023</a:t>
             </a:fld>
             <a:endParaRPr lang="it-IT"/>
           </a:p>
@@ -9495,7 +9495,7 @@
           <a:p>
             <a:fld id="{B855B48F-6F92-456B-9CEB-13FA92002165}" type="datetime1">
               <a:rPr lang="it-IT" smtClean="0"/>
-              <a:t>23/10/2023</a:t>
+              <a:t>25/10/2023</a:t>
             </a:fld>
             <a:endParaRPr lang="it-IT"/>
           </a:p>
@@ -9910,7 +9910,7 @@
           <a:p>
             <a:fld id="{44F573C1-8C3B-4691-B20B-10AA4C4B9F18}" type="datetime1">
               <a:rPr lang="it-IT" smtClean="0"/>
-              <a:t>23/10/2023</a:t>
+              <a:t>25/10/2023</a:t>
             </a:fld>
             <a:endParaRPr lang="it-IT"/>
           </a:p>
@@ -10052,7 +10052,7 @@
           <a:p>
             <a:fld id="{D819F175-DCA9-4903-ACA2-7131EFAFF832}" type="datetime1">
               <a:rPr lang="it-IT" smtClean="0"/>
-              <a:t>23/10/2023</a:t>
+              <a:t>25/10/2023</a:t>
             </a:fld>
             <a:endParaRPr lang="it-IT"/>
           </a:p>
@@ -10165,7 +10165,7 @@
           <a:p>
             <a:fld id="{EF774F02-FBDA-44EF-B6F4-77D159B2D26D}" type="datetime1">
               <a:rPr lang="it-IT" smtClean="0"/>
-              <a:t>23/10/2023</a:t>
+              <a:t>25/10/2023</a:t>
             </a:fld>
             <a:endParaRPr lang="it-IT"/>
           </a:p>
@@ -10478,7 +10478,7 @@
           <a:p>
             <a:fld id="{CD2DCA2E-8382-4E58-BE53-3CA49E310222}" type="datetime1">
               <a:rPr lang="it-IT" smtClean="0"/>
-              <a:t>23/10/2023</a:t>
+              <a:t>25/10/2023</a:t>
             </a:fld>
             <a:endParaRPr lang="it-IT"/>
           </a:p>
@@ -10767,7 +10767,7 @@
           <a:p>
             <a:fld id="{5E278125-6853-43A2-991B-77B7DDCCC688}" type="datetime1">
               <a:rPr lang="it-IT" smtClean="0"/>
-              <a:t>23/10/2023</a:t>
+              <a:t>25/10/2023</a:t>
             </a:fld>
             <a:endParaRPr lang="it-IT"/>
           </a:p>
@@ -11027,7 +11027,7 @@
           <a:p>
             <a:fld id="{842C23F0-606E-4C6A-82A8-FF84B32E2232}" type="datetime1">
               <a:rPr lang="it-IT" smtClean="0"/>
-              <a:t>23/10/2023</a:t>
+              <a:t>25/10/2023</a:t>
             </a:fld>
             <a:endParaRPr lang="it-IT"/>
           </a:p>
@@ -15995,30 +15995,21 @@
                             </p:childTnLst>
                           </p:cTn>
                         </p:par>
-                      </p:childTnLst>
-                    </p:cTn>
-                  </p:par>
-                  <p:par>
-                    <p:cTn id="57" fill="hold">
-                      <p:stCondLst>
-                        <p:cond delay="indefinite"/>
-                      </p:stCondLst>
-                      <p:childTnLst>
                         <p:par>
-                          <p:cTn id="58" fill="hold">
+                          <p:cTn id="57" fill="hold">
                             <p:stCondLst>
-                              <p:cond delay="0"/>
+                              <p:cond delay="500"/>
                             </p:stCondLst>
                             <p:childTnLst>
                               <p:par>
-                                <p:cTn id="59" presetID="10" presetClass="entr" presetSubtype="0" fill="hold" nodeType="clickEffect">
+                                <p:cTn id="58" presetID="10" presetClass="entr" presetSubtype="0" fill="hold" nodeType="afterEffect">
                                   <p:stCondLst>
                                     <p:cond delay="0"/>
                                   </p:stCondLst>
                                   <p:childTnLst>
                                     <p:set>
                                       <p:cBhvr>
-                                        <p:cTn id="60" dur="1" fill="hold">
+                                        <p:cTn id="59" dur="1" fill="hold">
                                           <p:stCondLst>
                                             <p:cond delay="0"/>
                                           </p:stCondLst>
@@ -16040,7 +16031,7 @@
                                     </p:set>
                                     <p:animEffect transition="in" filter="fade">
                                       <p:cBhvr>
-                                        <p:cTn id="61" dur="500"/>
+                                        <p:cTn id="60" dur="500"/>
                                         <p:tgtEl>
                                           <p:spTgt spid="5">
                                             <p:txEl>
@@ -18898,7 +18889,7 @@
           </a:fontRef>
         </p:style>
         <p:txBody>
-          <a:bodyPr rtlCol="0" anchor="ctr"/>
+          <a:bodyPr rtlCol="0" anchor="t"/>
           <a:lstStyle/>
           <a:p>
             <a:pPr lvl="0" hangingPunct="0"/>
@@ -18942,7 +18933,31 @@
                 <a:ea typeface="Times New Roman" panose="02020603050405020304" pitchFamily="18" charset="0"/>
                 <a:cs typeface="Arial" panose="020B0604020202020204" pitchFamily="34" charset="0"/>
               </a:rPr>
-              <a:t>Monitoraggio input/output e della comunicazione</a:t>
+              <a:t>Monitoraggio </a:t>
+            </a:r>
+            <a:r>
+              <a:rPr lang="it-IT" sz="1700" i="1" dirty="0">
+                <a:solidFill>
+                  <a:schemeClr val="tx1"/>
+                </a:solidFill>
+                <a:effectLst/>
+                <a:latin typeface="Arial" panose="020B0604020202020204" pitchFamily="34" charset="0"/>
+                <a:ea typeface="Times New Roman" panose="02020603050405020304" pitchFamily="18" charset="0"/>
+                <a:cs typeface="Arial" panose="020B0604020202020204" pitchFamily="34" charset="0"/>
+              </a:rPr>
+              <a:t>input/output </a:t>
+            </a:r>
+            <a:r>
+              <a:rPr lang="it-IT" sz="1700" dirty="0">
+                <a:solidFill>
+                  <a:schemeClr val="tx1"/>
+                </a:solidFill>
+                <a:effectLst/>
+                <a:latin typeface="Arial" panose="020B0604020202020204" pitchFamily="34" charset="0"/>
+                <a:ea typeface="Times New Roman" panose="02020603050405020304" pitchFamily="18" charset="0"/>
+                <a:cs typeface="Arial" panose="020B0604020202020204" pitchFamily="34" charset="0"/>
+              </a:rPr>
+              <a:t>e della comunicazione</a:t>
             </a:r>
           </a:p>
           <a:p>
@@ -18983,6 +18998,34 @@
               <a:buFont typeface="Wingdings" panose="05000000000000000000" pitchFamily="2" charset="2"/>
               <a:buChar char="§"/>
             </a:pPr>
+            <a:endParaRPr lang="it-IT" sz="1700" dirty="0">
+              <a:solidFill>
+                <a:schemeClr val="tx1"/>
+              </a:solidFill>
+              <a:latin typeface="Arial" panose="020B0604020202020204" pitchFamily="34" charset="0"/>
+              <a:ea typeface="Times New Roman" panose="02020603050405020304" pitchFamily="18" charset="0"/>
+              <a:cs typeface="Arial" panose="020B0604020202020204" pitchFamily="34" charset="0"/>
+            </a:endParaRPr>
+          </a:p>
+          <a:p>
+            <a:pPr marL="342900" indent="-342900" hangingPunct="0">
+              <a:buFont typeface="Wingdings" panose="05000000000000000000" pitchFamily="2" charset="2"/>
+              <a:buChar char="§"/>
+            </a:pPr>
+            <a:r>
+              <a:rPr lang="it-IT" sz="1700" dirty="0">
+                <a:solidFill>
+                  <a:schemeClr val="tx1"/>
+                </a:solidFill>
+                <a:latin typeface="Arial" panose="020B0604020202020204" pitchFamily="34" charset="0"/>
+                <a:ea typeface="Times New Roman" panose="02020603050405020304" pitchFamily="18" charset="0"/>
+                <a:cs typeface="Arial" panose="020B0604020202020204" pitchFamily="34" charset="0"/>
+              </a:rPr>
+              <a:t>Gestione di diversi profili utente</a:t>
+            </a:r>
+          </a:p>
+          <a:p>
+            <a:pPr lvl="0" hangingPunct="0"/>
             <a:endParaRPr lang="it-IT" sz="1700" dirty="0">
               <a:solidFill>
                 <a:schemeClr val="tx1"/>
@@ -19069,24 +19112,6 @@
               <a:ea typeface="Times New Roman" panose="02020603050405020304" pitchFamily="18" charset="0"/>
               <a:cs typeface="Arial" panose="020B0604020202020204" pitchFamily="34" charset="0"/>
             </a:endParaRPr>
-          </a:p>
-          <a:p>
-            <a:pPr marL="342900" indent="-342900" hangingPunct="0">
-              <a:buFont typeface="Wingdings" panose="05000000000000000000" pitchFamily="2" charset="2"/>
-              <a:buChar char="§"/>
-            </a:pPr>
-            <a:r>
-              <a:rPr lang="it-IT" sz="1700" dirty="0">
-                <a:solidFill>
-                  <a:schemeClr val="tx1"/>
-                </a:solidFill>
-                <a:effectLst/>
-                <a:latin typeface="Arial" panose="020B0604020202020204" pitchFamily="34" charset="0"/>
-                <a:ea typeface="Times New Roman" panose="02020603050405020304" pitchFamily="18" charset="0"/>
-                <a:cs typeface="Arial" panose="020B0604020202020204" pitchFamily="34" charset="0"/>
-              </a:rPr>
-              <a:t>Gestione di diversi profili utente</a:t>
-            </a:r>
           </a:p>
         </p:txBody>
       </p:sp>
@@ -24908,8 +24933,8 @@
         </p:nvSpPr>
         <p:spPr>
           <a:xfrm>
-            <a:off x="2097474" y="1362074"/>
-            <a:ext cx="7997048" cy="2373929"/>
+            <a:off x="1551802" y="1642369"/>
+            <a:ext cx="9358854" cy="3746377"/>
           </a:xfrm>
           <a:prstGeom prst="roundRect">
             <a:avLst>
@@ -24942,45 +24967,18 @@
           </a:fontRef>
         </p:style>
         <p:txBody>
-          <a:bodyPr rtlCol="0" anchor="ctr"/>
+          <a:bodyPr rtlCol="0" anchor="t"/>
           <a:lstStyle/>
-          <a:p>
-            <a:pPr>
-              <a:lnSpc>
-                <a:spcPct val="150000"/>
-              </a:lnSpc>
-            </a:pPr>
-            <a:r>
-              <a:rPr lang="it-IT" sz="2400" b="1" dirty="0">
-                <a:solidFill>
-                  <a:schemeClr val="tx1"/>
-                </a:solidFill>
-                <a:latin typeface="Arial" panose="020B0604020202020204" pitchFamily="34" charset="0"/>
-                <a:cs typeface="Arial" panose="020B0604020202020204" pitchFamily="34" charset="0"/>
-              </a:rPr>
-              <a:t>Problematiche primarie</a:t>
-            </a:r>
-            <a:r>
-              <a:rPr lang="it-IT" sz="2400" dirty="0">
-                <a:solidFill>
-                  <a:schemeClr val="tx1"/>
-                </a:solidFill>
-                <a:latin typeface="Arial" panose="020B0604020202020204" pitchFamily="34" charset="0"/>
-                <a:cs typeface="Arial" panose="020B0604020202020204" pitchFamily="34" charset="0"/>
-              </a:rPr>
-              <a:t>:</a:t>
-            </a:r>
-          </a:p>
           <a:p>
             <a:pPr marL="342900" indent="-342900">
               <a:lnSpc>
-                <a:spcPct val="150000"/>
+                <a:spcPct val="200000"/>
               </a:lnSpc>
               <a:buFont typeface="Wingdings" panose="05000000000000000000" pitchFamily="2" charset="2"/>
               <a:buChar char="§"/>
             </a:pPr>
             <a:r>
-              <a:rPr lang="it-IT" sz="2400" dirty="0">
+              <a:rPr lang="it-IT" sz="2800" dirty="0">
                 <a:solidFill>
                   <a:schemeClr val="tx1"/>
                 </a:solidFill>
@@ -24993,13 +24991,13 @@
           <a:p>
             <a:pPr marL="342900" indent="-342900">
               <a:lnSpc>
-                <a:spcPct val="150000"/>
+                <a:spcPct val="200000"/>
               </a:lnSpc>
               <a:buFont typeface="Wingdings" panose="05000000000000000000" pitchFamily="2" charset="2"/>
               <a:buChar char="§"/>
             </a:pPr>
             <a:r>
-              <a:rPr lang="it-IT" sz="2400" dirty="0">
+              <a:rPr lang="it-IT" sz="2800" dirty="0">
                 <a:solidFill>
                   <a:schemeClr val="tx1"/>
                 </a:solidFill>
@@ -25012,130 +25010,32 @@
           <a:p>
             <a:pPr marL="342900" indent="-342900">
               <a:lnSpc>
-                <a:spcPct val="150000"/>
+                <a:spcPct val="200000"/>
               </a:lnSpc>
               <a:buFont typeface="Wingdings" panose="05000000000000000000" pitchFamily="2" charset="2"/>
               <a:buChar char="§"/>
             </a:pPr>
             <a:r>
-              <a:rPr lang="it-IT" sz="2400" dirty="0">
+              <a:rPr lang="it-IT" sz="2800" dirty="0">
                 <a:solidFill>
                   <a:schemeClr val="tx1"/>
                 </a:solidFill>
                 <a:latin typeface="Arial" panose="020B0604020202020204" pitchFamily="34" charset="0"/>
                 <a:cs typeface="Arial" panose="020B0604020202020204" pitchFamily="34" charset="0"/>
               </a:rPr>
-              <a:t>Dati sensibili salvati "in chiaro"</a:t>
-            </a:r>
-          </a:p>
-        </p:txBody>
-      </p:sp>
-      <p:sp>
-        <p:nvSpPr>
-          <p:cNvPr id="5" name="Rectangle: Rounded Corners 4">
-            <a:extLst>
-              <a:ext uri="{FF2B5EF4-FFF2-40B4-BE49-F238E27FC236}">
-                <a16:creationId xmlns:a16="http://schemas.microsoft.com/office/drawing/2014/main" id="{3567289C-880A-3273-65FA-C992013F2652}"/>
-              </a:ext>
-            </a:extLst>
-          </p:cNvPr>
-          <p:cNvSpPr/>
-          <p:nvPr/>
-        </p:nvSpPr>
-        <p:spPr>
-          <a:xfrm>
-            <a:off x="2097474" y="4217948"/>
-            <a:ext cx="7997048" cy="1772300"/>
-          </a:xfrm>
-          <a:prstGeom prst="roundRect">
-            <a:avLst>
-              <a:gd name="adj" fmla="val 3552"/>
-            </a:avLst>
-          </a:prstGeom>
-          <a:solidFill>
-            <a:schemeClr val="bg1"/>
-          </a:solidFill>
-          <a:ln w="28575">
-            <a:solidFill>
-              <a:schemeClr val="tx1"/>
-            </a:solidFill>
-          </a:ln>
-        </p:spPr>
-        <p:style>
-          <a:lnRef idx="2">
-            <a:schemeClr val="accent1">
-              <a:shade val="15000"/>
-            </a:schemeClr>
-          </a:lnRef>
-          <a:fillRef idx="1">
-            <a:schemeClr val="accent1"/>
-          </a:fillRef>
-          <a:effectRef idx="0">
-            <a:schemeClr val="accent1"/>
-          </a:effectRef>
-          <a:fontRef idx="minor">
-            <a:schemeClr val="lt1"/>
-          </a:fontRef>
-        </p:style>
-        <p:txBody>
-          <a:bodyPr rtlCol="0" anchor="ctr"/>
-          <a:lstStyle/>
-          <a:p>
-            <a:pPr>
-              <a:lnSpc>
-                <a:spcPct val="150000"/>
-              </a:lnSpc>
-            </a:pPr>
-            <a:r>
-              <a:rPr lang="it-IT" sz="2400" b="1" dirty="0">
-                <a:solidFill>
-                  <a:schemeClr val="tx1"/>
-                </a:solidFill>
-                <a:latin typeface="Arial" panose="020B0604020202020204" pitchFamily="34" charset="0"/>
-                <a:cs typeface="Arial" panose="020B0604020202020204" pitchFamily="34" charset="0"/>
-              </a:rPr>
-              <a:t>Problematiche secondarie</a:t>
-            </a:r>
-            <a:r>
-              <a:rPr lang="it-IT" sz="2400" dirty="0">
-                <a:solidFill>
-                  <a:schemeClr val="tx1"/>
-                </a:solidFill>
-                <a:latin typeface="Arial" panose="020B0604020202020204" pitchFamily="34" charset="0"/>
-                <a:cs typeface="Arial" panose="020B0604020202020204" pitchFamily="34" charset="0"/>
-              </a:rPr>
-              <a:t>:</a:t>
+              <a:t>Dati sensibili salvati "in chiaro" </a:t>
             </a:r>
           </a:p>
           <a:p>
             <a:pPr marL="342900" indent="-342900">
               <a:lnSpc>
-                <a:spcPct val="150000"/>
+                <a:spcPct val="200000"/>
               </a:lnSpc>
               <a:buFont typeface="Wingdings" panose="05000000000000000000" pitchFamily="2" charset="2"/>
               <a:buChar char="§"/>
             </a:pPr>
             <a:r>
-              <a:rPr lang="it-IT" sz="2400" dirty="0">
-                <a:solidFill>
-                  <a:schemeClr val="tx1"/>
-                </a:solidFill>
-                <a:latin typeface="Arial" panose="020B0604020202020204" pitchFamily="34" charset="0"/>
-                <a:cs typeface="Arial" panose="020B0604020202020204" pitchFamily="34" charset="0"/>
-              </a:rPr>
-              <a:t>Documentazione carente</a:t>
-            </a:r>
-          </a:p>
-          <a:p>
-            <a:pPr marL="342900" indent="-342900">
-              <a:lnSpc>
-                <a:spcPct val="150000"/>
-              </a:lnSpc>
-              <a:buFont typeface="Wingdings" panose="05000000000000000000" pitchFamily="2" charset="2"/>
-              <a:buChar char="§"/>
-            </a:pPr>
-            <a:r>
-              <a:rPr lang="it-IT" sz="2400" dirty="0">
+              <a:rPr lang="it-IT" sz="2800" dirty="0">
                 <a:solidFill>
                   <a:schemeClr val="tx1"/>
                 </a:solidFill>
@@ -25458,215 +25358,6 @@
                       </p:childTnLst>
                     </p:cTn>
                   </p:par>
-                  <p:par>
-                    <p:cTn id="24" fill="hold">
-                      <p:stCondLst>
-                        <p:cond delay="indefinite"/>
-                      </p:stCondLst>
-                      <p:childTnLst>
-                        <p:par>
-                          <p:cTn id="25" fill="hold">
-                            <p:stCondLst>
-                              <p:cond delay="0"/>
-                            </p:stCondLst>
-                            <p:childTnLst>
-                              <p:par>
-                                <p:cTn id="26" presetID="10" presetClass="entr" presetSubtype="0" fill="hold" grpId="0" nodeType="clickEffect">
-                                  <p:stCondLst>
-                                    <p:cond delay="0"/>
-                                  </p:stCondLst>
-                                  <p:childTnLst>
-                                    <p:set>
-                                      <p:cBhvr>
-                                        <p:cTn id="27" dur="1" fill="hold">
-                                          <p:stCondLst>
-                                            <p:cond delay="0"/>
-                                          </p:stCondLst>
-                                        </p:cTn>
-                                        <p:tgtEl>
-                                          <p:spTgt spid="5"/>
-                                        </p:tgtEl>
-                                        <p:attrNameLst>
-                                          <p:attrName>style.visibility</p:attrName>
-                                        </p:attrNameLst>
-                                      </p:cBhvr>
-                                      <p:to>
-                                        <p:strVal val="visible"/>
-                                      </p:to>
-                                    </p:set>
-                                    <p:animEffect transition="in" filter="fade">
-                                      <p:cBhvr>
-                                        <p:cTn id="28" dur="300"/>
-                                        <p:tgtEl>
-                                          <p:spTgt spid="5"/>
-                                        </p:tgtEl>
-                                      </p:cBhvr>
-                                    </p:animEffect>
-                                  </p:childTnLst>
-                                </p:cTn>
-                              </p:par>
-                            </p:childTnLst>
-                          </p:cTn>
-                        </p:par>
-                        <p:par>
-                          <p:cTn id="29" fill="hold">
-                            <p:stCondLst>
-                              <p:cond delay="300"/>
-                            </p:stCondLst>
-                            <p:childTnLst>
-                              <p:par>
-                                <p:cTn id="30" presetID="10" presetClass="entr" presetSubtype="0" fill="hold" nodeType="afterEffect">
-                                  <p:stCondLst>
-                                    <p:cond delay="0"/>
-                                  </p:stCondLst>
-                                  <p:childTnLst>
-                                    <p:set>
-                                      <p:cBhvr>
-                                        <p:cTn id="31" dur="1" fill="hold">
-                                          <p:stCondLst>
-                                            <p:cond delay="0"/>
-                                          </p:stCondLst>
-                                        </p:cTn>
-                                        <p:tgtEl>
-                                          <p:spTgt spid="5">
-                                            <p:txEl>
-                                              <p:pRg st="0" end="0"/>
-                                            </p:txEl>
-                                          </p:spTgt>
-                                        </p:tgtEl>
-                                        <p:attrNameLst>
-                                          <p:attrName>style.visibility</p:attrName>
-                                        </p:attrNameLst>
-                                      </p:cBhvr>
-                                      <p:to>
-                                        <p:strVal val="visible"/>
-                                      </p:to>
-                                    </p:set>
-                                    <p:animEffect transition="in" filter="fade">
-                                      <p:cBhvr>
-                                        <p:cTn id="32" dur="300"/>
-                                        <p:tgtEl>
-                                          <p:spTgt spid="5">
-                                            <p:txEl>
-                                              <p:pRg st="0" end="0"/>
-                                            </p:txEl>
-                                          </p:spTgt>
-                                        </p:tgtEl>
-                                      </p:cBhvr>
-                                    </p:animEffect>
-                                  </p:childTnLst>
-                                </p:cTn>
-                              </p:par>
-                            </p:childTnLst>
-                          </p:cTn>
-                        </p:par>
-                        <p:par>
-                          <p:cTn id="33" fill="hold">
-                            <p:stCondLst>
-                              <p:cond delay="600"/>
-                            </p:stCondLst>
-                            <p:childTnLst>
-                              <p:par>
-                                <p:cTn id="34" presetID="10" presetClass="entr" presetSubtype="0" fill="hold" nodeType="afterEffect">
-                                  <p:stCondLst>
-                                    <p:cond delay="0"/>
-                                  </p:stCondLst>
-                                  <p:childTnLst>
-                                    <p:set>
-                                      <p:cBhvr>
-                                        <p:cTn id="35" dur="1" fill="hold">
-                                          <p:stCondLst>
-                                            <p:cond delay="0"/>
-                                          </p:stCondLst>
-                                        </p:cTn>
-                                        <p:tgtEl>
-                                          <p:spTgt spid="5">
-                                            <p:txEl>
-                                              <p:pRg st="1" end="1"/>
-                                            </p:txEl>
-                                          </p:spTgt>
-                                        </p:tgtEl>
-                                        <p:attrNameLst>
-                                          <p:attrName>style.visibility</p:attrName>
-                                        </p:attrNameLst>
-                                      </p:cBhvr>
-                                      <p:to>
-                                        <p:strVal val="visible"/>
-                                      </p:to>
-                                    </p:set>
-                                    <p:animEffect transition="in" filter="fade">
-                                      <p:cBhvr>
-                                        <p:cTn id="36" dur="300"/>
-                                        <p:tgtEl>
-                                          <p:spTgt spid="5">
-                                            <p:txEl>
-                                              <p:pRg st="1" end="1"/>
-                                            </p:txEl>
-                                          </p:spTgt>
-                                        </p:tgtEl>
-                                      </p:cBhvr>
-                                    </p:animEffect>
-                                  </p:childTnLst>
-                                </p:cTn>
-                              </p:par>
-                            </p:childTnLst>
-                          </p:cTn>
-                        </p:par>
-                        <p:par>
-                          <p:cTn id="37" fill="hold">
-                            <p:stCondLst>
-                              <p:cond delay="900"/>
-                            </p:stCondLst>
-                            <p:childTnLst>
-                              <p:par>
-                                <p:cTn id="38" presetID="10" presetClass="entr" presetSubtype="0" fill="hold" nodeType="afterEffect">
-                                  <p:stCondLst>
-                                    <p:cond delay="0"/>
-                                  </p:stCondLst>
-                                  <p:childTnLst>
-                                    <p:set>
-                                      <p:cBhvr>
-                                        <p:cTn id="39" dur="1" fill="hold">
-                                          <p:stCondLst>
-                                            <p:cond delay="0"/>
-                                          </p:stCondLst>
-                                        </p:cTn>
-                                        <p:tgtEl>
-                                          <p:spTgt spid="5">
-                                            <p:txEl>
-                                              <p:pRg st="2" end="2"/>
-                                            </p:txEl>
-                                          </p:spTgt>
-                                        </p:tgtEl>
-                                        <p:attrNameLst>
-                                          <p:attrName>style.visibility</p:attrName>
-                                        </p:attrNameLst>
-                                      </p:cBhvr>
-                                      <p:to>
-                                        <p:strVal val="visible"/>
-                                      </p:to>
-                                    </p:set>
-                                    <p:animEffect transition="in" filter="fade">
-                                      <p:cBhvr>
-                                        <p:cTn id="40" dur="300"/>
-                                        <p:tgtEl>
-                                          <p:spTgt spid="5">
-                                            <p:txEl>
-                                              <p:pRg st="2" end="2"/>
-                                            </p:txEl>
-                                          </p:spTgt>
-                                        </p:tgtEl>
-                                      </p:cBhvr>
-                                    </p:animEffect>
-                                  </p:childTnLst>
-                                </p:cTn>
-                              </p:par>
-                            </p:childTnLst>
-                          </p:cTn>
-                        </p:par>
-                      </p:childTnLst>
-                    </p:cTn>
-                  </p:par>
                 </p:childTnLst>
               </p:cTn>
               <p:prevCondLst>
@@ -25690,7 +25381,6 @@
     </p:tnLst>
     <p:bldLst>
       <p:bldP spid="4" grpId="0" animBg="1"/>
-      <p:bldP spid="5" grpId="0" animBg="1"/>
     </p:bldLst>
   </p:timing>
 </p:sld>
@@ -25906,7 +25596,7 @@
         </p:nvSpPr>
         <p:spPr>
           <a:xfrm>
-            <a:off x="1109039" y="3103047"/>
+            <a:off x="1109039" y="3298363"/>
             <a:ext cx="3650020" cy="1058733"/>
           </a:xfrm>
           <a:prstGeom prst="roundRect">
@@ -25964,27 +25654,7 @@
                 <a:latin typeface="Arial" panose="020B0604020202020204" pitchFamily="34" charset="0"/>
                 <a:cs typeface="Arial" panose="020B0604020202020204" pitchFamily="34" charset="0"/>
               </a:rPr>
-              <a:t> </a:t>
-            </a:r>
-            <a:r>
-              <a:rPr lang="it-IT" sz="4000">
-                <a:solidFill>
-                  <a:schemeClr val="tx1"/>
-                </a:solidFill>
-                <a:latin typeface="Arial" panose="020B0604020202020204" pitchFamily="34" charset="0"/>
-                <a:cs typeface="Arial" panose="020B0604020202020204" pitchFamily="34" charset="0"/>
-              </a:rPr>
-              <a:t>(3.11.4</a:t>
-            </a:r>
-            <a:r>
-              <a:rPr lang="it-IT" sz="4000" dirty="0">
-                <a:solidFill>
-                  <a:schemeClr val="tx1"/>
-                </a:solidFill>
-                <a:latin typeface="Arial" panose="020B0604020202020204" pitchFamily="34" charset="0"/>
-                <a:cs typeface="Arial" panose="020B0604020202020204" pitchFamily="34" charset="0"/>
-              </a:rPr>
-              <a:t>)</a:t>
+              <a:t> (3.11.4)</a:t>
             </a:r>
           </a:p>
         </p:txBody>
@@ -26003,7 +25673,7 @@
         </p:nvSpPr>
         <p:spPr>
           <a:xfrm>
-            <a:off x="1109039" y="4926735"/>
+            <a:off x="1109039" y="5122051"/>
             <a:ext cx="1828125" cy="1058733"/>
           </a:xfrm>
           <a:prstGeom prst="roundRect">
@@ -26097,7 +25767,7 @@
         </p:nvCxnSpPr>
         <p:spPr>
           <a:xfrm flipV="1">
-            <a:off x="4909351" y="2788301"/>
+            <a:off x="4909351" y="2983617"/>
             <a:ext cx="1970843" cy="826421"/>
           </a:xfrm>
           <a:prstGeom prst="straightConnector1">
@@ -26148,7 +25818,7 @@
         </p:nvCxnSpPr>
         <p:spPr>
           <a:xfrm>
-            <a:off x="4909351" y="3614722"/>
+            <a:off x="4909351" y="3810038"/>
             <a:ext cx="1970843" cy="826421"/>
           </a:xfrm>
           <a:prstGeom prst="straightConnector1">
@@ -26197,7 +25867,7 @@
         </p:nvSpPr>
         <p:spPr>
           <a:xfrm>
-            <a:off x="7016457" y="2258934"/>
+            <a:off x="7016457" y="2454250"/>
             <a:ext cx="3781104" cy="1058733"/>
           </a:xfrm>
           <a:prstGeom prst="roundRect">
@@ -26271,7 +25941,7 @@
         </p:nvSpPr>
         <p:spPr>
           <a:xfrm>
-            <a:off x="7016456" y="3911776"/>
+            <a:off x="7016456" y="4107092"/>
             <a:ext cx="3781105" cy="1058733"/>
           </a:xfrm>
           <a:prstGeom prst="roundRect">
@@ -26345,8 +26015,8 @@
         </p:nvSpPr>
         <p:spPr>
           <a:xfrm>
-            <a:off x="927339" y="1107404"/>
-            <a:ext cx="10326964" cy="536232"/>
+            <a:off x="433802" y="1116425"/>
+            <a:ext cx="11314038" cy="536232"/>
           </a:xfrm>
           <a:prstGeom prst="roundRect">
             <a:avLst/>
@@ -26380,81 +26050,24 @@
           <a:bodyPr rtlCol="0" anchor="ctr"/>
           <a:lstStyle/>
           <a:p>
-            <a:pPr marL="0" marR="0" lvl="0" indent="0" algn="ctr" defTabSz="914400" rtl="0" eaLnBrk="1" fontAlgn="auto" latinLnBrk="0" hangingPunct="1">
-              <a:lnSpc>
-                <a:spcPct val="100000"/>
-              </a:lnSpc>
-              <a:spcBef>
-                <a:spcPts val="0"/>
-              </a:spcBef>
-              <a:spcAft>
-                <a:spcPts val="0"/>
-              </a:spcAft>
-              <a:buClrTx/>
-              <a:buSzTx/>
-              <a:buFontTx/>
-              <a:buNone/>
-              <a:tabLst/>
+            <a:pPr algn="ctr">
               <a:defRPr/>
             </a:pPr>
-            <a:endParaRPr kumimoji="0" lang="it-IT" sz="1800" b="0" i="0" u="none" strike="noStrike" kern="1200" cap="none" spc="0" normalizeH="0" baseline="0" noProof="0">
-              <a:ln>
-                <a:noFill/>
-              </a:ln>
-              <a:solidFill>
-                <a:prstClr val="white"/>
-              </a:solidFill>
-              <a:effectLst/>
-              <a:uLnTx/>
-              <a:uFillTx/>
-              <a:latin typeface="Arial" panose="020B0604020202020204" pitchFamily="34" charset="0"/>
-              <a:cs typeface="Arial" panose="020B0604020202020204" pitchFamily="34" charset="0"/>
-            </a:endParaRPr>
-          </a:p>
-        </p:txBody>
-      </p:sp>
-      <p:sp>
-        <p:nvSpPr>
-          <p:cNvPr id="16" name="Subtitle 2">
-            <a:extLst>
-              <a:ext uri="{FF2B5EF4-FFF2-40B4-BE49-F238E27FC236}">
-                <a16:creationId xmlns:a16="http://schemas.microsoft.com/office/drawing/2014/main" id="{458150F9-3EB6-EC3D-C3D3-DB8587BE37DE}"/>
-              </a:ext>
-            </a:extLst>
-          </p:cNvPr>
-          <p:cNvSpPr>
-            <a:spLocks noGrp="1"/>
-          </p:cNvSpPr>
-          <p:nvPr>
-            <p:ph type="subTitle" idx="1"/>
-          </p:nvPr>
-        </p:nvSpPr>
-        <p:spPr>
-          <a:xfrm>
-            <a:off x="756201" y="1210527"/>
-            <a:ext cx="10532308" cy="563259"/>
-          </a:xfrm>
-        </p:spPr>
-        <p:txBody>
-          <a:bodyPr>
-            <a:normAutofit fontScale="77500" lnSpcReduction="20000"/>
-          </a:bodyPr>
-          <a:lstStyle/>
-          <a:p>
-            <a:pPr>
-              <a:lnSpc>
-                <a:spcPct val="100000"/>
-              </a:lnSpc>
-            </a:pPr>
             <a:r>
-              <a:rPr lang="it-IT" sz="2800" dirty="0">
+              <a:rPr lang="it-IT" sz="2400" dirty="0">
+                <a:solidFill>
+                  <a:schemeClr val="tx1"/>
+                </a:solidFill>
                 <a:latin typeface="Arial" panose="020B0604020202020204" pitchFamily="34" charset="0"/>
                 <a:cs typeface="Arial" panose="020B0604020202020204" pitchFamily="34" charset="0"/>
               </a:rPr>
               <a:t>È necessario scegliere tecnologie con licenze che permettano l’</a:t>
             </a:r>
             <a:r>
-              <a:rPr lang="it-IT" sz="2800" b="1" dirty="0">
+              <a:rPr lang="it-IT" sz="2400" b="1" dirty="0">
+                <a:solidFill>
+                  <a:schemeClr val="tx1"/>
+                </a:solidFill>
                 <a:latin typeface="Arial" panose="020B0604020202020204" pitchFamily="34" charset="0"/>
                 <a:cs typeface="Arial" panose="020B0604020202020204" pitchFamily="34" charset="0"/>
               </a:rPr>
@@ -26477,7 +26090,7 @@
         </p:nvSpPr>
         <p:spPr>
           <a:xfrm>
-            <a:off x="1227573" y="4570399"/>
+            <a:off x="1227573" y="4765715"/>
             <a:ext cx="1591056" cy="400110"/>
           </a:xfrm>
           <a:prstGeom prst="rect">
@@ -26523,8 +26136,8 @@
         </p:nvCxnSpPr>
         <p:spPr>
           <a:xfrm>
-            <a:off x="596403" y="1773786"/>
-            <a:ext cx="10999194" cy="284"/>
+            <a:off x="409173" y="1806834"/>
+            <a:ext cx="11373655" cy="2748"/>
           </a:xfrm>
           <a:prstGeom prst="line">
             <a:avLst/>
@@ -26560,7 +26173,7 @@
         </p:nvSpPr>
         <p:spPr>
           <a:xfrm>
-            <a:off x="977955" y="2702369"/>
+            <a:off x="977955" y="2897685"/>
             <a:ext cx="3931396" cy="400110"/>
           </a:xfrm>
           <a:prstGeom prst="rect">
@@ -26604,7 +26217,7 @@
         </p:nvSpPr>
         <p:spPr>
           <a:xfrm>
-            <a:off x="7016457" y="1843509"/>
+            <a:off x="7016457" y="2038825"/>
             <a:ext cx="3650020" cy="400110"/>
           </a:xfrm>
           <a:prstGeom prst="rect">
@@ -26648,7 +26261,7 @@
         </p:nvSpPr>
         <p:spPr>
           <a:xfrm>
-            <a:off x="7016457" y="3511666"/>
+            <a:off x="7016457" y="3706982"/>
             <a:ext cx="3650020" cy="400110"/>
           </a:xfrm>
           <a:prstGeom prst="rect">
@@ -26772,67 +26385,15 @@
                                   </p:childTnLst>
                                 </p:cTn>
                               </p:par>
-                            </p:childTnLst>
-                          </p:cTn>
-                        </p:par>
-                        <p:par>
-                          <p:cTn id="8" fill="hold">
-                            <p:stCondLst>
-                              <p:cond delay="300"/>
-                            </p:stCondLst>
-                            <p:childTnLst>
                               <p:par>
-                                <p:cTn id="9" presetID="10" presetClass="entr" presetSubtype="0" fill="hold" nodeType="afterEffect">
+                                <p:cTn id="8" presetID="10" presetClass="entr" presetSubtype="0" fill="hold" nodeType="withEffect">
                                   <p:stCondLst>
                                     <p:cond delay="0"/>
                                   </p:stCondLst>
                                   <p:childTnLst>
                                     <p:set>
                                       <p:cBhvr>
-                                        <p:cTn id="10" dur="1" fill="hold">
-                                          <p:stCondLst>
-                                            <p:cond delay="0"/>
-                                          </p:stCondLst>
-                                        </p:cTn>
-                                        <p:tgtEl>
-                                          <p:spTgt spid="16">
-                                            <p:txEl>
-                                              <p:pRg st="0" end="0"/>
-                                            </p:txEl>
-                                          </p:spTgt>
-                                        </p:tgtEl>
-                                        <p:attrNameLst>
-                                          <p:attrName>style.visibility</p:attrName>
-                                        </p:attrNameLst>
-                                      </p:cBhvr>
-                                      <p:to>
-                                        <p:strVal val="visible"/>
-                                      </p:to>
-                                    </p:set>
-                                    <p:animEffect transition="in" filter="fade">
-                                      <p:cBhvr>
-                                        <p:cTn id="11" dur="300"/>
-                                        <p:tgtEl>
-                                          <p:spTgt spid="16">
-                                            <p:txEl>
-                                              <p:pRg st="0" end="0"/>
-                                            </p:txEl>
-                                          </p:spTgt>
-                                        </p:tgtEl>
-                                      </p:cBhvr>
-                                    </p:animEffect>
-                                  </p:childTnLst>
-                                </p:cTn>
-                              </p:par>
-                              <p:par>
-                                <p:cTn id="12" presetID="10" presetClass="entr" presetSubtype="0" fill="hold" nodeType="withEffect">
-                                  <p:stCondLst>
-                                    <p:cond delay="0"/>
-                                  </p:stCondLst>
-                                  <p:childTnLst>
-                                    <p:set>
-                                      <p:cBhvr>
-                                        <p:cTn id="13" dur="1" fill="hold">
+                                        <p:cTn id="9" dur="1" fill="hold">
                                           <p:stCondLst>
                                             <p:cond delay="0"/>
                                           </p:stCondLst>
@@ -26850,7 +26411,7 @@
                                     </p:set>
                                     <p:animEffect transition="in" filter="fade">
                                       <p:cBhvr>
-                                        <p:cTn id="14" dur="300"/>
+                                        <p:cTn id="10" dur="300"/>
                                         <p:tgtEl>
                                           <p:spTgt spid="17"/>
                                         </p:tgtEl>
@@ -26866,26 +26427,26 @@
                     </p:cTn>
                   </p:par>
                   <p:par>
-                    <p:cTn id="15" fill="hold">
+                    <p:cTn id="11" fill="hold">
                       <p:stCondLst>
                         <p:cond delay="indefinite"/>
                       </p:stCondLst>
                       <p:childTnLst>
                         <p:par>
-                          <p:cTn id="16" fill="hold">
+                          <p:cTn id="12" fill="hold">
                             <p:stCondLst>
                               <p:cond delay="0"/>
                             </p:stCondLst>
                             <p:childTnLst>
                               <p:par>
-                                <p:cTn id="17" presetID="10" presetClass="entr" presetSubtype="0" fill="hold" grpId="0" nodeType="clickEffect">
+                                <p:cTn id="13" presetID="10" presetClass="entr" presetSubtype="0" fill="hold" grpId="0" nodeType="clickEffect">
                                   <p:stCondLst>
                                     <p:cond delay="0"/>
                                   </p:stCondLst>
                                   <p:childTnLst>
                                     <p:set>
                                       <p:cBhvr>
-                                        <p:cTn id="18" dur="1" fill="hold">
+                                        <p:cTn id="14" dur="1" fill="hold">
                                           <p:stCondLst>
                                             <p:cond delay="0"/>
                                           </p:stCondLst>
@@ -26903,7 +26464,7 @@
                                     </p:set>
                                     <p:animEffect transition="in" filter="fade">
                                       <p:cBhvr>
-                                        <p:cTn id="19" dur="500"/>
+                                        <p:cTn id="15" dur="500"/>
                                         <p:tgtEl>
                                           <p:spTgt spid="4"/>
                                         </p:tgtEl>
@@ -26913,14 +26474,14 @@
                                 </p:cTn>
                               </p:par>
                               <p:par>
-                                <p:cTn id="20" presetID="10" presetClass="entr" presetSubtype="0" fill="hold" grpId="0" nodeType="withEffect">
+                                <p:cTn id="16" presetID="10" presetClass="entr" presetSubtype="0" fill="hold" grpId="0" nodeType="withEffect">
                                   <p:stCondLst>
                                     <p:cond delay="0"/>
                                   </p:stCondLst>
                                   <p:childTnLst>
                                     <p:set>
                                       <p:cBhvr>
-                                        <p:cTn id="21" dur="1" fill="hold">
+                                        <p:cTn id="17" dur="1" fill="hold">
                                           <p:stCondLst>
                                             <p:cond delay="0"/>
                                           </p:stCondLst>
@@ -26938,7 +26499,7 @@
                                     </p:set>
                                     <p:animEffect transition="in" filter="fade">
                                       <p:cBhvr>
-                                        <p:cTn id="22" dur="500"/>
+                                        <p:cTn id="18" dur="500"/>
                                         <p:tgtEl>
                                           <p:spTgt spid="20"/>
                                         </p:tgtEl>
@@ -26954,26 +26515,26 @@
                     </p:cTn>
                   </p:par>
                   <p:par>
-                    <p:cTn id="23" fill="hold">
+                    <p:cTn id="19" fill="hold">
                       <p:stCondLst>
                         <p:cond delay="indefinite"/>
                       </p:stCondLst>
                       <p:childTnLst>
                         <p:par>
-                          <p:cTn id="24" fill="hold">
+                          <p:cTn id="20" fill="hold">
                             <p:stCondLst>
                               <p:cond delay="0"/>
                             </p:stCondLst>
                             <p:childTnLst>
                               <p:par>
-                                <p:cTn id="25" presetID="10" presetClass="entr" presetSubtype="0" fill="hold" nodeType="clickEffect">
+                                <p:cTn id="21" presetID="10" presetClass="entr" presetSubtype="0" fill="hold" nodeType="clickEffect">
                                   <p:stCondLst>
                                     <p:cond delay="0"/>
                                   </p:stCondLst>
                                   <p:childTnLst>
                                     <p:set>
                                       <p:cBhvr>
-                                        <p:cTn id="26" dur="1" fill="hold">
+                                        <p:cTn id="22" dur="1" fill="hold">
                                           <p:stCondLst>
                                             <p:cond delay="0"/>
                                           </p:stCondLst>
@@ -26991,7 +26552,7 @@
                                     </p:set>
                                     <p:animEffect transition="in" filter="fade">
                                       <p:cBhvr>
-                                        <p:cTn id="27" dur="500"/>
+                                        <p:cTn id="23" dur="500"/>
                                         <p:tgtEl>
                                           <p:spTgt spid="6"/>
                                         </p:tgtEl>
@@ -27001,14 +26562,102 @@
                                 </p:cTn>
                               </p:par>
                               <p:par>
-                                <p:cTn id="28" presetID="10" presetClass="entr" presetSubtype="0" fill="hold" nodeType="withEffect">
+                                <p:cTn id="24" presetID="10" presetClass="entr" presetSubtype="0" fill="hold" grpId="0" nodeType="withEffect">
                                   <p:stCondLst>
                                     <p:cond delay="0"/>
                                   </p:stCondLst>
                                   <p:childTnLst>
                                     <p:set>
                                       <p:cBhvr>
-                                        <p:cTn id="29" dur="1" fill="hold">
+                                        <p:cTn id="25" dur="1" fill="hold">
+                                          <p:stCondLst>
+                                            <p:cond delay="0"/>
+                                          </p:stCondLst>
+                                        </p:cTn>
+                                        <p:tgtEl>
+                                          <p:spTgt spid="14"/>
+                                        </p:tgtEl>
+                                        <p:attrNameLst>
+                                          <p:attrName>style.visibility</p:attrName>
+                                        </p:attrNameLst>
+                                      </p:cBhvr>
+                                      <p:to>
+                                        <p:strVal val="visible"/>
+                                      </p:to>
+                                    </p:set>
+                                    <p:animEffect transition="in" filter="fade">
+                                      <p:cBhvr>
+                                        <p:cTn id="26" dur="500"/>
+                                        <p:tgtEl>
+                                          <p:spTgt spid="14"/>
+                                        </p:tgtEl>
+                                      </p:cBhvr>
+                                    </p:animEffect>
+                                  </p:childTnLst>
+                                </p:cTn>
+                              </p:par>
+                              <p:par>
+                                <p:cTn id="27" presetID="10" presetClass="entr" presetSubtype="0" fill="hold" grpId="0" nodeType="withEffect">
+                                  <p:stCondLst>
+                                    <p:cond delay="0"/>
+                                  </p:stCondLst>
+                                  <p:childTnLst>
+                                    <p:set>
+                                      <p:cBhvr>
+                                        <p:cTn id="28" dur="1" fill="hold">
+                                          <p:stCondLst>
+                                            <p:cond delay="0"/>
+                                          </p:stCondLst>
+                                        </p:cTn>
+                                        <p:tgtEl>
+                                          <p:spTgt spid="21"/>
+                                        </p:tgtEl>
+                                        <p:attrNameLst>
+                                          <p:attrName>style.visibility</p:attrName>
+                                        </p:attrNameLst>
+                                      </p:cBhvr>
+                                      <p:to>
+                                        <p:strVal val="visible"/>
+                                      </p:to>
+                                    </p:set>
+                                    <p:animEffect transition="in" filter="fade">
+                                      <p:cBhvr>
+                                        <p:cTn id="29" dur="500"/>
+                                        <p:tgtEl>
+                                          <p:spTgt spid="21"/>
+                                        </p:tgtEl>
+                                      </p:cBhvr>
+                                    </p:animEffect>
+                                  </p:childTnLst>
+                                </p:cTn>
+                              </p:par>
+                            </p:childTnLst>
+                          </p:cTn>
+                        </p:par>
+                      </p:childTnLst>
+                    </p:cTn>
+                  </p:par>
+                  <p:par>
+                    <p:cTn id="30" fill="hold">
+                      <p:stCondLst>
+                        <p:cond delay="indefinite"/>
+                      </p:stCondLst>
+                      <p:childTnLst>
+                        <p:par>
+                          <p:cTn id="31" fill="hold">
+                            <p:stCondLst>
+                              <p:cond delay="0"/>
+                            </p:stCondLst>
+                            <p:childTnLst>
+                              <p:par>
+                                <p:cTn id="32" presetID="10" presetClass="entr" presetSubtype="0" fill="hold" nodeType="clickEffect">
+                                  <p:stCondLst>
+                                    <p:cond delay="0"/>
+                                  </p:stCondLst>
+                                  <p:childTnLst>
+                                    <p:set>
+                                      <p:cBhvr>
+                                        <p:cTn id="33" dur="1" fill="hold">
                                           <p:stCondLst>
                                             <p:cond delay="0"/>
                                           </p:stCondLst>
@@ -27026,7 +26675,7 @@
                                     </p:set>
                                     <p:animEffect transition="in" filter="fade">
                                       <p:cBhvr>
-                                        <p:cTn id="30" dur="500"/>
+                                        <p:cTn id="34" dur="500"/>
                                         <p:tgtEl>
                                           <p:spTgt spid="7"/>
                                         </p:tgtEl>
@@ -27036,20 +26685,20 @@
                                 </p:cTn>
                               </p:par>
                               <p:par>
-                                <p:cTn id="31" presetID="10" presetClass="entr" presetSubtype="0" fill="hold" grpId="0" nodeType="withEffect">
+                                <p:cTn id="35" presetID="10" presetClass="entr" presetSubtype="0" fill="hold" grpId="0" nodeType="withEffect">
                                   <p:stCondLst>
                                     <p:cond delay="0"/>
                                   </p:stCondLst>
                                   <p:childTnLst>
                                     <p:set>
                                       <p:cBhvr>
-                                        <p:cTn id="32" dur="1" fill="hold">
+                                        <p:cTn id="36" dur="1" fill="hold">
                                           <p:stCondLst>
                                             <p:cond delay="0"/>
                                           </p:stCondLst>
                                         </p:cTn>
                                         <p:tgtEl>
-                                          <p:spTgt spid="14"/>
+                                          <p:spTgt spid="15"/>
                                         </p:tgtEl>
                                         <p:attrNameLst>
                                           <p:attrName>style.visibility</p:attrName>
@@ -27061,9 +26710,9 @@
                                     </p:set>
                                     <p:animEffect transition="in" filter="fade">
                                       <p:cBhvr>
-                                        <p:cTn id="33" dur="500"/>
+                                        <p:cTn id="37" dur="500"/>
                                         <p:tgtEl>
-                                          <p:spTgt spid="14"/>
+                                          <p:spTgt spid="15"/>
                                         </p:tgtEl>
                                       </p:cBhvr>
                                     </p:animEffect>
@@ -27071,49 +26720,14 @@
                                 </p:cTn>
                               </p:par>
                               <p:par>
-                                <p:cTn id="34" presetID="10" presetClass="entr" presetSubtype="0" fill="hold" grpId="0" nodeType="withEffect">
+                                <p:cTn id="38" presetID="10" presetClass="entr" presetSubtype="0" fill="hold" grpId="0" nodeType="withEffect">
                                   <p:stCondLst>
                                     <p:cond delay="0"/>
                                   </p:stCondLst>
                                   <p:childTnLst>
                                     <p:set>
                                       <p:cBhvr>
-                                        <p:cTn id="35" dur="1" fill="hold">
-                                          <p:stCondLst>
-                                            <p:cond delay="0"/>
-                                          </p:stCondLst>
-                                        </p:cTn>
-                                        <p:tgtEl>
-                                          <p:spTgt spid="21"/>
-                                        </p:tgtEl>
-                                        <p:attrNameLst>
-                                          <p:attrName>style.visibility</p:attrName>
-                                        </p:attrNameLst>
-                                      </p:cBhvr>
-                                      <p:to>
-                                        <p:strVal val="visible"/>
-                                      </p:to>
-                                    </p:set>
-                                    <p:animEffect transition="in" filter="fade">
-                                      <p:cBhvr>
-                                        <p:cTn id="36" dur="500"/>
-                                        <p:tgtEl>
-                                          <p:spTgt spid="21"/>
-                                        </p:tgtEl>
-                                      </p:cBhvr>
-                                    </p:animEffect>
-                                  </p:childTnLst>
-                                </p:cTn>
-                              </p:par>
-                              <p:par>
-                                <p:cTn id="37" presetID="10" presetClass="entr" presetSubtype="0" fill="hold" grpId="0" nodeType="withEffect">
-                                  <p:stCondLst>
-                                    <p:cond delay="0"/>
-                                  </p:stCondLst>
-                                  <p:childTnLst>
-                                    <p:set>
-                                      <p:cBhvr>
-                                        <p:cTn id="38" dur="1" fill="hold">
+                                        <p:cTn id="39" dur="1" fill="hold">
                                           <p:stCondLst>
                                             <p:cond delay="0"/>
                                           </p:stCondLst>
@@ -27131,44 +26745,9 @@
                                     </p:set>
                                     <p:animEffect transition="in" filter="fade">
                                       <p:cBhvr>
-                                        <p:cTn id="39" dur="500"/>
+                                        <p:cTn id="40" dur="500"/>
                                         <p:tgtEl>
                                           <p:spTgt spid="22"/>
-                                        </p:tgtEl>
-                                      </p:cBhvr>
-                                    </p:animEffect>
-                                  </p:childTnLst>
-                                </p:cTn>
-                              </p:par>
-                              <p:par>
-                                <p:cTn id="40" presetID="10" presetClass="entr" presetSubtype="0" fill="hold" grpId="0" nodeType="withEffect">
-                                  <p:stCondLst>
-                                    <p:cond delay="0"/>
-                                  </p:stCondLst>
-                                  <p:childTnLst>
-                                    <p:set>
-                                      <p:cBhvr>
-                                        <p:cTn id="41" dur="1" fill="hold">
-                                          <p:stCondLst>
-                                            <p:cond delay="0"/>
-                                          </p:stCondLst>
-                                        </p:cTn>
-                                        <p:tgtEl>
-                                          <p:spTgt spid="15"/>
-                                        </p:tgtEl>
-                                        <p:attrNameLst>
-                                          <p:attrName>style.visibility</p:attrName>
-                                        </p:attrNameLst>
-                                      </p:cBhvr>
-                                      <p:to>
-                                        <p:strVal val="visible"/>
-                                      </p:to>
-                                    </p:set>
-                                    <p:animEffect transition="in" filter="fade">
-                                      <p:cBhvr>
-                                        <p:cTn id="42" dur="500"/>
-                                        <p:tgtEl>
-                                          <p:spTgt spid="15"/>
                                         </p:tgtEl>
                                       </p:cBhvr>
                                     </p:animEffect>
@@ -27182,26 +26761,26 @@
                     </p:cTn>
                   </p:par>
                   <p:par>
-                    <p:cTn id="43" fill="hold">
+                    <p:cTn id="41" fill="hold">
                       <p:stCondLst>
                         <p:cond delay="indefinite"/>
                       </p:stCondLst>
                       <p:childTnLst>
                         <p:par>
-                          <p:cTn id="44" fill="hold">
+                          <p:cTn id="42" fill="hold">
                             <p:stCondLst>
                               <p:cond delay="0"/>
                             </p:stCondLst>
                             <p:childTnLst>
                               <p:par>
-                                <p:cTn id="45" presetID="10" presetClass="entr" presetSubtype="0" fill="hold" grpId="0" nodeType="clickEffect">
+                                <p:cTn id="43" presetID="10" presetClass="entr" presetSubtype="0" fill="hold" grpId="0" nodeType="clickEffect">
                                   <p:stCondLst>
                                     <p:cond delay="0"/>
                                   </p:stCondLst>
                                   <p:childTnLst>
                                     <p:set>
                                       <p:cBhvr>
-                                        <p:cTn id="46" dur="1" fill="hold">
+                                        <p:cTn id="44" dur="1" fill="hold">
                                           <p:stCondLst>
                                             <p:cond delay="0"/>
                                           </p:stCondLst>
@@ -27219,7 +26798,7 @@
                                     </p:set>
                                     <p:animEffect transition="in" filter="fade">
                                       <p:cBhvr>
-                                        <p:cTn id="47" dur="500"/>
+                                        <p:cTn id="45" dur="500"/>
                                         <p:tgtEl>
                                           <p:spTgt spid="19"/>
                                         </p:tgtEl>
@@ -27229,14 +26808,14 @@
                                 </p:cTn>
                               </p:par>
                               <p:par>
-                                <p:cTn id="48" presetID="10" presetClass="entr" presetSubtype="0" fill="hold" grpId="0" nodeType="withEffect">
+                                <p:cTn id="46" presetID="10" presetClass="entr" presetSubtype="0" fill="hold" grpId="0" nodeType="withEffect">
                                   <p:stCondLst>
                                     <p:cond delay="0"/>
                                   </p:stCondLst>
                                   <p:childTnLst>
                                     <p:set>
                                       <p:cBhvr>
-                                        <p:cTn id="49" dur="1" fill="hold">
+                                        <p:cTn id="47" dur="1" fill="hold">
                                           <p:stCondLst>
                                             <p:cond delay="0"/>
                                           </p:stCondLst>
@@ -27254,7 +26833,7 @@
                                     </p:set>
                                     <p:animEffect transition="in" filter="fade">
                                       <p:cBhvr>
-                                        <p:cTn id="50" dur="500"/>
+                                        <p:cTn id="48" dur="500"/>
                                         <p:tgtEl>
                                           <p:spTgt spid="13"/>
                                         </p:tgtEl>
